--- a/training/apps.pptx
+++ b/training/apps.pptx
@@ -3,19 +3,21 @@
 <p:presentation xmlns:a="http://schemas.openxmlformats.org/drawingml/2006/main" xmlns:p="http://schemas.openxmlformats.org/presentationml/2006/main" xmlns:r="http://schemas.openxmlformats.org/officeDocument/2006/relationships">
   <p:sldMasterIdLst>
     <p:sldMasterId id="2147483648" r:id="rId2"/>
+    <p:sldMasterId id="2147483661" r:id="rId3"/>
   </p:sldMasterIdLst>
   <p:sldIdLst>
-    <p:sldId id="256" r:id="rId3"/>
-    <p:sldId id="257" r:id="rId4"/>
-    <p:sldId id="258" r:id="rId5"/>
-    <p:sldId id="259" r:id="rId6"/>
-    <p:sldId id="260" r:id="rId7"/>
-    <p:sldId id="261" r:id="rId8"/>
-    <p:sldId id="262" r:id="rId9"/>
-    <p:sldId id="263" r:id="rId10"/>
-    <p:sldId id="264" r:id="rId11"/>
-    <p:sldId id="265" r:id="rId12"/>
-    <p:sldId id="266" r:id="rId13"/>
+    <p:sldId id="256" r:id="rId4"/>
+    <p:sldId id="257" r:id="rId5"/>
+    <p:sldId id="258" r:id="rId6"/>
+    <p:sldId id="259" r:id="rId7"/>
+    <p:sldId id="260" r:id="rId8"/>
+    <p:sldId id="261" r:id="rId9"/>
+    <p:sldId id="262" r:id="rId10"/>
+    <p:sldId id="263" r:id="rId11"/>
+    <p:sldId id="264" r:id="rId12"/>
+    <p:sldId id="265" r:id="rId13"/>
+    <p:sldId id="266" r:id="rId14"/>
+    <p:sldId id="267" r:id="rId15"/>
   </p:sldIdLst>
   <p:sldSz cx="10080625" cy="7559675"/>
   <p:notesSz cx="7772400" cy="10058400"/>
@@ -63,7 +65,7 @@
       </p:grpSpPr>
       <p:sp>
         <p:nvSpPr>
-          <p:cNvPr id="26" name="PlaceHolder 1"/>
+          <p:cNvPr id="24" name="PlaceHolder 1"/>
           <p:cNvSpPr>
             <a:spLocks noGrp="1"/>
           </p:cNvSpPr>
@@ -74,7 +76,7 @@
         <p:spPr>
           <a:xfrm>
             <a:off x="504000" y="301320"/>
-            <a:ext cx="9071640" cy="1262160"/>
+            <a:ext cx="9071280" cy="1261800"/>
           </a:xfrm>
           <a:prstGeom prst="rect">
             <a:avLst/>
@@ -90,7 +92,7 @@
       </p:sp>
       <p:sp>
         <p:nvSpPr>
-          <p:cNvPr id="27" name="PlaceHolder 2"/>
+          <p:cNvPr id="25" name="PlaceHolder 2"/>
           <p:cNvSpPr>
             <a:spLocks noGrp="1"/>
           </p:cNvSpPr>
@@ -101,7 +103,7 @@
         <p:spPr>
           <a:xfrm>
             <a:off x="504000" y="1769040"/>
-            <a:ext cx="9071640" cy="2091240"/>
+            <a:ext cx="9071280" cy="2090880"/>
           </a:xfrm>
           <a:prstGeom prst="rect">
             <a:avLst/>
@@ -116,7 +118,7 @@
       </p:sp>
       <p:sp>
         <p:nvSpPr>
-          <p:cNvPr id="28" name="PlaceHolder 3"/>
+          <p:cNvPr id="26" name="PlaceHolder 3"/>
           <p:cNvSpPr>
             <a:spLocks noGrp="1"/>
           </p:cNvSpPr>
@@ -126,8 +128,8 @@
         </p:nvSpPr>
         <p:spPr>
           <a:xfrm>
-            <a:off x="504000" y="4059360"/>
-            <a:ext cx="9071640" cy="2091240"/>
+            <a:off x="504000" y="4059000"/>
+            <a:ext cx="9071280" cy="2090880"/>
           </a:xfrm>
           <a:prstGeom prst="rect">
             <a:avLst/>
@@ -164,7 +166,7 @@
       </p:grpSpPr>
       <p:sp>
         <p:nvSpPr>
-          <p:cNvPr id="29" name="PlaceHolder 1"/>
+          <p:cNvPr id="27" name="PlaceHolder 1"/>
           <p:cNvSpPr>
             <a:spLocks noGrp="1"/>
           </p:cNvSpPr>
@@ -175,7 +177,7 @@
         <p:spPr>
           <a:xfrm>
             <a:off x="504000" y="301320"/>
-            <a:ext cx="9071640" cy="1262160"/>
+            <a:ext cx="9071280" cy="1261800"/>
           </a:xfrm>
           <a:prstGeom prst="rect">
             <a:avLst/>
@@ -191,7 +193,7 @@
       </p:sp>
       <p:sp>
         <p:nvSpPr>
-          <p:cNvPr id="30" name="PlaceHolder 2"/>
+          <p:cNvPr id="28" name="PlaceHolder 2"/>
           <p:cNvSpPr>
             <a:spLocks noGrp="1"/>
           </p:cNvSpPr>
@@ -202,7 +204,7 @@
         <p:spPr>
           <a:xfrm>
             <a:off x="504000" y="1769040"/>
-            <a:ext cx="4426920" cy="2091240"/>
+            <a:ext cx="4426560" cy="2090880"/>
           </a:xfrm>
           <a:prstGeom prst="rect">
             <a:avLst/>
@@ -217,7 +219,7 @@
       </p:sp>
       <p:sp>
         <p:nvSpPr>
-          <p:cNvPr id="31" name="PlaceHolder 3"/>
+          <p:cNvPr id="29" name="PlaceHolder 3"/>
           <p:cNvSpPr>
             <a:spLocks noGrp="1"/>
           </p:cNvSpPr>
@@ -227,8 +229,8 @@
         </p:nvSpPr>
         <p:spPr>
           <a:xfrm>
-            <a:off x="5152680" y="1769040"/>
-            <a:ext cx="4426920" cy="2091240"/>
+            <a:off x="5152320" y="1769040"/>
+            <a:ext cx="4426560" cy="2090880"/>
           </a:xfrm>
           <a:prstGeom prst="rect">
             <a:avLst/>
@@ -243,7 +245,7 @@
       </p:sp>
       <p:sp>
         <p:nvSpPr>
-          <p:cNvPr id="32" name="PlaceHolder 4"/>
+          <p:cNvPr id="30" name="PlaceHolder 4"/>
           <p:cNvSpPr>
             <a:spLocks noGrp="1"/>
           </p:cNvSpPr>
@@ -253,8 +255,8 @@
         </p:nvSpPr>
         <p:spPr>
           <a:xfrm>
-            <a:off x="5152680" y="4059360"/>
-            <a:ext cx="4426920" cy="2091240"/>
+            <a:off x="5152320" y="4059000"/>
+            <a:ext cx="4426560" cy="2090880"/>
           </a:xfrm>
           <a:prstGeom prst="rect">
             <a:avLst/>
@@ -269,7 +271,7 @@
       </p:sp>
       <p:sp>
         <p:nvSpPr>
-          <p:cNvPr id="33" name="PlaceHolder 5"/>
+          <p:cNvPr id="31" name="PlaceHolder 5"/>
           <p:cNvSpPr>
             <a:spLocks noGrp="1"/>
           </p:cNvSpPr>
@@ -279,8 +281,8 @@
         </p:nvSpPr>
         <p:spPr>
           <a:xfrm>
-            <a:off x="504000" y="4059360"/>
-            <a:ext cx="4426920" cy="2091240"/>
+            <a:off x="504000" y="4059000"/>
+            <a:ext cx="4426560" cy="2090880"/>
           </a:xfrm>
           <a:prstGeom prst="rect">
             <a:avLst/>
@@ -317,7 +319,7 @@
       </p:grpSpPr>
       <p:sp>
         <p:nvSpPr>
-          <p:cNvPr id="34" name="PlaceHolder 1"/>
+          <p:cNvPr id="32" name="PlaceHolder 1"/>
           <p:cNvSpPr>
             <a:spLocks noGrp="1"/>
           </p:cNvSpPr>
@@ -328,7 +330,7 @@
         <p:spPr>
           <a:xfrm>
             <a:off x="504000" y="301320"/>
-            <a:ext cx="9071640" cy="1262160"/>
+            <a:ext cx="9071280" cy="1261800"/>
           </a:xfrm>
           <a:prstGeom prst="rect">
             <a:avLst/>
@@ -344,7 +346,7 @@
       </p:sp>
       <p:sp>
         <p:nvSpPr>
-          <p:cNvPr id="35" name="PlaceHolder 2"/>
+          <p:cNvPr id="33" name="PlaceHolder 2"/>
           <p:cNvSpPr>
             <a:spLocks noGrp="1"/>
           </p:cNvSpPr>
@@ -355,7 +357,7 @@
         <p:spPr>
           <a:xfrm>
             <a:off x="504000" y="1769040"/>
-            <a:ext cx="9071640" cy="4384440"/>
+            <a:ext cx="9071280" cy="4384080"/>
           </a:xfrm>
           <a:prstGeom prst="rect">
             <a:avLst/>
@@ -370,7 +372,7 @@
       </p:sp>
       <p:sp>
         <p:nvSpPr>
-          <p:cNvPr id="36" name="PlaceHolder 3"/>
+          <p:cNvPr id="34" name="PlaceHolder 3"/>
           <p:cNvSpPr>
             <a:spLocks noGrp="1"/>
           </p:cNvSpPr>
@@ -381,7 +383,7 @@
         <p:spPr>
           <a:xfrm>
             <a:off x="504000" y="1769040"/>
-            <a:ext cx="9071640" cy="4384440"/>
+            <a:ext cx="9071280" cy="4384080"/>
           </a:xfrm>
           <a:prstGeom prst="rect">
             <a:avLst/>
@@ -396,7 +398,7 @@
       </p:sp>
       <p:pic>
         <p:nvPicPr>
-          <p:cNvPr id="37" name="" descr=""/>
+          <p:cNvPr id="35" name="" descr=""/>
           <p:cNvPicPr/>
           <p:nvPr/>
         </p:nvPicPr>
@@ -406,8 +408,8 @@
         </p:blipFill>
         <p:spPr>
           <a:xfrm>
-            <a:off x="2292120" y="1768680"/>
-            <a:ext cx="5495040" cy="4384440"/>
+            <a:off x="2292120" y="1769040"/>
+            <a:ext cx="5494680" cy="4384080"/>
           </a:xfrm>
           <a:prstGeom prst="rect">
             <a:avLst/>
@@ -419,7 +421,7 @@
       </p:pic>
       <p:pic>
         <p:nvPicPr>
-          <p:cNvPr id="38" name="" descr=""/>
+          <p:cNvPr id="36" name="" descr=""/>
           <p:cNvPicPr/>
           <p:nvPr/>
         </p:nvPicPr>
@@ -429,8 +431,8 @@
         </p:blipFill>
         <p:spPr>
           <a:xfrm>
-            <a:off x="2292120" y="1768680"/>
-            <a:ext cx="5495040" cy="4384440"/>
+            <a:off x="2292120" y="1769040"/>
+            <a:ext cx="5494680" cy="4384080"/>
           </a:xfrm>
           <a:prstGeom prst="rect">
             <a:avLst/>
@@ -440,6 +442,505 @@
           </a:ln>
         </p:spPr>
       </p:pic>
+    </p:spTree>
+  </p:cSld>
+</p:sldLayout>
+</file>
+
+<file path=ppt/slideLayouts/slideLayout13.xml><?xml version="1.0" encoding="utf-8"?>
+<p:sldLayout xmlns:a="http://schemas.openxmlformats.org/drawingml/2006/main" xmlns:p="http://schemas.openxmlformats.org/presentationml/2006/main" xmlns:r="http://schemas.openxmlformats.org/officeDocument/2006/relationships" type="blank" preserve="1">
+  <p:cSld name="Blank Slide">
+    <p:spTree>
+      <p:nvGrpSpPr>
+        <p:cNvPr id="1" name=""/>
+        <p:cNvGrpSpPr/>
+        <p:nvPr/>
+      </p:nvGrpSpPr>
+      <p:grpSpPr>
+        <a:xfrm>
+          <a:off x="0" y="0"/>
+          <a:ext cx="0" cy="0"/>
+          <a:chOff x="0" y="0"/>
+          <a:chExt cx="0" cy="0"/>
+        </a:xfrm>
+      </p:grpSpPr>
+    </p:spTree>
+  </p:cSld>
+</p:sldLayout>
+</file>
+
+<file path=ppt/slideLayouts/slideLayout14.xml><?xml version="1.0" encoding="utf-8"?>
+<p:sldLayout xmlns:a="http://schemas.openxmlformats.org/drawingml/2006/main" xmlns:p="http://schemas.openxmlformats.org/presentationml/2006/main" xmlns:r="http://schemas.openxmlformats.org/officeDocument/2006/relationships" type="tx" preserve="1">
+  <p:cSld name="Title Slide">
+    <p:spTree>
+      <p:nvGrpSpPr>
+        <p:cNvPr id="1" name=""/>
+        <p:cNvGrpSpPr/>
+        <p:nvPr/>
+      </p:nvGrpSpPr>
+      <p:grpSpPr>
+        <a:xfrm>
+          <a:off x="0" y="0"/>
+          <a:ext cx="0" cy="0"/>
+          <a:chOff x="0" y="0"/>
+          <a:chExt cx="0" cy="0"/>
+        </a:xfrm>
+      </p:grpSpPr>
+      <p:sp>
+        <p:nvSpPr>
+          <p:cNvPr id="39" name="PlaceHolder 1"/>
+          <p:cNvSpPr>
+            <a:spLocks noGrp="1"/>
+          </p:cNvSpPr>
+          <p:nvPr>
+            <p:ph type="title"/>
+          </p:nvPr>
+        </p:nvSpPr>
+        <p:spPr>
+          <a:xfrm>
+            <a:off x="504000" y="301320"/>
+            <a:ext cx="9071280" cy="1261800"/>
+          </a:xfrm>
+          <a:prstGeom prst="rect">
+            <a:avLst/>
+          </a:prstGeom>
+        </p:spPr>
+        <p:txBody>
+          <a:bodyPr lIns="0" rIns="0" tIns="0" bIns="0" anchor="ctr"/>
+          <a:p>
+            <a:pPr algn="ctr"/>
+            <a:endParaRPr/>
+          </a:p>
+        </p:txBody>
+      </p:sp>
+      <p:sp>
+        <p:nvSpPr>
+          <p:cNvPr id="40" name="PlaceHolder 2"/>
+          <p:cNvSpPr>
+            <a:spLocks noGrp="1"/>
+          </p:cNvSpPr>
+          <p:nvPr>
+            <p:ph type="subTitle"/>
+          </p:nvPr>
+        </p:nvSpPr>
+        <p:spPr>
+          <a:xfrm>
+            <a:off x="504000" y="1769040"/>
+            <a:ext cx="9071280" cy="4384080"/>
+          </a:xfrm>
+          <a:prstGeom prst="rect">
+            <a:avLst/>
+          </a:prstGeom>
+        </p:spPr>
+        <p:txBody>
+          <a:bodyPr lIns="0" rIns="0" tIns="0" bIns="0" anchor="ctr"/>
+          <a:p>
+            <a:pPr algn="ctr"/>
+            <a:endParaRPr/>
+          </a:p>
+        </p:txBody>
+      </p:sp>
+    </p:spTree>
+  </p:cSld>
+</p:sldLayout>
+</file>
+
+<file path=ppt/slideLayouts/slideLayout15.xml><?xml version="1.0" encoding="utf-8"?>
+<p:sldLayout xmlns:a="http://schemas.openxmlformats.org/drawingml/2006/main" xmlns:p="http://schemas.openxmlformats.org/presentationml/2006/main" xmlns:r="http://schemas.openxmlformats.org/officeDocument/2006/relationships" type="obj" preserve="1">
+  <p:cSld name="Title, Content">
+    <p:spTree>
+      <p:nvGrpSpPr>
+        <p:cNvPr id="1" name=""/>
+        <p:cNvGrpSpPr/>
+        <p:nvPr/>
+      </p:nvGrpSpPr>
+      <p:grpSpPr>
+        <a:xfrm>
+          <a:off x="0" y="0"/>
+          <a:ext cx="0" cy="0"/>
+          <a:chOff x="0" y="0"/>
+          <a:chExt cx="0" cy="0"/>
+        </a:xfrm>
+      </p:grpSpPr>
+      <p:sp>
+        <p:nvSpPr>
+          <p:cNvPr id="41" name="PlaceHolder 1"/>
+          <p:cNvSpPr>
+            <a:spLocks noGrp="1"/>
+          </p:cNvSpPr>
+          <p:nvPr>
+            <p:ph type="title"/>
+          </p:nvPr>
+        </p:nvSpPr>
+        <p:spPr>
+          <a:xfrm>
+            <a:off x="504000" y="301320"/>
+            <a:ext cx="9071280" cy="1261800"/>
+          </a:xfrm>
+          <a:prstGeom prst="rect">
+            <a:avLst/>
+          </a:prstGeom>
+        </p:spPr>
+        <p:txBody>
+          <a:bodyPr lIns="0" rIns="0" tIns="0" bIns="0" anchor="ctr"/>
+          <a:p>
+            <a:pPr algn="ctr"/>
+            <a:endParaRPr/>
+          </a:p>
+        </p:txBody>
+      </p:sp>
+      <p:sp>
+        <p:nvSpPr>
+          <p:cNvPr id="42" name="PlaceHolder 2"/>
+          <p:cNvSpPr>
+            <a:spLocks noGrp="1"/>
+          </p:cNvSpPr>
+          <p:nvPr>
+            <p:ph type="body"/>
+          </p:nvPr>
+        </p:nvSpPr>
+        <p:spPr>
+          <a:xfrm>
+            <a:off x="504000" y="1769040"/>
+            <a:ext cx="9071280" cy="4384080"/>
+          </a:xfrm>
+          <a:prstGeom prst="rect">
+            <a:avLst/>
+          </a:prstGeom>
+        </p:spPr>
+        <p:txBody>
+          <a:bodyPr lIns="0" rIns="0" tIns="0" bIns="0"/>
+          <a:p>
+            <a:endParaRPr/>
+          </a:p>
+        </p:txBody>
+      </p:sp>
+    </p:spTree>
+  </p:cSld>
+</p:sldLayout>
+</file>
+
+<file path=ppt/slideLayouts/slideLayout16.xml><?xml version="1.0" encoding="utf-8"?>
+<p:sldLayout xmlns:a="http://schemas.openxmlformats.org/drawingml/2006/main" xmlns:p="http://schemas.openxmlformats.org/presentationml/2006/main" xmlns:r="http://schemas.openxmlformats.org/officeDocument/2006/relationships" type="twoObj" preserve="1">
+  <p:cSld name="Title, 2 Content">
+    <p:spTree>
+      <p:nvGrpSpPr>
+        <p:cNvPr id="1" name=""/>
+        <p:cNvGrpSpPr/>
+        <p:nvPr/>
+      </p:nvGrpSpPr>
+      <p:grpSpPr>
+        <a:xfrm>
+          <a:off x="0" y="0"/>
+          <a:ext cx="0" cy="0"/>
+          <a:chOff x="0" y="0"/>
+          <a:chExt cx="0" cy="0"/>
+        </a:xfrm>
+      </p:grpSpPr>
+      <p:sp>
+        <p:nvSpPr>
+          <p:cNvPr id="43" name="PlaceHolder 1"/>
+          <p:cNvSpPr>
+            <a:spLocks noGrp="1"/>
+          </p:cNvSpPr>
+          <p:nvPr>
+            <p:ph type="title"/>
+          </p:nvPr>
+        </p:nvSpPr>
+        <p:spPr>
+          <a:xfrm>
+            <a:off x="504000" y="301320"/>
+            <a:ext cx="9071280" cy="1261800"/>
+          </a:xfrm>
+          <a:prstGeom prst="rect">
+            <a:avLst/>
+          </a:prstGeom>
+        </p:spPr>
+        <p:txBody>
+          <a:bodyPr lIns="0" rIns="0" tIns="0" bIns="0" anchor="ctr"/>
+          <a:p>
+            <a:pPr algn="ctr"/>
+            <a:endParaRPr/>
+          </a:p>
+        </p:txBody>
+      </p:sp>
+      <p:sp>
+        <p:nvSpPr>
+          <p:cNvPr id="44" name="PlaceHolder 2"/>
+          <p:cNvSpPr>
+            <a:spLocks noGrp="1"/>
+          </p:cNvSpPr>
+          <p:nvPr>
+            <p:ph type="body"/>
+          </p:nvPr>
+        </p:nvSpPr>
+        <p:spPr>
+          <a:xfrm>
+            <a:off x="504000" y="1769040"/>
+            <a:ext cx="4426560" cy="4384080"/>
+          </a:xfrm>
+          <a:prstGeom prst="rect">
+            <a:avLst/>
+          </a:prstGeom>
+        </p:spPr>
+        <p:txBody>
+          <a:bodyPr lIns="0" rIns="0" tIns="0" bIns="0"/>
+          <a:p>
+            <a:endParaRPr/>
+          </a:p>
+        </p:txBody>
+      </p:sp>
+      <p:sp>
+        <p:nvSpPr>
+          <p:cNvPr id="45" name="PlaceHolder 3"/>
+          <p:cNvSpPr>
+            <a:spLocks noGrp="1"/>
+          </p:cNvSpPr>
+          <p:nvPr>
+            <p:ph type="body"/>
+          </p:nvPr>
+        </p:nvSpPr>
+        <p:spPr>
+          <a:xfrm>
+            <a:off x="5152320" y="1769040"/>
+            <a:ext cx="4426560" cy="4384080"/>
+          </a:xfrm>
+          <a:prstGeom prst="rect">
+            <a:avLst/>
+          </a:prstGeom>
+        </p:spPr>
+        <p:txBody>
+          <a:bodyPr lIns="0" rIns="0" tIns="0" bIns="0"/>
+          <a:p>
+            <a:endParaRPr/>
+          </a:p>
+        </p:txBody>
+      </p:sp>
+    </p:spTree>
+  </p:cSld>
+</p:sldLayout>
+</file>
+
+<file path=ppt/slideLayouts/slideLayout17.xml><?xml version="1.0" encoding="utf-8"?>
+<p:sldLayout xmlns:a="http://schemas.openxmlformats.org/drawingml/2006/main" xmlns:p="http://schemas.openxmlformats.org/presentationml/2006/main" xmlns:r="http://schemas.openxmlformats.org/officeDocument/2006/relationships" type="titleOnly" preserve="1">
+  <p:cSld name="Title Only">
+    <p:spTree>
+      <p:nvGrpSpPr>
+        <p:cNvPr id="1" name=""/>
+        <p:cNvGrpSpPr/>
+        <p:nvPr/>
+      </p:nvGrpSpPr>
+      <p:grpSpPr>
+        <a:xfrm>
+          <a:off x="0" y="0"/>
+          <a:ext cx="0" cy="0"/>
+          <a:chOff x="0" y="0"/>
+          <a:chExt cx="0" cy="0"/>
+        </a:xfrm>
+      </p:grpSpPr>
+      <p:sp>
+        <p:nvSpPr>
+          <p:cNvPr id="46" name="PlaceHolder 1"/>
+          <p:cNvSpPr>
+            <a:spLocks noGrp="1"/>
+          </p:cNvSpPr>
+          <p:nvPr>
+            <p:ph type="title"/>
+          </p:nvPr>
+        </p:nvSpPr>
+        <p:spPr>
+          <a:xfrm>
+            <a:off x="504000" y="301320"/>
+            <a:ext cx="9071280" cy="1261800"/>
+          </a:xfrm>
+          <a:prstGeom prst="rect">
+            <a:avLst/>
+          </a:prstGeom>
+        </p:spPr>
+        <p:txBody>
+          <a:bodyPr lIns="0" rIns="0" tIns="0" bIns="0" anchor="ctr"/>
+          <a:p>
+            <a:pPr algn="ctr"/>
+            <a:endParaRPr/>
+          </a:p>
+        </p:txBody>
+      </p:sp>
+    </p:spTree>
+  </p:cSld>
+</p:sldLayout>
+</file>
+
+<file path=ppt/slideLayouts/slideLayout18.xml><?xml version="1.0" encoding="utf-8"?>
+<p:sldLayout xmlns:a="http://schemas.openxmlformats.org/drawingml/2006/main" xmlns:p="http://schemas.openxmlformats.org/presentationml/2006/main" xmlns:r="http://schemas.openxmlformats.org/officeDocument/2006/relationships" type="objOnly" preserve="1">
+  <p:cSld name="Centered Text">
+    <p:spTree>
+      <p:nvGrpSpPr>
+        <p:cNvPr id="1" name=""/>
+        <p:cNvGrpSpPr/>
+        <p:nvPr/>
+      </p:nvGrpSpPr>
+      <p:grpSpPr>
+        <a:xfrm>
+          <a:off x="0" y="0"/>
+          <a:ext cx="0" cy="0"/>
+          <a:chOff x="0" y="0"/>
+          <a:chExt cx="0" cy="0"/>
+        </a:xfrm>
+      </p:grpSpPr>
+      <p:sp>
+        <p:nvSpPr>
+          <p:cNvPr id="47" name="PlaceHolder 1"/>
+          <p:cNvSpPr>
+            <a:spLocks noGrp="1"/>
+          </p:cNvSpPr>
+          <p:nvPr>
+            <p:ph type="subTitle"/>
+          </p:nvPr>
+        </p:nvSpPr>
+        <p:spPr>
+          <a:xfrm>
+            <a:off x="504000" y="301320"/>
+            <a:ext cx="9071280" cy="5850360"/>
+          </a:xfrm>
+          <a:prstGeom prst="rect">
+            <a:avLst/>
+          </a:prstGeom>
+        </p:spPr>
+        <p:txBody>
+          <a:bodyPr lIns="0" rIns="0" tIns="0" bIns="0" anchor="ctr"/>
+          <a:p>
+            <a:pPr algn="ctr"/>
+            <a:endParaRPr/>
+          </a:p>
+        </p:txBody>
+      </p:sp>
+    </p:spTree>
+  </p:cSld>
+</p:sldLayout>
+</file>
+
+<file path=ppt/slideLayouts/slideLayout19.xml><?xml version="1.0" encoding="utf-8"?>
+<p:sldLayout xmlns:a="http://schemas.openxmlformats.org/drawingml/2006/main" xmlns:p="http://schemas.openxmlformats.org/presentationml/2006/main" xmlns:r="http://schemas.openxmlformats.org/officeDocument/2006/relationships" type="twoObjAndObj" preserve="1">
+  <p:cSld name="Title, 2 Content and Content">
+    <p:spTree>
+      <p:nvGrpSpPr>
+        <p:cNvPr id="1" name=""/>
+        <p:cNvGrpSpPr/>
+        <p:nvPr/>
+      </p:nvGrpSpPr>
+      <p:grpSpPr>
+        <a:xfrm>
+          <a:off x="0" y="0"/>
+          <a:ext cx="0" cy="0"/>
+          <a:chOff x="0" y="0"/>
+          <a:chExt cx="0" cy="0"/>
+        </a:xfrm>
+      </p:grpSpPr>
+      <p:sp>
+        <p:nvSpPr>
+          <p:cNvPr id="48" name="PlaceHolder 1"/>
+          <p:cNvSpPr>
+            <a:spLocks noGrp="1"/>
+          </p:cNvSpPr>
+          <p:nvPr>
+            <p:ph type="title"/>
+          </p:nvPr>
+        </p:nvSpPr>
+        <p:spPr>
+          <a:xfrm>
+            <a:off x="504000" y="301320"/>
+            <a:ext cx="9071280" cy="1261800"/>
+          </a:xfrm>
+          <a:prstGeom prst="rect">
+            <a:avLst/>
+          </a:prstGeom>
+        </p:spPr>
+        <p:txBody>
+          <a:bodyPr lIns="0" rIns="0" tIns="0" bIns="0" anchor="ctr"/>
+          <a:p>
+            <a:pPr algn="ctr"/>
+            <a:endParaRPr/>
+          </a:p>
+        </p:txBody>
+      </p:sp>
+      <p:sp>
+        <p:nvSpPr>
+          <p:cNvPr id="49" name="PlaceHolder 2"/>
+          <p:cNvSpPr>
+            <a:spLocks noGrp="1"/>
+          </p:cNvSpPr>
+          <p:nvPr>
+            <p:ph type="body"/>
+          </p:nvPr>
+        </p:nvSpPr>
+        <p:spPr>
+          <a:xfrm>
+            <a:off x="504000" y="1769040"/>
+            <a:ext cx="4426560" cy="2090880"/>
+          </a:xfrm>
+          <a:prstGeom prst="rect">
+            <a:avLst/>
+          </a:prstGeom>
+        </p:spPr>
+        <p:txBody>
+          <a:bodyPr lIns="0" rIns="0" tIns="0" bIns="0"/>
+          <a:p>
+            <a:endParaRPr/>
+          </a:p>
+        </p:txBody>
+      </p:sp>
+      <p:sp>
+        <p:nvSpPr>
+          <p:cNvPr id="50" name="PlaceHolder 3"/>
+          <p:cNvSpPr>
+            <a:spLocks noGrp="1"/>
+          </p:cNvSpPr>
+          <p:nvPr>
+            <p:ph type="body"/>
+          </p:nvPr>
+        </p:nvSpPr>
+        <p:spPr>
+          <a:xfrm>
+            <a:off x="504000" y="4059000"/>
+            <a:ext cx="4426560" cy="2090880"/>
+          </a:xfrm>
+          <a:prstGeom prst="rect">
+            <a:avLst/>
+          </a:prstGeom>
+        </p:spPr>
+        <p:txBody>
+          <a:bodyPr lIns="0" rIns="0" tIns="0" bIns="0"/>
+          <a:p>
+            <a:endParaRPr/>
+          </a:p>
+        </p:txBody>
+      </p:sp>
+      <p:sp>
+        <p:nvSpPr>
+          <p:cNvPr id="51" name="PlaceHolder 4"/>
+          <p:cNvSpPr>
+            <a:spLocks noGrp="1"/>
+          </p:cNvSpPr>
+          <p:nvPr>
+            <p:ph type="body"/>
+          </p:nvPr>
+        </p:nvSpPr>
+        <p:spPr>
+          <a:xfrm>
+            <a:off x="5152320" y="1769040"/>
+            <a:ext cx="4426560" cy="4384080"/>
+          </a:xfrm>
+          <a:prstGeom prst="rect">
+            <a:avLst/>
+          </a:prstGeom>
+        </p:spPr>
+        <p:txBody>
+          <a:bodyPr lIns="0" rIns="0" tIns="0" bIns="0"/>
+          <a:p>
+            <a:endParaRPr/>
+          </a:p>
+        </p:txBody>
+      </p:sp>
     </p:spTree>
   </p:cSld>
 </p:sldLayout>
@@ -464,7 +965,7 @@
       </p:grpSpPr>
       <p:sp>
         <p:nvSpPr>
-          <p:cNvPr id="5" name="PlaceHolder 1"/>
+          <p:cNvPr id="3" name="PlaceHolder 1"/>
           <p:cNvSpPr>
             <a:spLocks noGrp="1"/>
           </p:cNvSpPr>
@@ -475,7 +976,7 @@
         <p:spPr>
           <a:xfrm>
             <a:off x="504000" y="301320"/>
-            <a:ext cx="9071640" cy="1262160"/>
+            <a:ext cx="9071280" cy="1261800"/>
           </a:xfrm>
           <a:prstGeom prst="rect">
             <a:avLst/>
@@ -491,7 +992,7 @@
       </p:sp>
       <p:sp>
         <p:nvSpPr>
-          <p:cNvPr id="6" name="PlaceHolder 2"/>
+          <p:cNvPr id="4" name="PlaceHolder 2"/>
           <p:cNvSpPr>
             <a:spLocks noGrp="1"/>
           </p:cNvSpPr>
@@ -502,7 +1003,7 @@
         <p:spPr>
           <a:xfrm>
             <a:off x="504000" y="1769040"/>
-            <a:ext cx="9071640" cy="4384440"/>
+            <a:ext cx="9071280" cy="4384080"/>
           </a:xfrm>
           <a:prstGeom prst="rect">
             <a:avLst/>
@@ -516,6 +1017,661 @@
           </a:p>
         </p:txBody>
       </p:sp>
+    </p:spTree>
+  </p:cSld>
+</p:sldLayout>
+</file>
+
+<file path=ppt/slideLayouts/slideLayout20.xml><?xml version="1.0" encoding="utf-8"?>
+<p:sldLayout xmlns:a="http://schemas.openxmlformats.org/drawingml/2006/main" xmlns:p="http://schemas.openxmlformats.org/presentationml/2006/main" xmlns:r="http://schemas.openxmlformats.org/officeDocument/2006/relationships" type="objAndTwoObj" preserve="1">
+  <p:cSld name="Title Content and 2 Content">
+    <p:spTree>
+      <p:nvGrpSpPr>
+        <p:cNvPr id="1" name=""/>
+        <p:cNvGrpSpPr/>
+        <p:nvPr/>
+      </p:nvGrpSpPr>
+      <p:grpSpPr>
+        <a:xfrm>
+          <a:off x="0" y="0"/>
+          <a:ext cx="0" cy="0"/>
+          <a:chOff x="0" y="0"/>
+          <a:chExt cx="0" cy="0"/>
+        </a:xfrm>
+      </p:grpSpPr>
+      <p:sp>
+        <p:nvSpPr>
+          <p:cNvPr id="52" name="PlaceHolder 1"/>
+          <p:cNvSpPr>
+            <a:spLocks noGrp="1"/>
+          </p:cNvSpPr>
+          <p:nvPr>
+            <p:ph type="title"/>
+          </p:nvPr>
+        </p:nvSpPr>
+        <p:spPr>
+          <a:xfrm>
+            <a:off x="504000" y="301320"/>
+            <a:ext cx="9071280" cy="1261800"/>
+          </a:xfrm>
+          <a:prstGeom prst="rect">
+            <a:avLst/>
+          </a:prstGeom>
+        </p:spPr>
+        <p:txBody>
+          <a:bodyPr lIns="0" rIns="0" tIns="0" bIns="0" anchor="ctr"/>
+          <a:p>
+            <a:pPr algn="ctr"/>
+            <a:endParaRPr/>
+          </a:p>
+        </p:txBody>
+      </p:sp>
+      <p:sp>
+        <p:nvSpPr>
+          <p:cNvPr id="53" name="PlaceHolder 2"/>
+          <p:cNvSpPr>
+            <a:spLocks noGrp="1"/>
+          </p:cNvSpPr>
+          <p:nvPr>
+            <p:ph type="body"/>
+          </p:nvPr>
+        </p:nvSpPr>
+        <p:spPr>
+          <a:xfrm>
+            <a:off x="504000" y="1769040"/>
+            <a:ext cx="4426560" cy="4384080"/>
+          </a:xfrm>
+          <a:prstGeom prst="rect">
+            <a:avLst/>
+          </a:prstGeom>
+        </p:spPr>
+        <p:txBody>
+          <a:bodyPr lIns="0" rIns="0" tIns="0" bIns="0"/>
+          <a:p>
+            <a:endParaRPr/>
+          </a:p>
+        </p:txBody>
+      </p:sp>
+      <p:sp>
+        <p:nvSpPr>
+          <p:cNvPr id="54" name="PlaceHolder 3"/>
+          <p:cNvSpPr>
+            <a:spLocks noGrp="1"/>
+          </p:cNvSpPr>
+          <p:nvPr>
+            <p:ph type="body"/>
+          </p:nvPr>
+        </p:nvSpPr>
+        <p:spPr>
+          <a:xfrm>
+            <a:off x="5152320" y="1769040"/>
+            <a:ext cx="4426560" cy="2090880"/>
+          </a:xfrm>
+          <a:prstGeom prst="rect">
+            <a:avLst/>
+          </a:prstGeom>
+        </p:spPr>
+        <p:txBody>
+          <a:bodyPr lIns="0" rIns="0" tIns="0" bIns="0"/>
+          <a:p>
+            <a:endParaRPr/>
+          </a:p>
+        </p:txBody>
+      </p:sp>
+      <p:sp>
+        <p:nvSpPr>
+          <p:cNvPr id="55" name="PlaceHolder 4"/>
+          <p:cNvSpPr>
+            <a:spLocks noGrp="1"/>
+          </p:cNvSpPr>
+          <p:nvPr>
+            <p:ph type="body"/>
+          </p:nvPr>
+        </p:nvSpPr>
+        <p:spPr>
+          <a:xfrm>
+            <a:off x="5152320" y="4059000"/>
+            <a:ext cx="4426560" cy="2090880"/>
+          </a:xfrm>
+          <a:prstGeom prst="rect">
+            <a:avLst/>
+          </a:prstGeom>
+        </p:spPr>
+        <p:txBody>
+          <a:bodyPr lIns="0" rIns="0" tIns="0" bIns="0"/>
+          <a:p>
+            <a:endParaRPr/>
+          </a:p>
+        </p:txBody>
+      </p:sp>
+    </p:spTree>
+  </p:cSld>
+</p:sldLayout>
+</file>
+
+<file path=ppt/slideLayouts/slideLayout21.xml><?xml version="1.0" encoding="utf-8"?>
+<p:sldLayout xmlns:a="http://schemas.openxmlformats.org/drawingml/2006/main" xmlns:p="http://schemas.openxmlformats.org/presentationml/2006/main" xmlns:r="http://schemas.openxmlformats.org/officeDocument/2006/relationships" type="twoObjOverTx" preserve="1">
+  <p:cSld name="Title, 2 Content over Content">
+    <p:spTree>
+      <p:nvGrpSpPr>
+        <p:cNvPr id="1" name=""/>
+        <p:cNvGrpSpPr/>
+        <p:nvPr/>
+      </p:nvGrpSpPr>
+      <p:grpSpPr>
+        <a:xfrm>
+          <a:off x="0" y="0"/>
+          <a:ext cx="0" cy="0"/>
+          <a:chOff x="0" y="0"/>
+          <a:chExt cx="0" cy="0"/>
+        </a:xfrm>
+      </p:grpSpPr>
+      <p:sp>
+        <p:nvSpPr>
+          <p:cNvPr id="56" name="PlaceHolder 1"/>
+          <p:cNvSpPr>
+            <a:spLocks noGrp="1"/>
+          </p:cNvSpPr>
+          <p:nvPr>
+            <p:ph type="title"/>
+          </p:nvPr>
+        </p:nvSpPr>
+        <p:spPr>
+          <a:xfrm>
+            <a:off x="504000" y="301320"/>
+            <a:ext cx="9071280" cy="1261800"/>
+          </a:xfrm>
+          <a:prstGeom prst="rect">
+            <a:avLst/>
+          </a:prstGeom>
+        </p:spPr>
+        <p:txBody>
+          <a:bodyPr lIns="0" rIns="0" tIns="0" bIns="0" anchor="ctr"/>
+          <a:p>
+            <a:pPr algn="ctr"/>
+            <a:endParaRPr/>
+          </a:p>
+        </p:txBody>
+      </p:sp>
+      <p:sp>
+        <p:nvSpPr>
+          <p:cNvPr id="57" name="PlaceHolder 2"/>
+          <p:cNvSpPr>
+            <a:spLocks noGrp="1"/>
+          </p:cNvSpPr>
+          <p:nvPr>
+            <p:ph type="body"/>
+          </p:nvPr>
+        </p:nvSpPr>
+        <p:spPr>
+          <a:xfrm>
+            <a:off x="504000" y="1769040"/>
+            <a:ext cx="4426560" cy="2090880"/>
+          </a:xfrm>
+          <a:prstGeom prst="rect">
+            <a:avLst/>
+          </a:prstGeom>
+        </p:spPr>
+        <p:txBody>
+          <a:bodyPr lIns="0" rIns="0" tIns="0" bIns="0"/>
+          <a:p>
+            <a:endParaRPr/>
+          </a:p>
+        </p:txBody>
+      </p:sp>
+      <p:sp>
+        <p:nvSpPr>
+          <p:cNvPr id="58" name="PlaceHolder 3"/>
+          <p:cNvSpPr>
+            <a:spLocks noGrp="1"/>
+          </p:cNvSpPr>
+          <p:nvPr>
+            <p:ph type="body"/>
+          </p:nvPr>
+        </p:nvSpPr>
+        <p:spPr>
+          <a:xfrm>
+            <a:off x="5152320" y="1769040"/>
+            <a:ext cx="4426560" cy="2090880"/>
+          </a:xfrm>
+          <a:prstGeom prst="rect">
+            <a:avLst/>
+          </a:prstGeom>
+        </p:spPr>
+        <p:txBody>
+          <a:bodyPr lIns="0" rIns="0" tIns="0" bIns="0"/>
+          <a:p>
+            <a:endParaRPr/>
+          </a:p>
+        </p:txBody>
+      </p:sp>
+      <p:sp>
+        <p:nvSpPr>
+          <p:cNvPr id="59" name="PlaceHolder 4"/>
+          <p:cNvSpPr>
+            <a:spLocks noGrp="1"/>
+          </p:cNvSpPr>
+          <p:nvPr>
+            <p:ph type="body"/>
+          </p:nvPr>
+        </p:nvSpPr>
+        <p:spPr>
+          <a:xfrm>
+            <a:off x="504000" y="4059000"/>
+            <a:ext cx="9071280" cy="2090880"/>
+          </a:xfrm>
+          <a:prstGeom prst="rect">
+            <a:avLst/>
+          </a:prstGeom>
+        </p:spPr>
+        <p:txBody>
+          <a:bodyPr lIns="0" rIns="0" tIns="0" bIns="0"/>
+          <a:p>
+            <a:endParaRPr/>
+          </a:p>
+        </p:txBody>
+      </p:sp>
+    </p:spTree>
+  </p:cSld>
+</p:sldLayout>
+</file>
+
+<file path=ppt/slideLayouts/slideLayout22.xml><?xml version="1.0" encoding="utf-8"?>
+<p:sldLayout xmlns:a="http://schemas.openxmlformats.org/drawingml/2006/main" xmlns:p="http://schemas.openxmlformats.org/presentationml/2006/main" xmlns:r="http://schemas.openxmlformats.org/officeDocument/2006/relationships" type="objOverTx" preserve="1">
+  <p:cSld name="Title, Content over Content">
+    <p:spTree>
+      <p:nvGrpSpPr>
+        <p:cNvPr id="1" name=""/>
+        <p:cNvGrpSpPr/>
+        <p:nvPr/>
+      </p:nvGrpSpPr>
+      <p:grpSpPr>
+        <a:xfrm>
+          <a:off x="0" y="0"/>
+          <a:ext cx="0" cy="0"/>
+          <a:chOff x="0" y="0"/>
+          <a:chExt cx="0" cy="0"/>
+        </a:xfrm>
+      </p:grpSpPr>
+      <p:sp>
+        <p:nvSpPr>
+          <p:cNvPr id="60" name="PlaceHolder 1"/>
+          <p:cNvSpPr>
+            <a:spLocks noGrp="1"/>
+          </p:cNvSpPr>
+          <p:nvPr>
+            <p:ph type="title"/>
+          </p:nvPr>
+        </p:nvSpPr>
+        <p:spPr>
+          <a:xfrm>
+            <a:off x="504000" y="301320"/>
+            <a:ext cx="9071280" cy="1261800"/>
+          </a:xfrm>
+          <a:prstGeom prst="rect">
+            <a:avLst/>
+          </a:prstGeom>
+        </p:spPr>
+        <p:txBody>
+          <a:bodyPr lIns="0" rIns="0" tIns="0" bIns="0" anchor="ctr"/>
+          <a:p>
+            <a:pPr algn="ctr"/>
+            <a:endParaRPr/>
+          </a:p>
+        </p:txBody>
+      </p:sp>
+      <p:sp>
+        <p:nvSpPr>
+          <p:cNvPr id="61" name="PlaceHolder 2"/>
+          <p:cNvSpPr>
+            <a:spLocks noGrp="1"/>
+          </p:cNvSpPr>
+          <p:nvPr>
+            <p:ph type="body"/>
+          </p:nvPr>
+        </p:nvSpPr>
+        <p:spPr>
+          <a:xfrm>
+            <a:off x="504000" y="1769040"/>
+            <a:ext cx="9071280" cy="2090880"/>
+          </a:xfrm>
+          <a:prstGeom prst="rect">
+            <a:avLst/>
+          </a:prstGeom>
+        </p:spPr>
+        <p:txBody>
+          <a:bodyPr lIns="0" rIns="0" tIns="0" bIns="0"/>
+          <a:p>
+            <a:endParaRPr/>
+          </a:p>
+        </p:txBody>
+      </p:sp>
+      <p:sp>
+        <p:nvSpPr>
+          <p:cNvPr id="62" name="PlaceHolder 3"/>
+          <p:cNvSpPr>
+            <a:spLocks noGrp="1"/>
+          </p:cNvSpPr>
+          <p:nvPr>
+            <p:ph type="body"/>
+          </p:nvPr>
+        </p:nvSpPr>
+        <p:spPr>
+          <a:xfrm>
+            <a:off x="504000" y="4059000"/>
+            <a:ext cx="9071280" cy="2090880"/>
+          </a:xfrm>
+          <a:prstGeom prst="rect">
+            <a:avLst/>
+          </a:prstGeom>
+        </p:spPr>
+        <p:txBody>
+          <a:bodyPr lIns="0" rIns="0" tIns="0" bIns="0"/>
+          <a:p>
+            <a:endParaRPr/>
+          </a:p>
+        </p:txBody>
+      </p:sp>
+    </p:spTree>
+  </p:cSld>
+</p:sldLayout>
+</file>
+
+<file path=ppt/slideLayouts/slideLayout23.xml><?xml version="1.0" encoding="utf-8"?>
+<p:sldLayout xmlns:a="http://schemas.openxmlformats.org/drawingml/2006/main" xmlns:p="http://schemas.openxmlformats.org/presentationml/2006/main" xmlns:r="http://schemas.openxmlformats.org/officeDocument/2006/relationships" type="fourObj" preserve="1">
+  <p:cSld name="Title, 4 Content">
+    <p:spTree>
+      <p:nvGrpSpPr>
+        <p:cNvPr id="1" name=""/>
+        <p:cNvGrpSpPr/>
+        <p:nvPr/>
+      </p:nvGrpSpPr>
+      <p:grpSpPr>
+        <a:xfrm>
+          <a:off x="0" y="0"/>
+          <a:ext cx="0" cy="0"/>
+          <a:chOff x="0" y="0"/>
+          <a:chExt cx="0" cy="0"/>
+        </a:xfrm>
+      </p:grpSpPr>
+      <p:sp>
+        <p:nvSpPr>
+          <p:cNvPr id="63" name="PlaceHolder 1"/>
+          <p:cNvSpPr>
+            <a:spLocks noGrp="1"/>
+          </p:cNvSpPr>
+          <p:nvPr>
+            <p:ph type="title"/>
+          </p:nvPr>
+        </p:nvSpPr>
+        <p:spPr>
+          <a:xfrm>
+            <a:off x="504000" y="301320"/>
+            <a:ext cx="9071280" cy="1261800"/>
+          </a:xfrm>
+          <a:prstGeom prst="rect">
+            <a:avLst/>
+          </a:prstGeom>
+        </p:spPr>
+        <p:txBody>
+          <a:bodyPr lIns="0" rIns="0" tIns="0" bIns="0" anchor="ctr"/>
+          <a:p>
+            <a:pPr algn="ctr"/>
+            <a:endParaRPr/>
+          </a:p>
+        </p:txBody>
+      </p:sp>
+      <p:sp>
+        <p:nvSpPr>
+          <p:cNvPr id="64" name="PlaceHolder 2"/>
+          <p:cNvSpPr>
+            <a:spLocks noGrp="1"/>
+          </p:cNvSpPr>
+          <p:nvPr>
+            <p:ph type="body"/>
+          </p:nvPr>
+        </p:nvSpPr>
+        <p:spPr>
+          <a:xfrm>
+            <a:off x="504000" y="1769040"/>
+            <a:ext cx="4426560" cy="2090880"/>
+          </a:xfrm>
+          <a:prstGeom prst="rect">
+            <a:avLst/>
+          </a:prstGeom>
+        </p:spPr>
+        <p:txBody>
+          <a:bodyPr lIns="0" rIns="0" tIns="0" bIns="0"/>
+          <a:p>
+            <a:endParaRPr/>
+          </a:p>
+        </p:txBody>
+      </p:sp>
+      <p:sp>
+        <p:nvSpPr>
+          <p:cNvPr id="65" name="PlaceHolder 3"/>
+          <p:cNvSpPr>
+            <a:spLocks noGrp="1"/>
+          </p:cNvSpPr>
+          <p:nvPr>
+            <p:ph type="body"/>
+          </p:nvPr>
+        </p:nvSpPr>
+        <p:spPr>
+          <a:xfrm>
+            <a:off x="5152320" y="1769040"/>
+            <a:ext cx="4426560" cy="2090880"/>
+          </a:xfrm>
+          <a:prstGeom prst="rect">
+            <a:avLst/>
+          </a:prstGeom>
+        </p:spPr>
+        <p:txBody>
+          <a:bodyPr lIns="0" rIns="0" tIns="0" bIns="0"/>
+          <a:p>
+            <a:endParaRPr/>
+          </a:p>
+        </p:txBody>
+      </p:sp>
+      <p:sp>
+        <p:nvSpPr>
+          <p:cNvPr id="66" name="PlaceHolder 4"/>
+          <p:cNvSpPr>
+            <a:spLocks noGrp="1"/>
+          </p:cNvSpPr>
+          <p:nvPr>
+            <p:ph type="body"/>
+          </p:nvPr>
+        </p:nvSpPr>
+        <p:spPr>
+          <a:xfrm>
+            <a:off x="5152320" y="4059000"/>
+            <a:ext cx="4426560" cy="2090880"/>
+          </a:xfrm>
+          <a:prstGeom prst="rect">
+            <a:avLst/>
+          </a:prstGeom>
+        </p:spPr>
+        <p:txBody>
+          <a:bodyPr lIns="0" rIns="0" tIns="0" bIns="0"/>
+          <a:p>
+            <a:endParaRPr/>
+          </a:p>
+        </p:txBody>
+      </p:sp>
+      <p:sp>
+        <p:nvSpPr>
+          <p:cNvPr id="67" name="PlaceHolder 5"/>
+          <p:cNvSpPr>
+            <a:spLocks noGrp="1"/>
+          </p:cNvSpPr>
+          <p:nvPr>
+            <p:ph type="body"/>
+          </p:nvPr>
+        </p:nvSpPr>
+        <p:spPr>
+          <a:xfrm>
+            <a:off x="504000" y="4059000"/>
+            <a:ext cx="4426560" cy="2090880"/>
+          </a:xfrm>
+          <a:prstGeom prst="rect">
+            <a:avLst/>
+          </a:prstGeom>
+        </p:spPr>
+        <p:txBody>
+          <a:bodyPr lIns="0" rIns="0" tIns="0" bIns="0"/>
+          <a:p>
+            <a:endParaRPr/>
+          </a:p>
+        </p:txBody>
+      </p:sp>
+    </p:spTree>
+  </p:cSld>
+</p:sldLayout>
+</file>
+
+<file path=ppt/slideLayouts/slideLayout24.xml><?xml version="1.0" encoding="utf-8"?>
+<p:sldLayout xmlns:a="http://schemas.openxmlformats.org/drawingml/2006/main" xmlns:p="http://schemas.openxmlformats.org/presentationml/2006/main" xmlns:r="http://schemas.openxmlformats.org/officeDocument/2006/relationships" type="blank" preserve="1">
+  <p:cSld name="Title, 6 Content">
+    <p:spTree>
+      <p:nvGrpSpPr>
+        <p:cNvPr id="1" name=""/>
+        <p:cNvGrpSpPr/>
+        <p:nvPr/>
+      </p:nvGrpSpPr>
+      <p:grpSpPr>
+        <a:xfrm>
+          <a:off x="0" y="0"/>
+          <a:ext cx="0" cy="0"/>
+          <a:chOff x="0" y="0"/>
+          <a:chExt cx="0" cy="0"/>
+        </a:xfrm>
+      </p:grpSpPr>
+      <p:sp>
+        <p:nvSpPr>
+          <p:cNvPr id="68" name="PlaceHolder 1"/>
+          <p:cNvSpPr>
+            <a:spLocks noGrp="1"/>
+          </p:cNvSpPr>
+          <p:nvPr>
+            <p:ph type="title"/>
+          </p:nvPr>
+        </p:nvSpPr>
+        <p:spPr>
+          <a:xfrm>
+            <a:off x="504000" y="301320"/>
+            <a:ext cx="9071280" cy="1261800"/>
+          </a:xfrm>
+          <a:prstGeom prst="rect">
+            <a:avLst/>
+          </a:prstGeom>
+        </p:spPr>
+        <p:txBody>
+          <a:bodyPr lIns="0" rIns="0" tIns="0" bIns="0" anchor="ctr"/>
+          <a:p>
+            <a:pPr algn="ctr"/>
+            <a:endParaRPr/>
+          </a:p>
+        </p:txBody>
+      </p:sp>
+      <p:sp>
+        <p:nvSpPr>
+          <p:cNvPr id="69" name="PlaceHolder 2"/>
+          <p:cNvSpPr>
+            <a:spLocks noGrp="1"/>
+          </p:cNvSpPr>
+          <p:nvPr>
+            <p:ph type="body"/>
+          </p:nvPr>
+        </p:nvSpPr>
+        <p:spPr>
+          <a:xfrm>
+            <a:off x="504000" y="1769040"/>
+            <a:ext cx="9071280" cy="4384080"/>
+          </a:xfrm>
+          <a:prstGeom prst="rect">
+            <a:avLst/>
+          </a:prstGeom>
+        </p:spPr>
+        <p:txBody>
+          <a:bodyPr lIns="0" rIns="0" tIns="0" bIns="0"/>
+          <a:p>
+            <a:endParaRPr/>
+          </a:p>
+        </p:txBody>
+      </p:sp>
+      <p:sp>
+        <p:nvSpPr>
+          <p:cNvPr id="70" name="PlaceHolder 3"/>
+          <p:cNvSpPr>
+            <a:spLocks noGrp="1"/>
+          </p:cNvSpPr>
+          <p:nvPr>
+            <p:ph type="body"/>
+          </p:nvPr>
+        </p:nvSpPr>
+        <p:spPr>
+          <a:xfrm>
+            <a:off x="504000" y="1769040"/>
+            <a:ext cx="9071280" cy="4384080"/>
+          </a:xfrm>
+          <a:prstGeom prst="rect">
+            <a:avLst/>
+          </a:prstGeom>
+        </p:spPr>
+        <p:txBody>
+          <a:bodyPr lIns="0" rIns="0" tIns="0" bIns="0"/>
+          <a:p>
+            <a:endParaRPr/>
+          </a:p>
+        </p:txBody>
+      </p:sp>
+      <p:pic>
+        <p:nvPicPr>
+          <p:cNvPr id="71" name="" descr=""/>
+          <p:cNvPicPr/>
+          <p:nvPr/>
+        </p:nvPicPr>
+        <p:blipFill>
+          <a:blip r:embed="rId2"/>
+          <a:stretch/>
+        </p:blipFill>
+        <p:spPr>
+          <a:xfrm>
+            <a:off x="2292120" y="1769040"/>
+            <a:ext cx="5494680" cy="4384080"/>
+          </a:xfrm>
+          <a:prstGeom prst="rect">
+            <a:avLst/>
+          </a:prstGeom>
+          <a:ln>
+            <a:noFill/>
+          </a:ln>
+        </p:spPr>
+      </p:pic>
+      <p:pic>
+        <p:nvPicPr>
+          <p:cNvPr id="72" name="" descr=""/>
+          <p:cNvPicPr/>
+          <p:nvPr/>
+        </p:nvPicPr>
+        <p:blipFill>
+          <a:blip r:embed="rId3"/>
+          <a:stretch/>
+        </p:blipFill>
+        <p:spPr>
+          <a:xfrm>
+            <a:off x="2292120" y="1769040"/>
+            <a:ext cx="5494680" cy="4384080"/>
+          </a:xfrm>
+          <a:prstGeom prst="rect">
+            <a:avLst/>
+          </a:prstGeom>
+          <a:ln>
+            <a:noFill/>
+          </a:ln>
+        </p:spPr>
+      </p:pic>
     </p:spTree>
   </p:cSld>
 </p:sldLayout>
@@ -540,7 +1696,7 @@
       </p:grpSpPr>
       <p:sp>
         <p:nvSpPr>
-          <p:cNvPr id="7" name="PlaceHolder 1"/>
+          <p:cNvPr id="5" name="PlaceHolder 1"/>
           <p:cNvSpPr>
             <a:spLocks noGrp="1"/>
           </p:cNvSpPr>
@@ -551,7 +1707,7 @@
         <p:spPr>
           <a:xfrm>
             <a:off x="504000" y="301320"/>
-            <a:ext cx="9071640" cy="1262160"/>
+            <a:ext cx="9071280" cy="1261800"/>
           </a:xfrm>
           <a:prstGeom prst="rect">
             <a:avLst/>
@@ -567,7 +1723,7 @@
       </p:sp>
       <p:sp>
         <p:nvSpPr>
-          <p:cNvPr id="8" name="PlaceHolder 2"/>
+          <p:cNvPr id="6" name="PlaceHolder 2"/>
           <p:cNvSpPr>
             <a:spLocks noGrp="1"/>
           </p:cNvSpPr>
@@ -578,7 +1734,7 @@
         <p:spPr>
           <a:xfrm>
             <a:off x="504000" y="1769040"/>
-            <a:ext cx="9071640" cy="4384440"/>
+            <a:ext cx="9071280" cy="4384080"/>
           </a:xfrm>
           <a:prstGeom prst="rect">
             <a:avLst/>
@@ -615,7 +1771,7 @@
       </p:grpSpPr>
       <p:sp>
         <p:nvSpPr>
-          <p:cNvPr id="9" name="PlaceHolder 1"/>
+          <p:cNvPr id="7" name="PlaceHolder 1"/>
           <p:cNvSpPr>
             <a:spLocks noGrp="1"/>
           </p:cNvSpPr>
@@ -626,7 +1782,7 @@
         <p:spPr>
           <a:xfrm>
             <a:off x="504000" y="301320"/>
-            <a:ext cx="9071640" cy="1262160"/>
+            <a:ext cx="9071280" cy="1261800"/>
           </a:xfrm>
           <a:prstGeom prst="rect">
             <a:avLst/>
@@ -642,7 +1798,7 @@
       </p:sp>
       <p:sp>
         <p:nvSpPr>
-          <p:cNvPr id="10" name="PlaceHolder 2"/>
+          <p:cNvPr id="8" name="PlaceHolder 2"/>
           <p:cNvSpPr>
             <a:spLocks noGrp="1"/>
           </p:cNvSpPr>
@@ -653,7 +1809,7 @@
         <p:spPr>
           <a:xfrm>
             <a:off x="504000" y="1769040"/>
-            <a:ext cx="4426920" cy="4384440"/>
+            <a:ext cx="4426560" cy="4384080"/>
           </a:xfrm>
           <a:prstGeom prst="rect">
             <a:avLst/>
@@ -668,7 +1824,7 @@
       </p:sp>
       <p:sp>
         <p:nvSpPr>
-          <p:cNvPr id="11" name="PlaceHolder 3"/>
+          <p:cNvPr id="9" name="PlaceHolder 3"/>
           <p:cNvSpPr>
             <a:spLocks noGrp="1"/>
           </p:cNvSpPr>
@@ -678,8 +1834,8 @@
         </p:nvSpPr>
         <p:spPr>
           <a:xfrm>
-            <a:off x="5152680" y="1769040"/>
-            <a:ext cx="4426920" cy="4384440"/>
+            <a:off x="5152320" y="1769040"/>
+            <a:ext cx="4426560" cy="4384080"/>
           </a:xfrm>
           <a:prstGeom prst="rect">
             <a:avLst/>
@@ -716,7 +1872,7 @@
       </p:grpSpPr>
       <p:sp>
         <p:nvSpPr>
-          <p:cNvPr id="12" name="PlaceHolder 1"/>
+          <p:cNvPr id="10" name="PlaceHolder 1"/>
           <p:cNvSpPr>
             <a:spLocks noGrp="1"/>
           </p:cNvSpPr>
@@ -727,7 +1883,7 @@
         <p:spPr>
           <a:xfrm>
             <a:off x="504000" y="301320"/>
-            <a:ext cx="9071640" cy="1262160"/>
+            <a:ext cx="9071280" cy="1261800"/>
           </a:xfrm>
           <a:prstGeom prst="rect">
             <a:avLst/>
@@ -765,7 +1921,7 @@
       </p:grpSpPr>
       <p:sp>
         <p:nvSpPr>
-          <p:cNvPr id="13" name="PlaceHolder 1"/>
+          <p:cNvPr id="11" name="PlaceHolder 1"/>
           <p:cNvSpPr>
             <a:spLocks noGrp="1"/>
           </p:cNvSpPr>
@@ -776,7 +1932,7 @@
         <p:spPr>
           <a:xfrm>
             <a:off x="504000" y="301320"/>
-            <a:ext cx="9071640" cy="5851800"/>
+            <a:ext cx="9071280" cy="5850360"/>
           </a:xfrm>
           <a:prstGeom prst="rect">
             <a:avLst/>
@@ -814,7 +1970,7 @@
       </p:grpSpPr>
       <p:sp>
         <p:nvSpPr>
-          <p:cNvPr id="14" name="PlaceHolder 1"/>
+          <p:cNvPr id="12" name="PlaceHolder 1"/>
           <p:cNvSpPr>
             <a:spLocks noGrp="1"/>
           </p:cNvSpPr>
@@ -825,7 +1981,7 @@
         <p:spPr>
           <a:xfrm>
             <a:off x="504000" y="301320"/>
-            <a:ext cx="9071640" cy="1262160"/>
+            <a:ext cx="9071280" cy="1261800"/>
           </a:xfrm>
           <a:prstGeom prst="rect">
             <a:avLst/>
@@ -841,7 +1997,7 @@
       </p:sp>
       <p:sp>
         <p:nvSpPr>
-          <p:cNvPr id="15" name="PlaceHolder 2"/>
+          <p:cNvPr id="13" name="PlaceHolder 2"/>
           <p:cNvSpPr>
             <a:spLocks noGrp="1"/>
           </p:cNvSpPr>
@@ -852,7 +2008,7 @@
         <p:spPr>
           <a:xfrm>
             <a:off x="504000" y="1769040"/>
-            <a:ext cx="4426920" cy="2091240"/>
+            <a:ext cx="4426560" cy="2090880"/>
           </a:xfrm>
           <a:prstGeom prst="rect">
             <a:avLst/>
@@ -867,7 +2023,7 @@
       </p:sp>
       <p:sp>
         <p:nvSpPr>
-          <p:cNvPr id="16" name="PlaceHolder 3"/>
+          <p:cNvPr id="14" name="PlaceHolder 3"/>
           <p:cNvSpPr>
             <a:spLocks noGrp="1"/>
           </p:cNvSpPr>
@@ -877,8 +2033,8 @@
         </p:nvSpPr>
         <p:spPr>
           <a:xfrm>
-            <a:off x="504000" y="4059360"/>
-            <a:ext cx="4426920" cy="2091240"/>
+            <a:off x="504000" y="4059000"/>
+            <a:ext cx="4426560" cy="2090880"/>
           </a:xfrm>
           <a:prstGeom prst="rect">
             <a:avLst/>
@@ -893,7 +2049,7 @@
       </p:sp>
       <p:sp>
         <p:nvSpPr>
-          <p:cNvPr id="17" name="PlaceHolder 4"/>
+          <p:cNvPr id="15" name="PlaceHolder 4"/>
           <p:cNvSpPr>
             <a:spLocks noGrp="1"/>
           </p:cNvSpPr>
@@ -903,8 +2059,8 @@
         </p:nvSpPr>
         <p:spPr>
           <a:xfrm>
-            <a:off x="5152680" y="1769040"/>
-            <a:ext cx="4426920" cy="4384440"/>
+            <a:off x="5152320" y="1769040"/>
+            <a:ext cx="4426560" cy="4384080"/>
           </a:xfrm>
           <a:prstGeom prst="rect">
             <a:avLst/>
@@ -941,7 +2097,7 @@
       </p:grpSpPr>
       <p:sp>
         <p:nvSpPr>
-          <p:cNvPr id="18" name="PlaceHolder 1"/>
+          <p:cNvPr id="16" name="PlaceHolder 1"/>
           <p:cNvSpPr>
             <a:spLocks noGrp="1"/>
           </p:cNvSpPr>
@@ -952,7 +2108,7 @@
         <p:spPr>
           <a:xfrm>
             <a:off x="504000" y="301320"/>
-            <a:ext cx="9071640" cy="1262160"/>
+            <a:ext cx="9071280" cy="1261800"/>
           </a:xfrm>
           <a:prstGeom prst="rect">
             <a:avLst/>
@@ -968,7 +2124,7 @@
       </p:sp>
       <p:sp>
         <p:nvSpPr>
-          <p:cNvPr id="19" name="PlaceHolder 2"/>
+          <p:cNvPr id="17" name="PlaceHolder 2"/>
           <p:cNvSpPr>
             <a:spLocks noGrp="1"/>
           </p:cNvSpPr>
@@ -979,7 +2135,7 @@
         <p:spPr>
           <a:xfrm>
             <a:off x="504000" y="1769040"/>
-            <a:ext cx="4426920" cy="4384440"/>
+            <a:ext cx="4426560" cy="4384080"/>
           </a:xfrm>
           <a:prstGeom prst="rect">
             <a:avLst/>
@@ -994,7 +2150,7 @@
       </p:sp>
       <p:sp>
         <p:nvSpPr>
-          <p:cNvPr id="20" name="PlaceHolder 3"/>
+          <p:cNvPr id="18" name="PlaceHolder 3"/>
           <p:cNvSpPr>
             <a:spLocks noGrp="1"/>
           </p:cNvSpPr>
@@ -1004,8 +2160,8 @@
         </p:nvSpPr>
         <p:spPr>
           <a:xfrm>
-            <a:off x="5152680" y="1769040"/>
-            <a:ext cx="4426920" cy="2091240"/>
+            <a:off x="5152320" y="1769040"/>
+            <a:ext cx="4426560" cy="2090880"/>
           </a:xfrm>
           <a:prstGeom prst="rect">
             <a:avLst/>
@@ -1020,7 +2176,7 @@
       </p:sp>
       <p:sp>
         <p:nvSpPr>
-          <p:cNvPr id="21" name="PlaceHolder 4"/>
+          <p:cNvPr id="19" name="PlaceHolder 4"/>
           <p:cNvSpPr>
             <a:spLocks noGrp="1"/>
           </p:cNvSpPr>
@@ -1030,8 +2186,8 @@
         </p:nvSpPr>
         <p:spPr>
           <a:xfrm>
-            <a:off x="5152680" y="4059360"/>
-            <a:ext cx="4426920" cy="2091240"/>
+            <a:off x="5152320" y="4059000"/>
+            <a:ext cx="4426560" cy="2090880"/>
           </a:xfrm>
           <a:prstGeom prst="rect">
             <a:avLst/>
@@ -1068,7 +2224,7 @@
       </p:grpSpPr>
       <p:sp>
         <p:nvSpPr>
-          <p:cNvPr id="22" name="PlaceHolder 1"/>
+          <p:cNvPr id="20" name="PlaceHolder 1"/>
           <p:cNvSpPr>
             <a:spLocks noGrp="1"/>
           </p:cNvSpPr>
@@ -1079,7 +2235,7 @@
         <p:spPr>
           <a:xfrm>
             <a:off x="504000" y="301320"/>
-            <a:ext cx="9071640" cy="1262160"/>
+            <a:ext cx="9071280" cy="1261800"/>
           </a:xfrm>
           <a:prstGeom prst="rect">
             <a:avLst/>
@@ -1095,7 +2251,7 @@
       </p:sp>
       <p:sp>
         <p:nvSpPr>
-          <p:cNvPr id="23" name="PlaceHolder 2"/>
+          <p:cNvPr id="21" name="PlaceHolder 2"/>
           <p:cNvSpPr>
             <a:spLocks noGrp="1"/>
           </p:cNvSpPr>
@@ -1106,7 +2262,7 @@
         <p:spPr>
           <a:xfrm>
             <a:off x="504000" y="1769040"/>
-            <a:ext cx="4426920" cy="2091240"/>
+            <a:ext cx="4426560" cy="2090880"/>
           </a:xfrm>
           <a:prstGeom prst="rect">
             <a:avLst/>
@@ -1121,7 +2277,7 @@
       </p:sp>
       <p:sp>
         <p:nvSpPr>
-          <p:cNvPr id="24" name="PlaceHolder 3"/>
+          <p:cNvPr id="22" name="PlaceHolder 3"/>
           <p:cNvSpPr>
             <a:spLocks noGrp="1"/>
           </p:cNvSpPr>
@@ -1131,8 +2287,8 @@
         </p:nvSpPr>
         <p:spPr>
           <a:xfrm>
-            <a:off x="5152680" y="1769040"/>
-            <a:ext cx="4426920" cy="2091240"/>
+            <a:off x="5152320" y="1769040"/>
+            <a:ext cx="4426560" cy="2090880"/>
           </a:xfrm>
           <a:prstGeom prst="rect">
             <a:avLst/>
@@ -1147,7 +2303,7 @@
       </p:sp>
       <p:sp>
         <p:nvSpPr>
-          <p:cNvPr id="25" name="PlaceHolder 4"/>
+          <p:cNvPr id="23" name="PlaceHolder 4"/>
           <p:cNvSpPr>
             <a:spLocks noGrp="1"/>
           </p:cNvSpPr>
@@ -1157,8 +2313,8 @@
         </p:nvSpPr>
         <p:spPr>
           <a:xfrm>
-            <a:off x="504000" y="4059360"/>
-            <a:ext cx="9071640" cy="2091240"/>
+            <a:off x="504000" y="4059000"/>
+            <a:ext cx="9071280" cy="2090880"/>
           </a:xfrm>
           <a:prstGeom prst="rect">
             <a:avLst/>
@@ -1206,7 +2362,7 @@
         <p:spPr>
           <a:xfrm>
             <a:off x="504000" y="301320"/>
-            <a:ext cx="9071640" cy="1262160"/>
+            <a:ext cx="9071280" cy="1261800"/>
           </a:xfrm>
           <a:prstGeom prst="rect">
             <a:avLst/>
@@ -1216,12 +2372,6 @@
           <a:bodyPr lIns="0" rIns="0" tIns="0" bIns="0" anchor="ctr"/>
           <a:p>
             <a:pPr algn="ctr"/>
-            <a:r>
-              <a:rPr lang="en-US" sz="4400">
-                <a:latin typeface="Arial"/>
-              </a:rPr>
-              <a:t>Click to edit the title text format</a:t>
-            </a:r>
             <a:endParaRPr/>
           </a:p>
         </p:txBody>
@@ -1233,13 +2383,40 @@
             <a:spLocks noGrp="1"/>
           </p:cNvSpPr>
           <p:nvPr>
+            <p:ph type="subTitle"/>
+          </p:nvPr>
+        </p:nvSpPr>
+        <p:spPr>
+          <a:xfrm>
+            <a:off x="504000" y="1769040"/>
+            <a:ext cx="9071280" cy="4384080"/>
+          </a:xfrm>
+          <a:prstGeom prst="rect">
+            <a:avLst/>
+          </a:prstGeom>
+        </p:spPr>
+        <p:txBody>
+          <a:bodyPr lIns="0" rIns="0" tIns="0" bIns="0" anchor="ctr"/>
+          <a:p>
+            <a:pPr algn="ctr"/>
+            <a:endParaRPr/>
+          </a:p>
+        </p:txBody>
+      </p:sp>
+      <p:sp>
+        <p:nvSpPr>
+          <p:cNvPr id="2" name="PlaceHolder 3"/>
+          <p:cNvSpPr>
+            <a:spLocks noGrp="1"/>
+          </p:cNvSpPr>
+          <p:nvPr>
             <p:ph type="body"/>
           </p:nvPr>
         </p:nvSpPr>
         <p:spPr>
           <a:xfrm>
-            <a:off x="504000" y="1769040"/>
-            <a:ext cx="9071640" cy="4384440"/>
+            <a:off x="504000" y="1768680"/>
+            <a:ext cx="9072000" cy="4384080"/>
           </a:xfrm>
           <a:prstGeom prst="rect">
             <a:avLst/>
@@ -1343,104 +2520,6 @@
               </a:rPr>
               <a:t>Seventh Outline Level</a:t>
             </a:r>
-            <a:endParaRPr/>
-          </a:p>
-        </p:txBody>
-      </p:sp>
-      <p:sp>
-        <p:nvSpPr>
-          <p:cNvPr id="2" name="PlaceHolder 3"/>
-          <p:cNvSpPr>
-            <a:spLocks noGrp="1"/>
-          </p:cNvSpPr>
-          <p:nvPr>
-            <p:ph type="dt"/>
-          </p:nvPr>
-        </p:nvSpPr>
-        <p:spPr>
-          <a:xfrm>
-            <a:off x="504000" y="6887160"/>
-            <a:ext cx="2348280" cy="521280"/>
-          </a:xfrm>
-          <a:prstGeom prst="rect">
-            <a:avLst/>
-          </a:prstGeom>
-        </p:spPr>
-        <p:txBody>
-          <a:bodyPr lIns="0" rIns="0" tIns="0" bIns="0"/>
-          <a:p>
-            <a:r>
-              <a:rPr lang="en-US" sz="1400">
-                <a:latin typeface="Times New Roman"/>
-              </a:rPr>
-              <a:t>&lt;date/time&gt;</a:t>
-            </a:r>
-            <a:endParaRPr/>
-          </a:p>
-        </p:txBody>
-      </p:sp>
-      <p:sp>
-        <p:nvSpPr>
-          <p:cNvPr id="3" name="PlaceHolder 4"/>
-          <p:cNvSpPr>
-            <a:spLocks noGrp="1"/>
-          </p:cNvSpPr>
-          <p:nvPr>
-            <p:ph type="ftr"/>
-          </p:nvPr>
-        </p:nvSpPr>
-        <p:spPr>
-          <a:xfrm>
-            <a:off x="3447360" y="6887160"/>
-            <a:ext cx="3195000" cy="521280"/>
-          </a:xfrm>
-          <a:prstGeom prst="rect">
-            <a:avLst/>
-          </a:prstGeom>
-        </p:spPr>
-        <p:txBody>
-          <a:bodyPr lIns="0" rIns="0" tIns="0" bIns="0"/>
-          <a:p>
-            <a:pPr algn="ctr"/>
-            <a:r>
-              <a:rPr lang="en-US" sz="1400">
-                <a:latin typeface="Times New Roman"/>
-              </a:rPr>
-              <a:t>&lt;footer&gt;</a:t>
-            </a:r>
-            <a:endParaRPr/>
-          </a:p>
-        </p:txBody>
-      </p:sp>
-      <p:sp>
-        <p:nvSpPr>
-          <p:cNvPr id="4" name="PlaceHolder 5"/>
-          <p:cNvSpPr>
-            <a:spLocks noGrp="1"/>
-          </p:cNvSpPr>
-          <p:nvPr>
-            <p:ph type="sldNum"/>
-          </p:nvPr>
-        </p:nvSpPr>
-        <p:spPr>
-          <a:xfrm>
-            <a:off x="7227360" y="6887160"/>
-            <a:ext cx="2348280" cy="521280"/>
-          </a:xfrm>
-          <a:prstGeom prst="rect">
-            <a:avLst/>
-          </a:prstGeom>
-        </p:spPr>
-        <p:txBody>
-          <a:bodyPr lIns="0" rIns="0" tIns="0" bIns="0"/>
-          <a:p>
-            <a:pPr algn="r"/>
-            <a:fld id="{1ECCB68B-678D-46FA-A441-2AFC30BBA2BB}" type="slidenum">
-              <a:rPr lang="en-US" sz="1400">
-                <a:latin typeface="Times New Roman"/>
-              </a:rPr>
-              <a:t>&lt;number&gt;</a:t>
-            </a:fld>
             <a:endParaRPr/>
           </a:p>
         </p:txBody>
@@ -1461,6 +2540,191 @@
     <p:sldLayoutId id="2147483658" r:id="rId11"/>
     <p:sldLayoutId id="2147483659" r:id="rId12"/>
     <p:sldLayoutId id="2147483660" r:id="rId13"/>
+  </p:sldLayoutIdLst>
+</p:sldMaster>
+</file>
+
+<file path=ppt/slideMasters/slideMaster2.xml><?xml version="1.0" encoding="utf-8"?>
+<p:sldMaster xmlns:a="http://schemas.openxmlformats.org/drawingml/2006/main" xmlns:p="http://schemas.openxmlformats.org/presentationml/2006/main" xmlns:r="http://schemas.openxmlformats.org/officeDocument/2006/relationships">
+  <p:cSld>
+    <p:spTree>
+      <p:nvGrpSpPr>
+        <p:cNvPr id="1" name=""/>
+        <p:cNvGrpSpPr/>
+        <p:nvPr/>
+      </p:nvGrpSpPr>
+      <p:grpSpPr>
+        <a:xfrm>
+          <a:off x="0" y="0"/>
+          <a:ext cx="0" cy="0"/>
+          <a:chOff x="0" y="0"/>
+          <a:chExt cx="0" cy="0"/>
+        </a:xfrm>
+      </p:grpSpPr>
+      <p:sp>
+        <p:nvSpPr>
+          <p:cNvPr id="37" name="PlaceHolder 1"/>
+          <p:cNvSpPr>
+            <a:spLocks noGrp="1"/>
+          </p:cNvSpPr>
+          <p:nvPr>
+            <p:ph type="title"/>
+          </p:nvPr>
+        </p:nvSpPr>
+        <p:spPr>
+          <a:xfrm>
+            <a:off x="504000" y="301320"/>
+            <a:ext cx="9071280" cy="1261800"/>
+          </a:xfrm>
+          <a:prstGeom prst="rect">
+            <a:avLst/>
+          </a:prstGeom>
+        </p:spPr>
+        <p:txBody>
+          <a:bodyPr lIns="0" rIns="0" tIns="0" bIns="0" anchor="ctr"/>
+          <a:p>
+            <a:pPr algn="ctr"/>
+            <a:endParaRPr/>
+          </a:p>
+        </p:txBody>
+      </p:sp>
+      <p:sp>
+        <p:nvSpPr>
+          <p:cNvPr id="38" name="PlaceHolder 2"/>
+          <p:cNvSpPr>
+            <a:spLocks noGrp="1"/>
+          </p:cNvSpPr>
+          <p:nvPr>
+            <p:ph type="body"/>
+          </p:nvPr>
+        </p:nvSpPr>
+        <p:spPr>
+          <a:xfrm>
+            <a:off x="504000" y="1769040"/>
+            <a:ext cx="9071280" cy="4384080"/>
+          </a:xfrm>
+          <a:prstGeom prst="rect">
+            <a:avLst/>
+          </a:prstGeom>
+        </p:spPr>
+        <p:txBody>
+          <a:bodyPr lIns="0" rIns="0" tIns="0" bIns="0"/>
+          <a:p>
+            <a:pPr>
+              <a:buSzPct val="45000"/>
+              <a:buFont typeface="Wingdings" charset="2"/>
+              <a:buChar char=""/>
+            </a:pPr>
+            <a:r>
+              <a:rPr lang="en-US">
+                <a:latin typeface="Arial"/>
+              </a:rPr>
+              <a:t>Click to edit the outline text format</a:t>
+            </a:r>
+            <a:endParaRPr/>
+          </a:p>
+          <a:p>
+            <a:pPr lvl="1">
+              <a:buSzPct val="75000"/>
+              <a:buFont typeface="Symbol" charset="2"/>
+              <a:buChar char=""/>
+            </a:pPr>
+            <a:r>
+              <a:rPr lang="en-US">
+                <a:latin typeface="Arial"/>
+              </a:rPr>
+              <a:t>Second Outline Level</a:t>
+            </a:r>
+            <a:endParaRPr/>
+          </a:p>
+          <a:p>
+            <a:pPr lvl="2">
+              <a:buSzPct val="45000"/>
+              <a:buFont typeface="Wingdings" charset="2"/>
+              <a:buChar char=""/>
+            </a:pPr>
+            <a:r>
+              <a:rPr lang="en-US">
+                <a:latin typeface="Arial"/>
+              </a:rPr>
+              <a:t>Third Outline Level</a:t>
+            </a:r>
+            <a:endParaRPr/>
+          </a:p>
+          <a:p>
+            <a:pPr lvl="3">
+              <a:buSzPct val="75000"/>
+              <a:buFont typeface="Symbol" charset="2"/>
+              <a:buChar char=""/>
+            </a:pPr>
+            <a:r>
+              <a:rPr lang="en-US">
+                <a:latin typeface="Arial"/>
+              </a:rPr>
+              <a:t>Fourth Outline Level</a:t>
+            </a:r>
+            <a:endParaRPr/>
+          </a:p>
+          <a:p>
+            <a:pPr lvl="4">
+              <a:buSzPct val="45000"/>
+              <a:buFont typeface="Wingdings" charset="2"/>
+              <a:buChar char=""/>
+            </a:pPr>
+            <a:r>
+              <a:rPr lang="en-US">
+                <a:latin typeface="Arial"/>
+              </a:rPr>
+              <a:t>Fifth Outline Level</a:t>
+            </a:r>
+            <a:endParaRPr/>
+          </a:p>
+          <a:p>
+            <a:pPr lvl="5">
+              <a:buSzPct val="45000"/>
+              <a:buFont typeface="Wingdings" charset="2"/>
+              <a:buChar char=""/>
+            </a:pPr>
+            <a:r>
+              <a:rPr lang="en-US">
+                <a:latin typeface="Arial"/>
+              </a:rPr>
+              <a:t>Sixth Outline Level</a:t>
+            </a:r>
+            <a:endParaRPr/>
+          </a:p>
+          <a:p>
+            <a:pPr lvl="6">
+              <a:buSzPct val="45000"/>
+              <a:buFont typeface="Wingdings" charset="2"/>
+              <a:buChar char=""/>
+            </a:pPr>
+            <a:r>
+              <a:rPr lang="en-US">
+                <a:latin typeface="Arial"/>
+              </a:rPr>
+              <a:t>Seventh Outline Level</a:t>
+            </a:r>
+            <a:endParaRPr/>
+          </a:p>
+        </p:txBody>
+      </p:sp>
+    </p:spTree>
+  </p:cSld>
+  <p:clrMap bg1="lt1" bg2="lt2" tx1="dk1" tx2="dk2" accent1="accent1" accent2="accent2" accent3="accent3" accent4="accent4" accent5="accent5" accent6="accent6" hlink="hlink" folHlink="folHlink"/>
+  <p:sldLayoutIdLst>
+    <p:sldLayoutId id="2147483662" r:id="rId2"/>
+    <p:sldLayoutId id="2147483663" r:id="rId3"/>
+    <p:sldLayoutId id="2147483664" r:id="rId4"/>
+    <p:sldLayoutId id="2147483665" r:id="rId5"/>
+    <p:sldLayoutId id="2147483666" r:id="rId6"/>
+    <p:sldLayoutId id="2147483667" r:id="rId7"/>
+    <p:sldLayoutId id="2147483668" r:id="rId8"/>
+    <p:sldLayoutId id="2147483669" r:id="rId9"/>
+    <p:sldLayoutId id="2147483670" r:id="rId10"/>
+    <p:sldLayoutId id="2147483671" r:id="rId11"/>
+    <p:sldLayoutId id="2147483672" r:id="rId12"/>
+    <p:sldLayoutId id="2147483673" r:id="rId13"/>
   </p:sldLayoutIdLst>
 </p:sldMaster>
 </file>
@@ -1484,14 +2748,14 @@
       </p:grpSpPr>
       <p:sp>
         <p:nvSpPr>
-          <p:cNvPr id="39" name="TextShape 1"/>
-          <p:cNvSpPr txBox="1"/>
+          <p:cNvPr id="73" name="CustomShape 1"/>
+          <p:cNvSpPr/>
           <p:nvPr/>
         </p:nvSpPr>
         <p:spPr>
           <a:xfrm>
             <a:off x="504000" y="301320"/>
-            <a:ext cx="9071640" cy="1262160"/>
+            <a:ext cx="9071280" cy="1261800"/>
           </a:xfrm>
           <a:prstGeom prst="rect">
             <a:avLst/>
@@ -1501,12 +2765,22 @@
             <a:noFill/>
           </a:ln>
         </p:spPr>
+        <p:style>
+          <a:lnRef idx="0"/>
+          <a:fillRef idx="0"/>
+          <a:effectRef idx="0"/>
+          <a:fontRef idx="minor"/>
+        </p:style>
         <p:txBody>
           <a:bodyPr lIns="0" rIns="0" tIns="0" bIns="0" anchor="ctr"/>
           <a:p>
-            <a:pPr algn="ctr"/>
-            <a:r>
-              <a:rPr lang="en-US" sz="4400">
+            <a:pPr algn="ctr">
+              <a:lnSpc>
+                <a:spcPct val="100000"/>
+              </a:lnSpc>
+            </a:pPr>
+            <a:r>
+              <a:rPr lang="en-US" sz="4400" strike="noStrike">
                 <a:latin typeface="Arial"/>
               </a:rPr>
               <a:t>Apps – Environment</a:t>
@@ -1517,14 +2791,14 @@
       </p:sp>
       <p:sp>
         <p:nvSpPr>
-          <p:cNvPr id="40" name="CustomShape 2"/>
+          <p:cNvPr id="74" name="CustomShape 2"/>
           <p:cNvSpPr/>
           <p:nvPr/>
         </p:nvSpPr>
         <p:spPr>
           <a:xfrm>
             <a:off x="457200" y="1371600"/>
-            <a:ext cx="9144000" cy="5486400"/>
+            <a:ext cx="9143640" cy="5852160"/>
           </a:xfrm>
           <a:prstGeom prst="rect">
             <a:avLst/>
@@ -1553,11 +2827,12 @@
               </a:lnSpc>
             </a:pPr>
             <a:r>
-              <a:rPr b="1" lang="en-US" sz="2000">
+              <a:rPr b="1" lang="en-US" sz="2000" strike="noStrike">
                 <a:solidFill>
                   <a:srgbClr val="801900"/>
                 </a:solidFill>
                 <a:latin typeface="Arial"/>
+                <a:ea typeface="DejaVu Sans"/>
               </a:rPr>
               <a:t>Omero Server + Omero Web + Django</a:t>
             </a:r>
@@ -1656,9 +2931,6 @@
               <a:lnSpc>
                 <a:spcPct val="100000"/>
               </a:lnSpc>
-              <a:buSzPct val="45000"/>
-              <a:buFont typeface="Wingdings" charset="2"/>
-              <a:buChar char=""/>
             </a:pPr>
             <a:endParaRPr/>
           </a:p>
@@ -1714,14 +2986,14 @@
       </p:sp>
       <p:sp>
         <p:nvSpPr>
-          <p:cNvPr id="41" name="CustomShape 3"/>
+          <p:cNvPr id="75" name="CustomShape 3"/>
           <p:cNvSpPr/>
           <p:nvPr/>
         </p:nvSpPr>
         <p:spPr>
           <a:xfrm>
             <a:off x="6217920" y="2011680"/>
-            <a:ext cx="3200400" cy="4754880"/>
+            <a:ext cx="3200040" cy="4754520"/>
           </a:xfrm>
           <a:prstGeom prst="rect">
             <a:avLst/>
@@ -1750,11 +3022,12 @@
               </a:lnSpc>
             </a:pPr>
             <a:r>
-              <a:rPr b="1" lang="en-US" sz="2000">
+              <a:rPr b="1" lang="en-US" sz="2000" strike="noStrike">
                 <a:solidFill>
                   <a:srgbClr val="000099"/>
                 </a:solidFill>
                 <a:latin typeface="Arial"/>
+                <a:ea typeface="DejaVu Sans"/>
               </a:rPr>
               <a:t>App</a:t>
             </a:r>
@@ -1767,14 +3040,22 @@
               </a:lnSpc>
             </a:pPr>
             <a:r>
-              <a:rPr lang="en-US">
-                <a:latin typeface="Arial"/>
+              <a:rPr lang="en-US" strike="noStrike">
+                <a:solidFill>
+                  <a:srgbClr val="000000"/>
+                </a:solidFill>
+                <a:latin typeface="Arial"/>
+                <a:ea typeface="DejaVu Sans"/>
               </a:rPr>
               <a:t> </a:t>
             </a:r>
             <a:r>
-              <a:rPr lang="en-US">
-                <a:latin typeface="Arial"/>
+              <a:rPr lang="en-US" strike="noStrike">
+                <a:solidFill>
+                  <a:srgbClr val="000000"/>
+                </a:solidFill>
+                <a:latin typeface="Arial"/>
+                <a:ea typeface="DejaVu Sans"/>
               </a:rPr>
               <a:t>e.g. figure, iviewer, …</a:t>
             </a:r>
@@ -1814,8 +3095,12 @@
               <a:buChar char=""/>
             </a:pPr>
             <a:r>
-              <a:rPr lang="en-US">
-                <a:latin typeface="Arial"/>
+              <a:rPr lang="en-US" strike="noStrike">
+                <a:solidFill>
+                  <a:srgbClr val="000000"/>
+                </a:solidFill>
+                <a:latin typeface="Arial"/>
+                <a:ea typeface="DejaVu Sans"/>
               </a:rPr>
               <a:t>Java Script Code</a:t>
             </a:r>
@@ -1831,8 +3116,12 @@
               <a:buChar char=""/>
             </a:pPr>
             <a:r>
-              <a:rPr lang="en-US">
-                <a:latin typeface="Arial"/>
+              <a:rPr lang="en-US" strike="noStrike">
+                <a:solidFill>
+                  <a:srgbClr val="000000"/>
+                </a:solidFill>
+                <a:latin typeface="Arial"/>
+                <a:ea typeface="DejaVu Sans"/>
               </a:rPr>
               <a:t>HTML, CSS and Images</a:t>
             </a:r>
@@ -1848,8 +3137,12 @@
               <a:buChar char=""/>
             </a:pPr>
             <a:r>
-              <a:rPr lang="en-US">
-                <a:latin typeface="Arial"/>
+              <a:rPr lang="en-US" strike="noStrike">
+                <a:solidFill>
+                  <a:srgbClr val="000000"/>
+                </a:solidFill>
+                <a:latin typeface="Arial"/>
+                <a:ea typeface="DejaVu Sans"/>
               </a:rPr>
               <a:t>Frontend Framework(s)</a:t>
             </a:r>
@@ -1865,8 +3158,12 @@
               <a:buChar char=""/>
             </a:pPr>
             <a:r>
-              <a:rPr lang="en-US">
-                <a:latin typeface="Arial"/>
+              <a:rPr lang="en-US" strike="noStrike">
+                <a:solidFill>
+                  <a:srgbClr val="000000"/>
+                </a:solidFill>
+                <a:latin typeface="Arial"/>
+                <a:ea typeface="DejaVu Sans"/>
               </a:rPr>
               <a:t>Build/Deployment</a:t>
             </a:r>
@@ -1887,8 +3184,12 @@
               </a:lnSpc>
             </a:pPr>
             <a:r>
-              <a:rPr i="1" lang="en-US">
-                <a:latin typeface="Arial"/>
+              <a:rPr i="1" lang="en-US" strike="noStrike">
+                <a:solidFill>
+                  <a:srgbClr val="000000"/>
+                </a:solidFill>
+                <a:latin typeface="Arial"/>
+                <a:ea typeface="DejaVu Sans"/>
               </a:rPr>
               <a:t>figure/imgData</a:t>
             </a:r>
@@ -1901,8 +3202,12 @@
               </a:lnSpc>
             </a:pPr>
             <a:r>
-              <a:rPr i="1" lang="en-US">
-                <a:latin typeface="Arial"/>
+              <a:rPr i="1" lang="en-US" strike="noStrike">
+                <a:solidFill>
+                  <a:srgbClr val="000000"/>
+                </a:solidFill>
+                <a:latin typeface="Arial"/>
+                <a:ea typeface="DejaVu Sans"/>
               </a:rPr>
               <a:t>iviewer/image_data</a:t>
             </a:r>
@@ -1934,8 +3239,12 @@
               <a:buChar char=""/>
             </a:pPr>
             <a:r>
-              <a:rPr lang="en-US">
-                <a:latin typeface="Arial"/>
+              <a:rPr lang="en-US" strike="noStrike">
+                <a:solidFill>
+                  <a:srgbClr val="000000"/>
+                </a:solidFill>
+                <a:latin typeface="Arial"/>
+                <a:ea typeface="DejaVu Sans"/>
               </a:rPr>
               <a:t>Django views.py/urls.py</a:t>
             </a:r>
@@ -1951,8 +3260,12 @@
               <a:buChar char=""/>
             </a:pPr>
             <a:r>
-              <a:rPr lang="en-US">
-                <a:latin typeface="Arial"/>
+              <a:rPr lang="en-US" strike="noStrike">
+                <a:solidFill>
+                  <a:srgbClr val="000000"/>
+                </a:solidFill>
+                <a:latin typeface="Arial"/>
+                <a:ea typeface="DejaVu Sans"/>
               </a:rPr>
               <a:t>Django templates</a:t>
             </a:r>
@@ -1962,14 +3275,14 @@
       </p:sp>
       <p:sp>
         <p:nvSpPr>
-          <p:cNvPr id="42" name="CustomShape 4"/>
+          <p:cNvPr id="76" name="CustomShape 4"/>
           <p:cNvSpPr/>
           <p:nvPr/>
         </p:nvSpPr>
         <p:spPr>
           <a:xfrm>
             <a:off x="914400" y="2834640"/>
-            <a:ext cx="1280160" cy="640080"/>
+            <a:ext cx="1279800" cy="639720"/>
           </a:xfrm>
           <a:prstGeom prst="ellipse">
             <a:avLst/>
@@ -1992,10 +3305,18 @@
         <p:txBody>
           <a:bodyPr wrap="none" lIns="90000" rIns="90000" tIns="45000" bIns="45000" anchor="ctr"/>
           <a:p>
-            <a:pPr algn="ctr"/>
-            <a:r>
-              <a:rPr lang="en-US">
-                <a:latin typeface="Arial"/>
+            <a:pPr algn="ctr">
+              <a:lnSpc>
+                <a:spcPct val="100000"/>
+              </a:lnSpc>
+            </a:pPr>
+            <a:r>
+              <a:rPr lang="en-US" strike="noStrike">
+                <a:solidFill>
+                  <a:srgbClr val="000000"/>
+                </a:solidFill>
+                <a:latin typeface="Arial"/>
+                <a:ea typeface="DejaVu Sans"/>
               </a:rPr>
               <a:t>Web Api</a:t>
             </a:r>
@@ -2005,14 +3326,14 @@
       </p:sp>
       <p:sp>
         <p:nvSpPr>
-          <p:cNvPr id="43" name="CustomShape 5"/>
+          <p:cNvPr id="77" name="CustomShape 5"/>
           <p:cNvSpPr/>
           <p:nvPr/>
         </p:nvSpPr>
         <p:spPr>
           <a:xfrm>
             <a:off x="731520" y="3749040"/>
-            <a:ext cx="2011680" cy="914400"/>
+            <a:ext cx="2011320" cy="914040"/>
           </a:xfrm>
           <a:prstGeom prst="ellipse">
             <a:avLst/>
@@ -2035,20 +3356,36 @@
         <p:txBody>
           <a:bodyPr wrap="none" lIns="90000" rIns="90000" tIns="45000" bIns="45000" anchor="ctr"/>
           <a:p>
-            <a:pPr algn="ctr"/>
-            <a:r>
-              <a:rPr lang="en-US">
-                <a:latin typeface="Arial"/>
+            <a:pPr algn="ctr">
+              <a:lnSpc>
+                <a:spcPct val="100000"/>
+              </a:lnSpc>
+            </a:pPr>
+            <a:r>
+              <a:rPr lang="en-US" strike="noStrike">
+                <a:solidFill>
+                  <a:srgbClr val="000000"/>
+                </a:solidFill>
+                <a:latin typeface="Arial"/>
+                <a:ea typeface="DejaVu Sans"/>
               </a:rPr>
               <a:t>Webclient</a:t>
             </a:r>
             <a:endParaRPr/>
           </a:p>
           <a:p>
-            <a:pPr algn="ctr"/>
-            <a:r>
-              <a:rPr lang="en-US">
-                <a:latin typeface="Arial"/>
+            <a:pPr algn="ctr">
+              <a:lnSpc>
+                <a:spcPct val="100000"/>
+              </a:lnSpc>
+            </a:pPr>
+            <a:r>
+              <a:rPr lang="en-US" strike="noStrike">
+                <a:solidFill>
+                  <a:srgbClr val="000000"/>
+                </a:solidFill>
+                <a:latin typeface="Arial"/>
+                <a:ea typeface="DejaVu Sans"/>
               </a:rPr>
               <a:t>Webgateway</a:t>
             </a:r>
@@ -2058,7 +3395,7 @@
       </p:sp>
       <p:sp>
         <p:nvSpPr>
-          <p:cNvPr id="44" name="Line 6"/>
+          <p:cNvPr id="78" name="Line 6"/>
           <p:cNvSpPr/>
           <p:nvPr/>
         </p:nvSpPr>
@@ -2078,15 +3415,23 @@
           </a:ln>
         </p:spPr>
         <p:txBody>
-          <a:bodyPr lIns="90000" rIns="90000" tIns="45000" bIns="45000" anchor="ctr"/>
-          <a:p>
-            <a:pPr algn="ctr"/>
-            <a:endParaRPr/>
-          </a:p>
-          <a:p>
-            <a:pPr algn="ctr"/>
-            <a:r>
-              <a:rPr lang="en-US">
+          <a:bodyPr lIns="90000" rIns="90000" tIns="45000" bIns="45000" anchor="ctr" anchorCtr="1"/>
+          <a:p>
+            <a:pPr algn="ctr">
+              <a:lnSpc>
+                <a:spcPct val="100000"/>
+              </a:lnSpc>
+            </a:pPr>
+            <a:endParaRPr/>
+          </a:p>
+          <a:p>
+            <a:pPr algn="ctr">
+              <a:lnSpc>
+                <a:spcPct val="100000"/>
+              </a:lnSpc>
+            </a:pPr>
+            <a:r>
+              <a:rPr lang="en-US" strike="noStrike">
                 <a:latin typeface="Arial"/>
               </a:rPr>
               <a:t>api/v0/m/rois</a:t>
@@ -2097,7 +3442,7 @@
       </p:sp>
       <p:sp>
         <p:nvSpPr>
-          <p:cNvPr id="45" name="Line 7"/>
+          <p:cNvPr id="79" name="Line 7"/>
           <p:cNvSpPr/>
           <p:nvPr/>
         </p:nvSpPr>
@@ -2117,15 +3462,23 @@
           </a:ln>
         </p:spPr>
         <p:txBody>
-          <a:bodyPr lIns="90000" rIns="90000" tIns="45000" bIns="45000" anchor="ctr"/>
-          <a:p>
-            <a:pPr algn="ctr"/>
-            <a:endParaRPr/>
-          </a:p>
-          <a:p>
-            <a:pPr algn="ctr"/>
-            <a:r>
-              <a:rPr lang="en-US">
+          <a:bodyPr lIns="90000" rIns="90000" tIns="45000" bIns="45000" anchor="ctr" anchorCtr="1"/>
+          <a:p>
+            <a:pPr algn="ctr">
+              <a:lnSpc>
+                <a:spcPct val="100000"/>
+              </a:lnSpc>
+            </a:pPr>
+            <a:endParaRPr/>
+          </a:p>
+          <a:p>
+            <a:pPr algn="ctr">
+              <a:lnSpc>
+                <a:spcPct val="100000"/>
+              </a:lnSpc>
+            </a:pPr>
+            <a:r>
+              <a:rPr lang="en-US" strike="noStrike">
                 <a:latin typeface="Arial"/>
               </a:rPr>
               <a:t>get_rois_json</a:t>
@@ -2136,14 +3489,14 @@
       </p:sp>
       <p:sp>
         <p:nvSpPr>
-          <p:cNvPr id="46" name="CustomShape 8"/>
+          <p:cNvPr id="80" name="CustomShape 8"/>
           <p:cNvSpPr/>
           <p:nvPr/>
         </p:nvSpPr>
         <p:spPr>
           <a:xfrm>
             <a:off x="822960" y="4937760"/>
-            <a:ext cx="2011680" cy="731520"/>
+            <a:ext cx="2011320" cy="731160"/>
           </a:xfrm>
           <a:prstGeom prst="ellipse">
             <a:avLst/>
@@ -2167,10 +3520,18 @@
         <p:txBody>
           <a:bodyPr wrap="none" lIns="90000" rIns="90000" tIns="45000" bIns="45000" anchor="ctr"/>
           <a:p>
-            <a:pPr algn="ctr"/>
-            <a:r>
-              <a:rPr lang="en-US">
-                <a:latin typeface="Arial"/>
+            <a:pPr algn="ctr">
+              <a:lnSpc>
+                <a:spcPct val="100000"/>
+              </a:lnSpc>
+            </a:pPr>
+            <a:r>
+              <a:rPr lang="en-US" strike="noStrike">
+                <a:solidFill>
+                  <a:srgbClr val="000000"/>
+                </a:solidFill>
+                <a:latin typeface="Arial"/>
+                <a:ea typeface="DejaVu Sans"/>
               </a:rPr>
               <a:t>Blitz Gateway</a:t>
             </a:r>
@@ -2180,14 +3541,14 @@
       </p:sp>
       <p:sp>
         <p:nvSpPr>
-          <p:cNvPr id="47" name="CustomShape 9"/>
+          <p:cNvPr id="81" name="CustomShape 9"/>
           <p:cNvSpPr/>
           <p:nvPr/>
         </p:nvSpPr>
         <p:spPr>
           <a:xfrm>
             <a:off x="6217920" y="5943600"/>
-            <a:ext cx="3200400" cy="822960"/>
+            <a:ext cx="3200040" cy="822600"/>
           </a:xfrm>
           <a:prstGeom prst="rect">
             <a:avLst/>
@@ -2209,7 +3570,7 @@
       </p:sp>
       <p:sp>
         <p:nvSpPr>
-          <p:cNvPr id="48" name="Line 10"/>
+          <p:cNvPr id="82" name="Line 10"/>
           <p:cNvSpPr/>
           <p:nvPr/>
         </p:nvSpPr>
@@ -2230,24 +3591,36 @@
           </a:ln>
         </p:spPr>
         <p:txBody>
-          <a:bodyPr lIns="90000" rIns="90000" tIns="45000" bIns="45000" anchor="ctr"/>
-          <a:p>
-            <a:pPr algn="ctr"/>
-            <a:endParaRPr/>
-          </a:p>
-          <a:p>
-            <a:pPr algn="ctr"/>
-            <a:endParaRPr/>
-          </a:p>
-          <a:p>
-            <a:pPr algn="ctr"/>
-            <a:endParaRPr/>
-          </a:p>
-        </p:txBody>
-      </p:sp>
-      <p:sp>
-        <p:nvSpPr>
-          <p:cNvPr id="49" name="Line 11"/>
+          <a:bodyPr lIns="90000" rIns="90000" tIns="45000" bIns="45000" anchor="ctr" anchorCtr="1"/>
+          <a:p>
+            <a:pPr algn="ctr">
+              <a:lnSpc>
+                <a:spcPct val="100000"/>
+              </a:lnSpc>
+            </a:pPr>
+            <a:endParaRPr/>
+          </a:p>
+          <a:p>
+            <a:pPr algn="ctr">
+              <a:lnSpc>
+                <a:spcPct val="100000"/>
+              </a:lnSpc>
+            </a:pPr>
+            <a:endParaRPr/>
+          </a:p>
+          <a:p>
+            <a:pPr algn="ctr">
+              <a:lnSpc>
+                <a:spcPct val="100000"/>
+              </a:lnSpc>
+            </a:pPr>
+            <a:endParaRPr/>
+          </a:p>
+        </p:txBody>
+      </p:sp>
+      <p:sp>
+        <p:nvSpPr>
+          <p:cNvPr id="83" name="Line 11"/>
           <p:cNvSpPr/>
           <p:nvPr/>
         </p:nvSpPr>
@@ -2268,24 +3641,36 @@
           </a:ln>
         </p:spPr>
         <p:txBody>
-          <a:bodyPr lIns="90000" rIns="90000" tIns="45000" bIns="45000" anchor="ctr"/>
-          <a:p>
-            <a:pPr algn="ctr"/>
-            <a:endParaRPr/>
-          </a:p>
-          <a:p>
-            <a:pPr algn="ctr"/>
-            <a:endParaRPr/>
-          </a:p>
-          <a:p>
-            <a:pPr algn="ctr"/>
-            <a:endParaRPr/>
-          </a:p>
-        </p:txBody>
-      </p:sp>
-      <p:sp>
-        <p:nvSpPr>
-          <p:cNvPr id="50" name="Line 12"/>
+          <a:bodyPr lIns="90000" rIns="90000" tIns="45000" bIns="45000" anchor="ctr" anchorCtr="1"/>
+          <a:p>
+            <a:pPr algn="ctr">
+              <a:lnSpc>
+                <a:spcPct val="100000"/>
+              </a:lnSpc>
+            </a:pPr>
+            <a:endParaRPr/>
+          </a:p>
+          <a:p>
+            <a:pPr algn="ctr">
+              <a:lnSpc>
+                <a:spcPct val="100000"/>
+              </a:lnSpc>
+            </a:pPr>
+            <a:endParaRPr/>
+          </a:p>
+          <a:p>
+            <a:pPr algn="ctr">
+              <a:lnSpc>
+                <a:spcPct val="100000"/>
+              </a:lnSpc>
+            </a:pPr>
+            <a:endParaRPr/>
+          </a:p>
+        </p:txBody>
+      </p:sp>
+      <p:sp>
+        <p:nvSpPr>
+          <p:cNvPr id="84" name="Line 12"/>
           <p:cNvSpPr/>
           <p:nvPr/>
         </p:nvSpPr>
@@ -2306,19 +3691,31 @@
           </a:ln>
         </p:spPr>
         <p:txBody>
-          <a:bodyPr lIns="90000" rIns="90000" tIns="45000" bIns="45000" anchor="ctr"/>
-          <a:p>
-            <a:pPr algn="ctr"/>
-            <a:endParaRPr/>
-          </a:p>
-          <a:p>
-            <a:pPr algn="ctr"/>
-            <a:endParaRPr/>
-          </a:p>
-          <a:p>
-            <a:pPr algn="ctr"/>
-            <a:r>
-              <a:rPr lang="en-US">
+          <a:bodyPr lIns="90000" rIns="90000" tIns="45000" bIns="45000" anchor="ctr" anchorCtr="1"/>
+          <a:p>
+            <a:pPr algn="ctr">
+              <a:lnSpc>
+                <a:spcPct val="100000"/>
+              </a:lnSpc>
+            </a:pPr>
+            <a:endParaRPr/>
+          </a:p>
+          <a:p>
+            <a:pPr algn="ctr">
+              <a:lnSpc>
+                <a:spcPct val="100000"/>
+              </a:lnSpc>
+            </a:pPr>
+            <a:endParaRPr/>
+          </a:p>
+          <a:p>
+            <a:pPr algn="ctr">
+              <a:lnSpc>
+                <a:spcPct val="100000"/>
+              </a:lnSpc>
+            </a:pPr>
+            <a:r>
+              <a:rPr lang="en-US" strike="noStrike">
                 <a:latin typeface="Arial"/>
               </a:rPr>
               <a:t>raw_pixel_store.getTile</a:t>
@@ -2326,9 +3723,13 @@
             <a:endParaRPr/>
           </a:p>
           <a:p>
-            <a:pPr algn="ctr"/>
-            <a:r>
-              <a:rPr lang="en-US">
+            <a:pPr algn="ctr">
+              <a:lnSpc>
+                <a:spcPct val="100000"/>
+              </a:lnSpc>
+            </a:pPr>
+            <a:r>
+              <a:rPr lang="en-US" strike="noStrike">
                 <a:latin typeface="Arial"/>
               </a:rPr>
               <a:t>update.saveAndReturnObject</a:t>
@@ -2339,14 +3740,14 @@
       </p:sp>
       <p:sp>
         <p:nvSpPr>
-          <p:cNvPr id="51" name="CustomShape 13"/>
+          <p:cNvPr id="85" name="CustomShape 13"/>
           <p:cNvSpPr/>
           <p:nvPr/>
         </p:nvSpPr>
         <p:spPr>
           <a:xfrm>
             <a:off x="6675120" y="2926080"/>
-            <a:ext cx="1920240" cy="365760"/>
+            <a:ext cx="1919880" cy="365400"/>
           </a:xfrm>
           <a:prstGeom prst="rect">
             <a:avLst/>
@@ -2371,10 +3772,18 @@
         <p:txBody>
           <a:bodyPr wrap="none" lIns="90000" rIns="90000" tIns="45000" bIns="45000" anchor="ctr"/>
           <a:p>
-            <a:pPr algn="ctr"/>
-            <a:r>
-              <a:rPr lang="en-US">
-                <a:latin typeface="Arial"/>
+            <a:pPr algn="ctr">
+              <a:lnSpc>
+                <a:spcPct val="100000"/>
+              </a:lnSpc>
+            </a:pPr>
+            <a:r>
+              <a:rPr lang="en-US" strike="noStrike">
+                <a:solidFill>
+                  <a:srgbClr val="000000"/>
+                </a:solidFill>
+                <a:latin typeface="Arial"/>
+                <a:ea typeface="DejaVu Sans"/>
               </a:rPr>
               <a:t>openwith.js</a:t>
             </a:r>
@@ -2384,14 +3793,14 @@
       </p:sp>
       <p:sp>
         <p:nvSpPr>
-          <p:cNvPr id="52" name="CustomShape 14"/>
+          <p:cNvPr id="86" name="CustomShape 14"/>
           <p:cNvSpPr/>
           <p:nvPr/>
         </p:nvSpPr>
         <p:spPr>
           <a:xfrm>
             <a:off x="6217920" y="3383280"/>
-            <a:ext cx="3200400" cy="1463040"/>
+            <a:ext cx="3200040" cy="1462680"/>
           </a:xfrm>
           <a:prstGeom prst="rect">
             <a:avLst/>
@@ -2413,14 +3822,14 @@
       </p:sp>
       <p:sp>
         <p:nvSpPr>
-          <p:cNvPr id="53" name="CustomShape 15"/>
+          <p:cNvPr id="87" name="CustomShape 15"/>
           <p:cNvSpPr/>
           <p:nvPr/>
         </p:nvSpPr>
         <p:spPr>
           <a:xfrm>
             <a:off x="2834640" y="4480560"/>
-            <a:ext cx="1920240" cy="365760"/>
+            <a:ext cx="1919880" cy="365400"/>
           </a:xfrm>
           <a:prstGeom prst="rect">
             <a:avLst/>
@@ -2445,10 +3854,18 @@
         <p:txBody>
           <a:bodyPr wrap="none" lIns="90000" rIns="90000" tIns="45000" bIns="45000" anchor="ctr"/>
           <a:p>
-            <a:pPr algn="ctr"/>
-            <a:r>
-              <a:rPr lang="en-US">
-                <a:latin typeface="Arial"/>
+            <a:pPr algn="ctr">
+              <a:lnSpc>
+                <a:spcPct val="100000"/>
+              </a:lnSpc>
+            </a:pPr>
+            <a:r>
+              <a:rPr lang="en-US" strike="noStrike">
+                <a:solidFill>
+                  <a:srgbClr val="000000"/>
+                </a:solidFill>
+                <a:latin typeface="Arial"/>
+                <a:ea typeface="DejaVu Sans"/>
               </a:rPr>
               <a:t>openwith.js</a:t>
             </a:r>
@@ -2458,7 +3875,7 @@
       </p:sp>
       <p:sp>
         <p:nvSpPr>
-          <p:cNvPr id="54" name="Line 16"/>
+          <p:cNvPr id="88" name="Line 16"/>
           <p:cNvSpPr/>
           <p:nvPr/>
         </p:nvSpPr>
@@ -2530,14 +3947,14 @@
       </p:grpSpPr>
       <p:sp>
         <p:nvSpPr>
-          <p:cNvPr id="73" name="TextShape 1"/>
-          <p:cNvSpPr txBox="1"/>
+          <p:cNvPr id="107" name="CustomShape 1"/>
+          <p:cNvSpPr/>
           <p:nvPr/>
         </p:nvSpPr>
         <p:spPr>
           <a:xfrm>
             <a:off x="504000" y="301320"/>
-            <a:ext cx="9071640" cy="1262160"/>
+            <a:ext cx="9071280" cy="1261800"/>
           </a:xfrm>
           <a:prstGeom prst="rect">
             <a:avLst/>
@@ -2547,30 +3964,40 @@
             <a:noFill/>
           </a:ln>
         </p:spPr>
+        <p:style>
+          <a:lnRef idx="0"/>
+          <a:fillRef idx="0"/>
+          <a:effectRef idx="0"/>
+          <a:fontRef idx="minor"/>
+        </p:style>
         <p:txBody>
           <a:bodyPr lIns="0" rIns="0" tIns="0" bIns="0" anchor="ctr"/>
           <a:p>
-            <a:pPr algn="ctr"/>
-            <a:r>
-              <a:rPr lang="en-US" sz="4400">
-                <a:latin typeface="Arial"/>
-              </a:rPr>
-              <a:t>Apps – figure and iviewer </a:t>
-            </a:r>
-            <a:endParaRPr/>
-          </a:p>
-        </p:txBody>
-      </p:sp>
-      <p:sp>
-        <p:nvSpPr>
-          <p:cNvPr id="74" name="TextShape 2"/>
-          <p:cNvSpPr txBox="1"/>
+            <a:pPr algn="ctr">
+              <a:lnSpc>
+                <a:spcPct val="100000"/>
+              </a:lnSpc>
+            </a:pPr>
+            <a:r>
+              <a:rPr lang="en-US" sz="4400" strike="noStrike">
+                <a:latin typeface="Arial"/>
+              </a:rPr>
+              <a:t>App - Open With</a:t>
+            </a:r>
+            <a:endParaRPr/>
+          </a:p>
+        </p:txBody>
+      </p:sp>
+      <p:sp>
+        <p:nvSpPr>
+          <p:cNvPr id="108" name="CustomShape 2"/>
+          <p:cNvSpPr/>
           <p:nvPr/>
         </p:nvSpPr>
         <p:spPr>
           <a:xfrm>
             <a:off x="504000" y="1769040"/>
-            <a:ext cx="9071640" cy="4814640"/>
+            <a:ext cx="9071280" cy="4814280"/>
           </a:xfrm>
           <a:prstGeom prst="rect">
             <a:avLst/>
@@ -2580,19 +4007,28 @@
             <a:noFill/>
           </a:ln>
         </p:spPr>
+        <p:style>
+          <a:lnRef idx="0"/>
+          <a:fillRef idx="0"/>
+          <a:effectRef idx="0"/>
+          <a:fontRef idx="minor"/>
+        </p:style>
         <p:txBody>
           <a:bodyPr lIns="0" rIns="0" tIns="0" bIns="0"/>
           <a:p>
             <a:pPr>
+              <a:lnSpc>
+                <a:spcPct val="100000"/>
+              </a:lnSpc>
               <a:buSzPct val="45000"/>
               <a:buFont typeface="Wingdings" charset="2"/>
               <a:buChar char=""/>
             </a:pPr>
             <a:r>
-              <a:rPr lang="en-US" sz="3200">
-                <a:latin typeface="Arial"/>
-              </a:rPr>
-              <a:t>TODO: commonalities and differences and implications</a:t>
+              <a:rPr lang="en-US" sz="3200" strike="noStrike">
+                <a:latin typeface="Arial"/>
+              </a:rPr>
+              <a:t>TODO: add example</a:t>
             </a:r>
             <a:endParaRPr/>
           </a:p>
@@ -2649,14 +4085,14 @@
       </p:grpSpPr>
       <p:sp>
         <p:nvSpPr>
-          <p:cNvPr id="75" name="TextShape 1"/>
-          <p:cNvSpPr txBox="1"/>
+          <p:cNvPr id="109" name="CustomShape 1"/>
+          <p:cNvSpPr/>
           <p:nvPr/>
         </p:nvSpPr>
         <p:spPr>
           <a:xfrm>
             <a:off x="504000" y="301320"/>
-            <a:ext cx="9071640" cy="1262160"/>
+            <a:ext cx="9071280" cy="1261800"/>
           </a:xfrm>
           <a:prstGeom prst="rect">
             <a:avLst/>
@@ -2666,30 +4102,40 @@
             <a:noFill/>
           </a:ln>
         </p:spPr>
+        <p:style>
+          <a:lnRef idx="0"/>
+          <a:fillRef idx="0"/>
+          <a:effectRef idx="0"/>
+          <a:fontRef idx="minor"/>
+        </p:style>
         <p:txBody>
           <a:bodyPr lIns="0" rIns="0" tIns="0" bIns="0" anchor="ctr"/>
           <a:p>
-            <a:pPr algn="ctr"/>
-            <a:r>
-              <a:rPr lang="en-US" sz="4400">
-                <a:latin typeface="Arial"/>
-              </a:rPr>
-              <a:t>Apps – iviewer </a:t>
-            </a:r>
-            <a:endParaRPr/>
-          </a:p>
-        </p:txBody>
-      </p:sp>
-      <p:sp>
-        <p:nvSpPr>
-          <p:cNvPr id="76" name="TextShape 2"/>
-          <p:cNvSpPr txBox="1"/>
+            <a:pPr algn="ctr">
+              <a:lnSpc>
+                <a:spcPct val="100000"/>
+              </a:lnSpc>
+            </a:pPr>
+            <a:r>
+              <a:rPr lang="en-US" sz="4400" strike="noStrike">
+                <a:latin typeface="Arial"/>
+              </a:rPr>
+              <a:t>Apps – figure and iviewer </a:t>
+            </a:r>
+            <a:endParaRPr/>
+          </a:p>
+        </p:txBody>
+      </p:sp>
+      <p:sp>
+        <p:nvSpPr>
+          <p:cNvPr id="110" name="CustomShape 2"/>
+          <p:cNvSpPr/>
           <p:nvPr/>
         </p:nvSpPr>
         <p:spPr>
           <a:xfrm>
             <a:off x="504000" y="1769040"/>
-            <a:ext cx="9071640" cy="4814640"/>
+            <a:ext cx="9071280" cy="4814280"/>
           </a:xfrm>
           <a:prstGeom prst="rect">
             <a:avLst/>
@@ -2699,47 +4145,28 @@
             <a:noFill/>
           </a:ln>
         </p:spPr>
+        <p:style>
+          <a:lnRef idx="0"/>
+          <a:fillRef idx="0"/>
+          <a:effectRef idx="0"/>
+          <a:fontRef idx="minor"/>
+        </p:style>
         <p:txBody>
           <a:bodyPr lIns="0" rIns="0" tIns="0" bIns="0"/>
           <a:p>
             <a:pPr>
+              <a:lnSpc>
+                <a:spcPct val="100000"/>
+              </a:lnSpc>
               <a:buSzPct val="45000"/>
               <a:buFont typeface="Wingdings" charset="2"/>
               <a:buChar char=""/>
             </a:pPr>
             <a:r>
-              <a:rPr lang="en-US" sz="3200">
-                <a:latin typeface="Arial"/>
-              </a:rPr>
-              <a:t>TODO: diagram components</a:t>
-            </a:r>
-            <a:endParaRPr/>
-          </a:p>
-          <a:p>
-            <a:pPr lvl="1">
-              <a:buSzPct val="75000"/>
-              <a:buFont typeface="Symbol" charset="2"/>
-              <a:buChar char=""/>
-            </a:pPr>
-            <a:r>
-              <a:rPr lang="en-US" sz="2800">
-                <a:latin typeface="Arial"/>
-              </a:rPr>
-              <a:t>MVC and aurelia</a:t>
-            </a:r>
-            <a:endParaRPr/>
-          </a:p>
-          <a:p>
-            <a:pPr lvl="1">
-              <a:buSzPct val="75000"/>
-              <a:buFont typeface="Symbol" charset="2"/>
-              <a:buChar char=""/>
-            </a:pPr>
-            <a:r>
-              <a:rPr lang="en-US" sz="2800">
-                <a:latin typeface="Arial"/>
-              </a:rPr>
-              <a:t>Openlayers</a:t>
+              <a:rPr lang="en-US" sz="3200" strike="noStrike">
+                <a:latin typeface="Arial"/>
+              </a:rPr>
+              <a:t>TODO: commonalities and differences and implications</a:t>
             </a:r>
             <a:endParaRPr/>
           </a:p>
@@ -2754,6 +4181,178 @@
           <p:childTnLst>
             <p:seq>
               <p:cTn id="22" nodeType="mainSeq"/>
+              <p:prevCondLst>
+                <p:cond delay="0" evt="onPrev">
+                  <p:tgtEl>
+                    <p:sldTgt/>
+                  </p:tgtEl>
+                </p:cond>
+              </p:prevCondLst>
+              <p:nextCondLst>
+                <p:cond delay="0" evt="onNext">
+                  <p:tgtEl>
+                    <p:sldTgt/>
+                  </p:tgtEl>
+                </p:cond>
+              </p:nextCondLst>
+            </p:seq>
+          </p:childTnLst>
+        </p:cTn>
+      </p:par>
+    </p:tnLst>
+  </p:timing>
+</p:sld>
+</file>
+
+<file path=ppt/slides/slide12.xml><?xml version="1.0" encoding="utf-8"?>
+<p:sld xmlns:a="http://schemas.openxmlformats.org/drawingml/2006/main" xmlns:p="http://schemas.openxmlformats.org/presentationml/2006/main" xmlns:r="http://schemas.openxmlformats.org/officeDocument/2006/relationships">
+  <p:cSld>
+    <p:spTree>
+      <p:nvGrpSpPr>
+        <p:cNvPr id="1" name=""/>
+        <p:cNvGrpSpPr/>
+        <p:nvPr/>
+      </p:nvGrpSpPr>
+      <p:grpSpPr>
+        <a:xfrm>
+          <a:off x="0" y="0"/>
+          <a:ext cx="0" cy="0"/>
+          <a:chOff x="0" y="0"/>
+          <a:chExt cx="0" cy="0"/>
+        </a:xfrm>
+      </p:grpSpPr>
+      <p:sp>
+        <p:nvSpPr>
+          <p:cNvPr id="111" name="CustomShape 1"/>
+          <p:cNvSpPr/>
+          <p:nvPr/>
+        </p:nvSpPr>
+        <p:spPr>
+          <a:xfrm>
+            <a:off x="504000" y="301320"/>
+            <a:ext cx="9071280" cy="1261800"/>
+          </a:xfrm>
+          <a:prstGeom prst="rect">
+            <a:avLst/>
+          </a:prstGeom>
+          <a:noFill/>
+          <a:ln>
+            <a:noFill/>
+          </a:ln>
+        </p:spPr>
+        <p:style>
+          <a:lnRef idx="0"/>
+          <a:fillRef idx="0"/>
+          <a:effectRef idx="0"/>
+          <a:fontRef idx="minor"/>
+        </p:style>
+        <p:txBody>
+          <a:bodyPr lIns="0" rIns="0" tIns="0" bIns="0" anchor="ctr"/>
+          <a:p>
+            <a:pPr algn="ctr">
+              <a:lnSpc>
+                <a:spcPct val="100000"/>
+              </a:lnSpc>
+            </a:pPr>
+            <a:r>
+              <a:rPr lang="en-US" sz="4400" strike="noStrike">
+                <a:latin typeface="Arial"/>
+              </a:rPr>
+              <a:t>Apps – iviewer </a:t>
+            </a:r>
+            <a:endParaRPr/>
+          </a:p>
+        </p:txBody>
+      </p:sp>
+      <p:sp>
+        <p:nvSpPr>
+          <p:cNvPr id="112" name="CustomShape 2"/>
+          <p:cNvSpPr/>
+          <p:nvPr/>
+        </p:nvSpPr>
+        <p:spPr>
+          <a:xfrm>
+            <a:off x="504000" y="1769040"/>
+            <a:ext cx="9071280" cy="4814280"/>
+          </a:xfrm>
+          <a:prstGeom prst="rect">
+            <a:avLst/>
+          </a:prstGeom>
+          <a:noFill/>
+          <a:ln>
+            <a:noFill/>
+          </a:ln>
+        </p:spPr>
+        <p:style>
+          <a:lnRef idx="0"/>
+          <a:fillRef idx="0"/>
+          <a:effectRef idx="0"/>
+          <a:fontRef idx="minor"/>
+        </p:style>
+        <p:txBody>
+          <a:bodyPr lIns="0" rIns="0" tIns="0" bIns="0"/>
+          <a:p>
+            <a:pPr>
+              <a:lnSpc>
+                <a:spcPct val="100000"/>
+              </a:lnSpc>
+              <a:buSzPct val="45000"/>
+              <a:buFont typeface="Wingdings" charset="2"/>
+              <a:buChar char=""/>
+            </a:pPr>
+            <a:r>
+              <a:rPr lang="en-US" sz="3200" strike="noStrike">
+                <a:latin typeface="Arial"/>
+              </a:rPr>
+              <a:t>TODO: diagram components</a:t>
+            </a:r>
+            <a:endParaRPr/>
+          </a:p>
+          <a:p>
+            <a:pPr lvl="1">
+              <a:lnSpc>
+                <a:spcPct val="100000"/>
+              </a:lnSpc>
+              <a:buSzPct val="75000"/>
+              <a:buFont typeface="Symbol"/>
+              <a:buChar char=""/>
+            </a:pPr>
+            <a:r>
+              <a:rPr lang="en-US" sz="2800" strike="noStrike">
+                <a:latin typeface="Arial"/>
+              </a:rPr>
+              <a:t>MVC and aurelia</a:t>
+            </a:r>
+            <a:endParaRPr/>
+          </a:p>
+          <a:p>
+            <a:pPr lvl="1">
+              <a:lnSpc>
+                <a:spcPct val="100000"/>
+              </a:lnSpc>
+              <a:buSzPct val="75000"/>
+              <a:buFont typeface="Symbol"/>
+              <a:buChar char=""/>
+            </a:pPr>
+            <a:r>
+              <a:rPr lang="en-US" sz="2800" strike="noStrike">
+                <a:latin typeface="Arial"/>
+              </a:rPr>
+              <a:t>Openlayers</a:t>
+            </a:r>
+            <a:endParaRPr/>
+          </a:p>
+        </p:txBody>
+      </p:sp>
+    </p:spTree>
+  </p:cSld>
+  <p:timing>
+    <p:tnLst>
+      <p:par>
+        <p:cTn id="23" dur="indefinite" restart="never" nodeType="tmRoot">
+          <p:childTnLst>
+            <p:seq>
+              <p:cTn id="24" nodeType="mainSeq"/>
               <p:prevCondLst>
                 <p:cond delay="0" evt="onPrev">
                   <p:tgtEl>
@@ -2796,14 +4395,14 @@
       </p:grpSpPr>
       <p:sp>
         <p:nvSpPr>
-          <p:cNvPr id="55" name="TextShape 1"/>
-          <p:cNvSpPr txBox="1"/>
+          <p:cNvPr id="89" name="CustomShape 1"/>
+          <p:cNvSpPr/>
           <p:nvPr/>
         </p:nvSpPr>
         <p:spPr>
           <a:xfrm>
             <a:off x="504000" y="301320"/>
-            <a:ext cx="9071640" cy="1262160"/>
+            <a:ext cx="9071280" cy="1261800"/>
           </a:xfrm>
           <a:prstGeom prst="rect">
             <a:avLst/>
@@ -2813,12 +4412,22 @@
             <a:noFill/>
           </a:ln>
         </p:spPr>
+        <p:style>
+          <a:lnRef idx="0"/>
+          <a:fillRef idx="0"/>
+          <a:effectRef idx="0"/>
+          <a:fontRef idx="minor"/>
+        </p:style>
         <p:txBody>
           <a:bodyPr lIns="0" rIns="0" tIns="0" bIns="0" anchor="ctr"/>
           <a:p>
-            <a:pPr algn="ctr"/>
-            <a:r>
-              <a:rPr lang="en-US" sz="3600">
+            <a:pPr algn="ctr">
+              <a:lnSpc>
+                <a:spcPct val="100000"/>
+              </a:lnSpc>
+            </a:pPr>
+            <a:r>
+              <a:rPr lang="en-US" sz="3600" strike="noStrike">
                 <a:latin typeface="Arial"/>
               </a:rPr>
               <a:t>'Minimal' App Setup – django directories</a:t>
@@ -2829,14 +4438,14 @@
       </p:sp>
       <p:sp>
         <p:nvSpPr>
-          <p:cNvPr id="56" name="TextShape 2"/>
-          <p:cNvSpPr txBox="1"/>
+          <p:cNvPr id="90" name="CustomShape 2"/>
+          <p:cNvSpPr/>
           <p:nvPr/>
         </p:nvSpPr>
         <p:spPr>
           <a:xfrm>
             <a:off x="2468880" y="1828800"/>
-            <a:ext cx="4165920" cy="1109880"/>
+            <a:ext cx="4165560" cy="1109520"/>
           </a:xfrm>
           <a:prstGeom prst="rect">
             <a:avLst/>
@@ -2846,11 +4455,17 @@
             <a:noFill/>
           </a:ln>
         </p:spPr>
+        <p:style>
+          <a:lnRef idx="0"/>
+          <a:fillRef idx="0"/>
+          <a:effectRef idx="0"/>
+          <a:fontRef idx="minor"/>
+        </p:style>
         <p:txBody>
           <a:bodyPr lIns="90000" rIns="90000" tIns="45000" bIns="45000"/>
           <a:p>
             <a:r>
-              <a:rPr lang="en-US" sz="2400">
+              <a:rPr lang="en-US" sz="2400" strike="noStrike">
                 <a:latin typeface="Arial"/>
               </a:rPr>
               <a:t>app/static/app/app.js</a:t>
@@ -2862,7 +4477,7 @@
           </a:p>
           <a:p>
             <a:r>
-              <a:rPr lang="en-US" sz="2400">
+              <a:rPr lang="en-US" sz="2400" strike="noStrike">
                 <a:latin typeface="Arial"/>
               </a:rPr>
               <a:t>app/templates/app/index.html</a:t>
@@ -2873,7 +4488,7 @@
       </p:sp>
       <p:pic>
         <p:nvPicPr>
-          <p:cNvPr id="57" name="" descr=""/>
+          <p:cNvPr id="91" name="" descr=""/>
           <p:cNvPicPr/>
           <p:nvPr/>
         </p:nvPicPr>
@@ -2884,7 +4499,7 @@
         <p:spPr>
           <a:xfrm>
             <a:off x="1463040" y="3225600"/>
-            <a:ext cx="6309360" cy="3083760"/>
+            <a:ext cx="6309000" cy="3083400"/>
           </a:xfrm>
           <a:prstGeom prst="rect">
             <a:avLst/>
@@ -2945,14 +4560,14 @@
       </p:grpSpPr>
       <p:sp>
         <p:nvSpPr>
-          <p:cNvPr id="58" name="TextShape 1"/>
-          <p:cNvSpPr txBox="1"/>
+          <p:cNvPr id="92" name="CustomShape 1"/>
+          <p:cNvSpPr/>
           <p:nvPr/>
         </p:nvSpPr>
         <p:spPr>
           <a:xfrm>
             <a:off x="504000" y="301320"/>
-            <a:ext cx="9071640" cy="1262160"/>
+            <a:ext cx="9071280" cy="1261800"/>
           </a:xfrm>
           <a:prstGeom prst="rect">
             <a:avLst/>
@@ -2962,12 +4577,22 @@
             <a:noFill/>
           </a:ln>
         </p:spPr>
+        <p:style>
+          <a:lnRef idx="0"/>
+          <a:fillRef idx="0"/>
+          <a:effectRef idx="0"/>
+          <a:fontRef idx="minor"/>
+        </p:style>
         <p:txBody>
           <a:bodyPr lIns="0" rIns="0" tIns="0" bIns="0" anchor="ctr"/>
           <a:p>
-            <a:pPr algn="ctr"/>
-            <a:r>
-              <a:rPr lang="en-US" sz="3600">
+            <a:pPr algn="ctr">
+              <a:lnSpc>
+                <a:spcPct val="100000"/>
+              </a:lnSpc>
+            </a:pPr>
+            <a:r>
+              <a:rPr lang="en-US" sz="3600" strike="noStrike">
                 <a:latin typeface="Arial"/>
               </a:rPr>
               <a:t>static/app – what would it contain?</a:t>
@@ -2978,14 +4603,14 @@
       </p:sp>
       <p:sp>
         <p:nvSpPr>
-          <p:cNvPr id="59" name="TextShape 2"/>
-          <p:cNvSpPr txBox="1"/>
+          <p:cNvPr id="93" name="CustomShape 2"/>
+          <p:cNvSpPr/>
           <p:nvPr/>
         </p:nvSpPr>
         <p:spPr>
           <a:xfrm>
             <a:off x="504360" y="1769400"/>
-            <a:ext cx="9071640" cy="4384440"/>
+            <a:ext cx="9071280" cy="4384080"/>
           </a:xfrm>
           <a:prstGeom prst="rect">
             <a:avLst/>
@@ -2995,16 +4620,25 @@
             <a:noFill/>
           </a:ln>
         </p:spPr>
+        <p:style>
+          <a:lnRef idx="0"/>
+          <a:fillRef idx="0"/>
+          <a:effectRef idx="0"/>
+          <a:fontRef idx="minor"/>
+        </p:style>
         <p:txBody>
           <a:bodyPr lIns="0" rIns="0" tIns="0" bIns="0"/>
           <a:p>
             <a:pPr>
+              <a:lnSpc>
+                <a:spcPct val="100000"/>
+              </a:lnSpc>
               <a:buSzPct val="45000"/>
               <a:buFont typeface="Wingdings" charset="2"/>
               <a:buChar char=""/>
             </a:pPr>
             <a:r>
-              <a:rPr lang="en-US" sz="3200">
+              <a:rPr lang="en-US" sz="3200" strike="noStrike">
                 <a:latin typeface="Arial"/>
               </a:rPr>
               <a:t>Java Script</a:t>
@@ -3013,12 +4647,15 @@
           </a:p>
           <a:p>
             <a:pPr>
+              <a:lnSpc>
+                <a:spcPct val="100000"/>
+              </a:lnSpc>
               <a:buSzPct val="45000"/>
               <a:buFont typeface="Wingdings" charset="2"/>
               <a:buChar char=""/>
             </a:pPr>
             <a:r>
-              <a:rPr lang="en-US" sz="3200">
+              <a:rPr lang="en-US" sz="3200" strike="noStrike">
                 <a:latin typeface="Arial"/>
               </a:rPr>
               <a:t>Third Party Resources</a:t>
@@ -3027,12 +4664,15 @@
           </a:p>
           <a:p>
             <a:pPr>
+              <a:lnSpc>
+                <a:spcPct val="100000"/>
+              </a:lnSpc>
               <a:buSzPct val="45000"/>
               <a:buFont typeface="Wingdings" charset="2"/>
               <a:buChar char=""/>
             </a:pPr>
             <a:r>
-              <a:rPr lang="en-US" sz="3200">
+              <a:rPr lang="en-US" sz="3200" strike="noStrike">
                 <a:latin typeface="Arial"/>
               </a:rPr>
               <a:t>Css</a:t>
@@ -3041,12 +4681,15 @@
           </a:p>
           <a:p>
             <a:pPr>
+              <a:lnSpc>
+                <a:spcPct val="100000"/>
+              </a:lnSpc>
               <a:buSzPct val="45000"/>
               <a:buFont typeface="Wingdings" charset="2"/>
               <a:buChar char=""/>
             </a:pPr>
             <a:r>
-              <a:rPr lang="en-US" sz="3200">
+              <a:rPr lang="en-US" sz="3200" strike="noStrike">
                 <a:latin typeface="Arial"/>
               </a:rPr>
               <a:t>Images</a:t>
@@ -3055,9 +4698,9 @@
           </a:p>
           <a:p>
             <a:pPr>
-              <a:buSzPct val="45000"/>
-              <a:buFont typeface="Wingdings" charset="2"/>
-              <a:buChar char=""/>
+              <a:lnSpc>
+                <a:spcPct val="100000"/>
+              </a:lnSpc>
             </a:pPr>
             <a:endParaRPr/>
           </a:p>
@@ -3065,7 +4708,7 @@
       </p:sp>
       <p:pic>
         <p:nvPicPr>
-          <p:cNvPr id="60" name="" descr=""/>
+          <p:cNvPr id="94" name="" descr=""/>
           <p:cNvPicPr/>
           <p:nvPr/>
         </p:nvPicPr>
@@ -3076,7 +4719,7 @@
         <p:spPr>
           <a:xfrm>
             <a:off x="3660480" y="3236400"/>
-            <a:ext cx="5757840" cy="3438720"/>
+            <a:ext cx="5757480" cy="3438360"/>
           </a:xfrm>
           <a:prstGeom prst="rect">
             <a:avLst/>
@@ -3137,14 +4780,14 @@
       </p:grpSpPr>
       <p:sp>
         <p:nvSpPr>
-          <p:cNvPr id="61" name="TextShape 1"/>
-          <p:cNvSpPr txBox="1"/>
+          <p:cNvPr id="95" name="CustomShape 1"/>
+          <p:cNvSpPr/>
           <p:nvPr/>
         </p:nvSpPr>
         <p:spPr>
           <a:xfrm>
             <a:off x="504000" y="301320"/>
-            <a:ext cx="9071640" cy="1262160"/>
+            <a:ext cx="9071280" cy="1261800"/>
           </a:xfrm>
           <a:prstGeom prst="rect">
             <a:avLst/>
@@ -3154,12 +4797,22 @@
             <a:noFill/>
           </a:ln>
         </p:spPr>
+        <p:style>
+          <a:lnRef idx="0"/>
+          <a:fillRef idx="0"/>
+          <a:effectRef idx="0"/>
+          <a:fontRef idx="minor"/>
+        </p:style>
         <p:txBody>
           <a:bodyPr lIns="0" rIns="0" tIns="0" bIns="0" anchor="ctr"/>
           <a:p>
-            <a:pPr algn="ctr"/>
-            <a:r>
-              <a:rPr lang="en-US" sz="3600">
+            <a:pPr algn="ctr">
+              <a:lnSpc>
+                <a:spcPct val="100000"/>
+              </a:lnSpc>
+            </a:pPr>
+            <a:r>
+              <a:rPr lang="en-US" sz="3600" strike="noStrike">
                 <a:latin typeface="Arial"/>
               </a:rPr>
               <a:t>app/templates/app/index.html</a:t>
@@ -3170,14 +4823,14 @@
       </p:sp>
       <p:sp>
         <p:nvSpPr>
-          <p:cNvPr id="62" name="TextShape 2"/>
-          <p:cNvSpPr txBox="1"/>
+          <p:cNvPr id="96" name="CustomShape 2"/>
+          <p:cNvSpPr/>
           <p:nvPr/>
         </p:nvSpPr>
         <p:spPr>
           <a:xfrm>
-            <a:off x="504000" y="1769040"/>
-            <a:ext cx="9071640" cy="5271840"/>
+            <a:off x="438480" y="1371600"/>
+            <a:ext cx="9071280" cy="5943600"/>
           </a:xfrm>
           <a:prstGeom prst="rect">
             <a:avLst/>
@@ -3187,11 +4840,17 @@
             <a:noFill/>
           </a:ln>
         </p:spPr>
+        <p:style>
+          <a:lnRef idx="0"/>
+          <a:fillRef idx="0"/>
+          <a:effectRef idx="0"/>
+          <a:fontRef idx="minor"/>
+        </p:style>
         <p:txBody>
           <a:bodyPr lIns="0" rIns="0" tIns="0" bIns="0"/>
           <a:p>
             <a:r>
-              <a:rPr lang="en-US" sz="6000">
+              <a:rPr lang="en-US" sz="2000" strike="noStrike">
                 <a:latin typeface="Arial"/>
               </a:rPr>
               <a:t>&lt;html&gt;</a:t>
@@ -3200,13 +4859,13 @@
           </a:p>
           <a:p>
             <a:r>
-              <a:rPr lang="en-US" sz="6000">
+              <a:rPr lang="en-US" sz="2000" strike="noStrike">
                 <a:latin typeface="Arial"/>
               </a:rPr>
               <a:t>  </a:t>
             </a:r>
             <a:r>
-              <a:rPr lang="en-US" sz="6000">
+              <a:rPr lang="en-US" sz="2000" strike="noStrike">
                 <a:latin typeface="Arial"/>
               </a:rPr>
               <a:t>&lt;head&gt;</a:t>
@@ -3218,13 +4877,13 @@
           </a:p>
           <a:p>
             <a:r>
-              <a:rPr lang="en-US" sz="6000">
+              <a:rPr lang="en-US" sz="2000" strike="noStrike">
                 <a:latin typeface="Arial"/>
               </a:rPr>
               <a:t>      </a:t>
             </a:r>
             <a:r>
-              <a:rPr lang="en-US" sz="6000">
+              <a:rPr lang="en-US" sz="2000" strike="noStrike">
                 <a:latin typeface="Arial"/>
               </a:rPr>
               <a:t>&lt;link rel="stylesheet" type="text/css" </a:t>
@@ -3233,46 +4892,46 @@
           </a:p>
           <a:p>
             <a:r>
-              <a:rPr lang="en-US" sz="6000">
+              <a:rPr lang="en-US" sz="2000" strike="noStrike">
                 <a:latin typeface="Arial"/>
               </a:rPr>
               <a:t>              </a:t>
             </a:r>
             <a:r>
-              <a:rPr lang="en-US" sz="6000">
+              <a:rPr lang="en-US" sz="2000" strike="noStrike">
                 <a:latin typeface="Arial"/>
               </a:rPr>
               <a:t>href=" {% static </a:t>
             </a:r>
             <a:r>
-              <a:rPr lang="en-US" sz="6000">
+              <a:rPr lang="en-US" sz="2000" strike="noStrike">
                 <a:solidFill>
                   <a:srgbClr val="000066"/>
                 </a:solidFill>
                 <a:latin typeface="Arial"/>
               </a:rPr>
-              <a:t>'app_directoryr/css/app.css?version=1.1'</a:t>
-            </a:r>
-            <a:r>
-              <a:rPr lang="en-US" sz="6000">
-                <a:latin typeface="Arial"/>
-              </a:rPr>
-              <a:t> %}" /&gt;</a:t>
-            </a:r>
-            <a:endParaRPr/>
-          </a:p>
-          <a:p>
-            <a:endParaRPr/>
-          </a:p>
-          <a:p>
-            <a:r>
-              <a:rPr lang="en-US" sz="6000">
+              <a:t>'app_directoryr/css/app.css?version=1.1' %}" /&gt;</a:t>
+            </a:r>
+            <a:endParaRPr/>
+          </a:p>
+          <a:p>
+            <a:endParaRPr/>
+          </a:p>
+          <a:p>
+            <a:r>
+              <a:rPr lang="en-US" sz="2000" strike="noStrike">
+                <a:solidFill>
+                  <a:srgbClr val="000066"/>
+                </a:solidFill>
                 <a:latin typeface="Arial"/>
               </a:rPr>
               <a:t>      </a:t>
             </a:r>
             <a:r>
-              <a:rPr lang="en-US" sz="6000">
+              <a:rPr lang="en-US" sz="2000" strike="noStrike">
+                <a:solidFill>
+                  <a:srgbClr val="000066"/>
+                </a:solidFill>
                 <a:latin typeface="Arial"/>
               </a:rPr>
               <a:t>&lt;script type="text/javascript"</a:t>
@@ -3281,43 +4940,49 @@
           </a:p>
           <a:p>
             <a:r>
-              <a:rPr lang="en-US" sz="6000">
+              <a:rPr lang="en-US" sz="2000" strike="noStrike">
+                <a:solidFill>
+                  <a:srgbClr val="000066"/>
+                </a:solidFill>
                 <a:latin typeface="Arial"/>
               </a:rPr>
               <a:t>              </a:t>
             </a:r>
             <a:r>
-              <a:rPr lang="en-US" sz="6000">
+              <a:rPr lang="en-US" sz="2000" strike="noStrike">
+                <a:solidFill>
+                  <a:srgbClr val="000066"/>
+                </a:solidFill>
                 <a:latin typeface="Arial"/>
               </a:rPr>
               <a:t>src="{% static </a:t>
             </a:r>
             <a:r>
-              <a:rPr lang="en-US" sz="6000">
+              <a:rPr lang="en-US" sz="2000" strike="noStrike">
                 <a:solidFill>
                   <a:srgbClr val="990000"/>
                 </a:solidFill>
                 <a:latin typeface="Arial"/>
               </a:rPr>
-              <a:t>'app_directory/app.js?version=1.1'</a:t>
-            </a:r>
-            <a:r>
-              <a:rPr lang="en-US" sz="6000">
-                <a:latin typeface="Arial"/>
-              </a:rPr>
-              <a:t> %}"&gt;</a:t>
-            </a:r>
-            <a:endParaRPr/>
-          </a:p>
-          <a:p>
-            <a:r>
-              <a:rPr lang="en-US" sz="6000">
+              <a:t>'app_directory/app.js?version=1.1' %}"&gt;</a:t>
+            </a:r>
+            <a:endParaRPr/>
+          </a:p>
+          <a:p>
+            <a:r>
+              <a:rPr lang="en-US" sz="2000" strike="noStrike">
+                <a:solidFill>
+                  <a:srgbClr val="990000"/>
+                </a:solidFill>
                 <a:latin typeface="Arial"/>
               </a:rPr>
               <a:t>      </a:t>
             </a:r>
             <a:r>
-              <a:rPr lang="en-US" sz="6000">
+              <a:rPr lang="en-US" sz="2000" strike="noStrike">
+                <a:solidFill>
+                  <a:srgbClr val="990000"/>
+                </a:solidFill>
                 <a:latin typeface="Arial"/>
               </a:rPr>
               <a:t>&lt;/script&gt;</a:t>
@@ -3329,13 +4994,19 @@
           </a:p>
           <a:p>
             <a:r>
-              <a:rPr lang="en-US" sz="6000">
+              <a:rPr lang="en-US" sz="2000" strike="noStrike">
+                <a:solidFill>
+                  <a:srgbClr val="990000"/>
+                </a:solidFill>
                 <a:latin typeface="Arial"/>
               </a:rPr>
               <a:t>      </a:t>
             </a:r>
             <a:r>
-              <a:rPr lang="en-US" sz="6000">
+              <a:rPr lang="en-US" sz="2000" strike="noStrike">
+                <a:solidFill>
+                  <a:srgbClr val="990000"/>
+                </a:solidFill>
                 <a:latin typeface="Arial"/>
               </a:rPr>
               <a:t>&lt;script type="text/javascript"&gt;</a:t>
@@ -3344,13 +5015,16 @@
           </a:p>
           <a:p>
             <a:r>
-              <a:rPr lang="en-US" sz="6000">
+              <a:rPr lang="en-US" sz="2000" strike="noStrike">
+                <a:solidFill>
+                  <a:srgbClr val="990000"/>
+                </a:solidFill>
                 <a:latin typeface="Arial"/>
               </a:rPr>
               <a:t>              </a:t>
             </a:r>
             <a:r>
-              <a:rPr lang="en-US" sz="6000">
+              <a:rPr lang="en-US" sz="2000" strike="noStrike">
                 <a:solidFill>
                   <a:srgbClr val="666666"/>
                 </a:solidFill>
@@ -3362,7 +5036,7 @@
           </a:p>
           <a:p>
             <a:r>
-              <a:rPr lang="en-US" sz="6000">
+              <a:rPr lang="en-US" sz="2000" strike="noStrike">
                 <a:solidFill>
                   <a:srgbClr val="666666"/>
                 </a:solidFill>
@@ -3371,7 +5045,7 @@
               <a:t>              </a:t>
             </a:r>
             <a:r>
-              <a:rPr lang="en-US" sz="6000">
+              <a:rPr lang="en-US" sz="2000" strike="noStrike">
                 <a:solidFill>
                   <a:srgbClr val="666666"/>
                 </a:solidFill>
@@ -3383,13 +5057,19 @@
           </a:p>
           <a:p>
             <a:r>
-              <a:rPr lang="en-US" sz="6000">
+              <a:rPr lang="en-US" sz="2000" strike="noStrike">
+                <a:solidFill>
+                  <a:srgbClr val="666666"/>
+                </a:solidFill>
                 <a:latin typeface="Arial"/>
               </a:rPr>
               <a:t>      </a:t>
             </a:r>
             <a:r>
-              <a:rPr lang="en-US" sz="6000">
+              <a:rPr lang="en-US" sz="2000" strike="noStrike">
+                <a:solidFill>
+                  <a:srgbClr val="666666"/>
+                </a:solidFill>
                 <a:latin typeface="Arial"/>
               </a:rPr>
               <a:t>&lt;/script&gt;</a:t>
@@ -3401,13 +5081,19 @@
           </a:p>
           <a:p>
             <a:r>
-              <a:rPr lang="en-US" sz="6000">
+              <a:rPr lang="en-US" sz="2000" strike="noStrike">
+                <a:solidFill>
+                  <a:srgbClr val="666666"/>
+                </a:solidFill>
                 <a:latin typeface="Arial"/>
               </a:rPr>
               <a:t>      </a:t>
             </a:r>
             <a:r>
-              <a:rPr lang="en-US" sz="6000">
+              <a:rPr lang="en-US" sz="2000" strike="noStrike">
+                <a:solidFill>
+                  <a:srgbClr val="666666"/>
+                </a:solidFill>
                 <a:latin typeface="Arial"/>
               </a:rPr>
               <a:t>&lt;title&gt;Some App&lt;/title&gt;</a:t>
@@ -3416,13 +5102,19 @@
           </a:p>
           <a:p>
             <a:r>
-              <a:rPr lang="en-US" sz="6000">
+              <a:rPr lang="en-US" sz="2000" strike="noStrike">
+                <a:solidFill>
+                  <a:srgbClr val="666666"/>
+                </a:solidFill>
                 <a:latin typeface="Arial"/>
               </a:rPr>
               <a:t>  </a:t>
             </a:r>
             <a:r>
-              <a:rPr lang="en-US" sz="6000">
+              <a:rPr lang="en-US" sz="2000" strike="noStrike">
+                <a:solidFill>
+                  <a:srgbClr val="666666"/>
+                </a:solidFill>
                 <a:latin typeface="Arial"/>
               </a:rPr>
               <a:t>&lt;/head&gt;</a:t>
@@ -3431,13 +5123,19 @@
           </a:p>
           <a:p>
             <a:r>
-              <a:rPr lang="en-US" sz="6000">
+              <a:rPr lang="en-US" sz="2000" strike="noStrike">
+                <a:solidFill>
+                  <a:srgbClr val="666666"/>
+                </a:solidFill>
                 <a:latin typeface="Arial"/>
               </a:rPr>
               <a:t>   …</a:t>
             </a:r>
             <a:r>
-              <a:rPr lang="en-US" sz="6000">
+              <a:rPr lang="en-US" sz="2000" strike="noStrike">
+                <a:solidFill>
+                  <a:srgbClr val="666666"/>
+                </a:solidFill>
                 <a:latin typeface="Arial"/>
               </a:rPr>
               <a:t>.</a:t>
@@ -3446,7 +5144,10 @@
           </a:p>
           <a:p>
             <a:r>
-              <a:rPr lang="en-US" sz="6000">
+              <a:rPr lang="en-US" sz="2000" strike="noStrike">
+                <a:solidFill>
+                  <a:srgbClr val="666666"/>
+                </a:solidFill>
                 <a:latin typeface="Arial"/>
               </a:rPr>
               <a:t>&lt;/html&gt;</a:t>
@@ -3509,14 +5210,14 @@
       </p:grpSpPr>
       <p:sp>
         <p:nvSpPr>
-          <p:cNvPr id="63" name="TextShape 1"/>
-          <p:cNvSpPr txBox="1"/>
+          <p:cNvPr id="97" name="CustomShape 1"/>
+          <p:cNvSpPr/>
           <p:nvPr/>
         </p:nvSpPr>
         <p:spPr>
           <a:xfrm>
             <a:off x="504000" y="301320"/>
-            <a:ext cx="9071640" cy="1262160"/>
+            <a:ext cx="9071280" cy="1261800"/>
           </a:xfrm>
           <a:prstGeom prst="rect">
             <a:avLst/>
@@ -3526,12 +5227,22 @@
             <a:noFill/>
           </a:ln>
         </p:spPr>
+        <p:style>
+          <a:lnRef idx="0"/>
+          <a:fillRef idx="0"/>
+          <a:effectRef idx="0"/>
+          <a:fontRef idx="minor"/>
+        </p:style>
         <p:txBody>
           <a:bodyPr lIns="0" rIns="0" tIns="0" bIns="0" anchor="ctr"/>
           <a:p>
-            <a:pPr algn="ctr"/>
-            <a:r>
-              <a:rPr lang="en-US" sz="3600">
+            <a:pPr algn="ctr">
+              <a:lnSpc>
+                <a:spcPct val="100000"/>
+              </a:lnSpc>
+            </a:pPr>
+            <a:r>
+              <a:rPr lang="en-US" sz="3600" strike="noStrike">
                 <a:latin typeface="Arial"/>
               </a:rPr>
               <a:t>e.g. index.html</a:t>
@@ -3542,7 +5253,7 @@
       </p:sp>
       <p:pic>
         <p:nvPicPr>
-          <p:cNvPr id="64" name="" descr=""/>
+          <p:cNvPr id="98" name="" descr=""/>
           <p:cNvPicPr/>
           <p:nvPr/>
         </p:nvPicPr>
@@ -3553,7 +5264,7 @@
         <p:spPr>
           <a:xfrm>
             <a:off x="548640" y="1449360"/>
-            <a:ext cx="8802000" cy="5500080"/>
+            <a:ext cx="8801640" cy="5499720"/>
           </a:xfrm>
           <a:prstGeom prst="rect">
             <a:avLst/>
@@ -3614,14 +5325,14 @@
       </p:grpSpPr>
       <p:sp>
         <p:nvSpPr>
-          <p:cNvPr id="65" name="TextShape 1"/>
-          <p:cNvSpPr txBox="1"/>
+          <p:cNvPr id="99" name="CustomShape 1"/>
+          <p:cNvSpPr/>
           <p:nvPr/>
         </p:nvSpPr>
         <p:spPr>
           <a:xfrm>
             <a:off x="504000" y="301320"/>
-            <a:ext cx="9071640" cy="1262160"/>
+            <a:ext cx="9071280" cy="1070280"/>
           </a:xfrm>
           <a:prstGeom prst="rect">
             <a:avLst/>
@@ -3631,12 +5342,22 @@
             <a:noFill/>
           </a:ln>
         </p:spPr>
+        <p:style>
+          <a:lnRef idx="0"/>
+          <a:fillRef idx="0"/>
+          <a:effectRef idx="0"/>
+          <a:fontRef idx="minor"/>
+        </p:style>
         <p:txBody>
           <a:bodyPr lIns="0" rIns="0" tIns="0" bIns="0" anchor="ctr"/>
           <a:p>
-            <a:pPr algn="ctr"/>
-            <a:r>
-              <a:rPr lang="en-US" sz="4400">
+            <a:pPr algn="ctr">
+              <a:lnSpc>
+                <a:spcPct val="100000"/>
+              </a:lnSpc>
+            </a:pPr>
+            <a:r>
+              <a:rPr lang="en-US" sz="4400" strike="noStrike">
                 <a:latin typeface="Arial"/>
               </a:rPr>
               <a:t>Remarks / 'Best Practices'</a:t>
@@ -3647,14 +5368,14 @@
       </p:sp>
       <p:sp>
         <p:nvSpPr>
-          <p:cNvPr id="66" name="TextShape 2"/>
-          <p:cNvSpPr txBox="1"/>
+          <p:cNvPr id="100" name="CustomShape 2"/>
+          <p:cNvSpPr/>
           <p:nvPr/>
         </p:nvSpPr>
         <p:spPr>
           <a:xfrm>
-            <a:off x="504000" y="1769040"/>
-            <a:ext cx="9071640" cy="4997520"/>
+            <a:off x="504000" y="1371600"/>
+            <a:ext cx="9071280" cy="5394600"/>
           </a:xfrm>
           <a:prstGeom prst="rect">
             <a:avLst/>
@@ -3664,16 +5385,25 @@
             <a:noFill/>
           </a:ln>
         </p:spPr>
+        <p:style>
+          <a:lnRef idx="0"/>
+          <a:fillRef idx="0"/>
+          <a:effectRef idx="0"/>
+          <a:fontRef idx="minor"/>
+        </p:style>
         <p:txBody>
           <a:bodyPr lIns="0" rIns="0" tIns="0" bIns="0"/>
           <a:p>
             <a:pPr>
+              <a:lnSpc>
+                <a:spcPct val="100000"/>
+              </a:lnSpc>
               <a:buSzPct val="45000"/>
               <a:buFont typeface="Wingdings" charset="2"/>
               <a:buChar char=""/>
             </a:pPr>
             <a:r>
-              <a:rPr lang="en-US" sz="3200">
+              <a:rPr lang="en-US" sz="2400" strike="noStrike">
                 <a:latin typeface="Arial"/>
               </a:rPr>
               <a:t>Build in separate directory then copy over, either for development or distribution bundling</a:t>
@@ -3682,12 +5412,23 @@
           </a:p>
           <a:p>
             <a:pPr>
+              <a:lnSpc>
+                <a:spcPct val="100000"/>
+              </a:lnSpc>
+            </a:pPr>
+            <a:endParaRPr/>
+          </a:p>
+          <a:p>
+            <a:pPr>
+              <a:lnSpc>
+                <a:spcPct val="100000"/>
+              </a:lnSpc>
               <a:buSzPct val="45000"/>
               <a:buFont typeface="Wingdings" charset="2"/>
               <a:buChar char=""/>
             </a:pPr>
             <a:r>
-              <a:rPr lang="en-US" sz="3200">
+              <a:rPr lang="en-US" sz="2400" strike="noStrike">
                 <a:latin typeface="Arial"/>
               </a:rPr>
               <a:t>Files that are not affected by builds could as well be in the appropriate directories, e.g. index.html in the templates directory</a:t>
@@ -3696,12 +5437,23 @@
           </a:p>
           <a:p>
             <a:pPr>
+              <a:lnSpc>
+                <a:spcPct val="100000"/>
+              </a:lnSpc>
+            </a:pPr>
+            <a:endParaRPr/>
+          </a:p>
+          <a:p>
+            <a:pPr>
+              <a:lnSpc>
+                <a:spcPct val="100000"/>
+              </a:lnSpc>
               <a:buSzPct val="45000"/>
               <a:buFont typeface="Wingdings" charset="2"/>
               <a:buChar char=""/>
             </a:pPr>
             <a:r>
-              <a:rPr lang="en-US" sz="3200">
+              <a:rPr lang="en-US" sz="2400" strike="noStrike">
                 <a:latin typeface="Arial"/>
               </a:rPr>
               <a:t>Depending on your setup and building tools and dependency requirements/order roughly speaking 4 ways of js deployment are possible: </a:t>
@@ -3709,13 +5461,24 @@
             <a:endParaRPr/>
           </a:p>
           <a:p>
+            <a:pPr>
+              <a:lnSpc>
+                <a:spcPct val="100000"/>
+              </a:lnSpc>
+            </a:pPr>
+            <a:endParaRPr/>
+          </a:p>
+          <a:p>
             <a:pPr lvl="1">
+              <a:lnSpc>
+                <a:spcPct val="100000"/>
+              </a:lnSpc>
               <a:buSzPct val="75000"/>
-              <a:buFont typeface="Symbol" charset="2"/>
+              <a:buFont typeface="Symbol"/>
               <a:buChar char=""/>
             </a:pPr>
             <a:r>
-              <a:rPr lang="en-US" sz="2800">
+              <a:rPr lang="en-US" sz="2000" strike="noStrike">
                 <a:latin typeface="Arial"/>
               </a:rPr>
               <a:t>Bundled, either with the app.js or independently (incl. via script in index.html)</a:t>
@@ -3724,12 +5487,15 @@
           </a:p>
           <a:p>
             <a:pPr lvl="1">
+              <a:lnSpc>
+                <a:spcPct val="100000"/>
+              </a:lnSpc>
               <a:buSzPct val="75000"/>
-              <a:buFont typeface="Symbol" charset="2"/>
+              <a:buFont typeface="Symbol"/>
               <a:buChar char=""/>
             </a:pPr>
             <a:r>
-              <a:rPr lang="en-US" sz="2800">
+              <a:rPr lang="en-US" sz="2000" strike="noStrike">
                 <a:latin typeface="Arial"/>
               </a:rPr>
               <a:t>Included in the static directory (and loaded via script in index.hml)</a:t>
@@ -3738,12 +5504,15 @@
           </a:p>
           <a:p>
             <a:pPr lvl="1">
+              <a:lnSpc>
+                <a:spcPct val="100000"/>
+              </a:lnSpc>
               <a:buSzPct val="75000"/>
-              <a:buFont typeface="Symbol" charset="2"/>
+              <a:buFont typeface="Symbol"/>
               <a:buChar char=""/>
             </a:pPr>
             <a:r>
-              <a:rPr lang="en-US" sz="2800">
+              <a:rPr lang="en-US" sz="2000" strike="noStrike">
                 <a:latin typeface="Arial"/>
               </a:rPr>
               <a:t>Use of remote library servers (again via script tag in index.html)</a:t>
@@ -3752,12 +5521,15 @@
           </a:p>
           <a:p>
             <a:pPr lvl="1">
+              <a:lnSpc>
+                <a:spcPct val="100000"/>
+              </a:lnSpc>
               <a:buSzPct val="75000"/>
-              <a:buFont typeface="Symbol" charset="2"/>
+              <a:buFont typeface="Symbol"/>
               <a:buChar char=""/>
             </a:pPr>
             <a:r>
-              <a:rPr lang="en-US" sz="2800">
+              <a:rPr lang="en-US" sz="2000" strike="noStrike">
                 <a:latin typeface="Arial"/>
               </a:rPr>
               <a:t>Loaded fully dynamically on demand given used frameworks and loader support it or one uses a third party library or injects/loads js manually</a:t>
@@ -3817,14 +5589,14 @@
       </p:grpSpPr>
       <p:sp>
         <p:nvSpPr>
-          <p:cNvPr id="67" name="TextShape 1"/>
-          <p:cNvSpPr txBox="1"/>
+          <p:cNvPr id="101" name="CustomShape 1"/>
+          <p:cNvSpPr/>
           <p:nvPr/>
         </p:nvSpPr>
         <p:spPr>
           <a:xfrm>
             <a:off x="504000" y="301320"/>
-            <a:ext cx="9071640" cy="1262160"/>
+            <a:ext cx="9071280" cy="1261800"/>
           </a:xfrm>
           <a:prstGeom prst="rect">
             <a:avLst/>
@@ -3834,12 +5606,22 @@
             <a:noFill/>
           </a:ln>
         </p:spPr>
+        <p:style>
+          <a:lnRef idx="0"/>
+          <a:fillRef idx="0"/>
+          <a:effectRef idx="0"/>
+          <a:fontRef idx="minor"/>
+        </p:style>
         <p:txBody>
           <a:bodyPr lIns="0" rIns="0" tIns="0" bIns="0" anchor="ctr"/>
           <a:p>
-            <a:pPr algn="ctr"/>
-            <a:r>
-              <a:rPr lang="en-US" sz="4400">
+            <a:pPr algn="ctr">
+              <a:lnSpc>
+                <a:spcPct val="100000"/>
+              </a:lnSpc>
+            </a:pPr>
+            <a:r>
+              <a:rPr lang="en-US" sz="4400" strike="noStrike">
                 <a:latin typeface="Arial"/>
               </a:rPr>
               <a:t>Remarks / 'Best Practices' – cont'd</a:t>
@@ -3850,14 +5632,14 @@
       </p:sp>
       <p:sp>
         <p:nvSpPr>
-          <p:cNvPr id="68" name="TextShape 2"/>
-          <p:cNvSpPr txBox="1"/>
+          <p:cNvPr id="102" name="CustomShape 2"/>
+          <p:cNvSpPr/>
           <p:nvPr/>
         </p:nvSpPr>
         <p:spPr>
           <a:xfrm>
-            <a:off x="504000" y="1769040"/>
-            <a:ext cx="9071640" cy="4814640"/>
+            <a:off x="529920" y="2011680"/>
+            <a:ext cx="9071280" cy="4540320"/>
           </a:xfrm>
           <a:prstGeom prst="rect">
             <a:avLst/>
@@ -3867,16 +5649,25 @@
             <a:noFill/>
           </a:ln>
         </p:spPr>
+        <p:style>
+          <a:lnRef idx="0"/>
+          <a:fillRef idx="0"/>
+          <a:effectRef idx="0"/>
+          <a:fontRef idx="minor"/>
+        </p:style>
         <p:txBody>
           <a:bodyPr lIns="0" rIns="0" tIns="0" bIns="0"/>
           <a:p>
             <a:pPr>
+              <a:lnSpc>
+                <a:spcPct val="100000"/>
+              </a:lnSpc>
               <a:buSzPct val="45000"/>
               <a:buFont typeface="Wingdings" charset="2"/>
               <a:buChar char=""/>
             </a:pPr>
             <a:r>
-              <a:rPr lang="en-US" sz="3200">
+              <a:rPr lang="en-US" sz="2800" strike="noStrike">
                 <a:latin typeface="Arial"/>
               </a:rPr>
               <a:t>Add suffix to resources to indicate app version and avoid caching of older version</a:t>
@@ -3885,12 +5676,23 @@
           </a:p>
           <a:p>
             <a:pPr>
+              <a:lnSpc>
+                <a:spcPct val="100000"/>
+              </a:lnSpc>
+            </a:pPr>
+            <a:endParaRPr/>
+          </a:p>
+          <a:p>
+            <a:pPr>
+              <a:lnSpc>
+                <a:spcPct val="100000"/>
+              </a:lnSpc>
               <a:buSzPct val="45000"/>
               <a:buFont typeface="Wingdings" charset="2"/>
               <a:buChar char=""/>
             </a:pPr>
             <a:r>
-              <a:rPr lang="en-US" sz="3200">
+              <a:rPr lang="en-US" sz="2800" strike="noStrike">
                 <a:latin typeface="Arial"/>
               </a:rPr>
               <a:t>Split up both css and java script dependencies if the project setup and dependency order allows for delayed loading. That said if it doesn't don't split them up since the many initial requests will hurt performance.</a:t>
@@ -3899,12 +5701,23 @@
           </a:p>
           <a:p>
             <a:pPr>
+              <a:lnSpc>
+                <a:spcPct val="100000"/>
+              </a:lnSpc>
+            </a:pPr>
+            <a:endParaRPr/>
+          </a:p>
+          <a:p>
+            <a:pPr>
+              <a:lnSpc>
+                <a:spcPct val="100000"/>
+              </a:lnSpc>
               <a:buSzPct val="45000"/>
               <a:buFont typeface="Wingdings" charset="2"/>
               <a:buChar char=""/>
             </a:pPr>
             <a:r>
-              <a:rPr lang="en-US" sz="3200">
+              <a:rPr lang="en-US" sz="2800" strike="noStrike">
                 <a:latin typeface="Arial"/>
               </a:rPr>
               <a:t>Set up a dev/debug and a production build. Choose tools that allow incremental builds.</a:t>
@@ -3964,14 +5777,14 @@
       </p:grpSpPr>
       <p:sp>
         <p:nvSpPr>
-          <p:cNvPr id="69" name="TextShape 1"/>
-          <p:cNvSpPr txBox="1"/>
+          <p:cNvPr id="103" name="CustomShape 1"/>
+          <p:cNvSpPr/>
           <p:nvPr/>
         </p:nvSpPr>
         <p:spPr>
           <a:xfrm>
             <a:off x="504000" y="301320"/>
-            <a:ext cx="9071640" cy="1262160"/>
+            <a:ext cx="9071280" cy="1261800"/>
           </a:xfrm>
           <a:prstGeom prst="rect">
             <a:avLst/>
@@ -3981,12 +5794,22 @@
             <a:noFill/>
           </a:ln>
         </p:spPr>
+        <p:style>
+          <a:lnRef idx="0"/>
+          <a:fillRef idx="0"/>
+          <a:effectRef idx="0"/>
+          <a:fontRef idx="minor"/>
+        </p:style>
         <p:txBody>
           <a:bodyPr lIns="0" rIns="0" tIns="0" bIns="0" anchor="ctr"/>
           <a:p>
-            <a:pPr algn="ctr"/>
-            <a:r>
-              <a:rPr lang="en-US" sz="4400">
+            <a:pPr algn="ctr">
+              <a:lnSpc>
+                <a:spcPct val="100000"/>
+              </a:lnSpc>
+            </a:pPr>
+            <a:r>
+              <a:rPr lang="en-US" sz="4400" strike="noStrike">
                 <a:latin typeface="Arial"/>
               </a:rPr>
               <a:t>App - Design Considerations</a:t>
@@ -3997,14 +5820,14 @@
       </p:sp>
       <p:sp>
         <p:nvSpPr>
-          <p:cNvPr id="70" name="TextShape 2"/>
-          <p:cNvSpPr txBox="1"/>
+          <p:cNvPr id="104" name="CustomShape 2"/>
+          <p:cNvSpPr/>
           <p:nvPr/>
         </p:nvSpPr>
         <p:spPr>
           <a:xfrm>
             <a:off x="504000" y="1769040"/>
-            <a:ext cx="9071640" cy="4814640"/>
+            <a:ext cx="9071280" cy="4814280"/>
           </a:xfrm>
           <a:prstGeom prst="rect">
             <a:avLst/>
@@ -4014,30 +5837,83 @@
             <a:noFill/>
           </a:ln>
         </p:spPr>
+        <p:style>
+          <a:lnRef idx="0"/>
+          <a:fillRef idx="0"/>
+          <a:effectRef idx="0"/>
+          <a:fontRef idx="minor"/>
+        </p:style>
         <p:txBody>
           <a:bodyPr lIns="0" rIns="0" tIns="0" bIns="0"/>
           <a:p>
             <a:pPr>
-              <a:buSzPct val="45000"/>
-              <a:buFont typeface="Wingdings" charset="2"/>
-              <a:buChar char=""/>
-            </a:pPr>
-            <a:r>
-              <a:rPr lang="en-US" sz="3200">
-                <a:latin typeface="Arial"/>
-              </a:rPr>
-              <a:t>Server/Web resources (web api/web gateway) vs. Plugin resources (View.py) vs. Server-Side extentions (Blitz Gateway)</a:t>
-            </a:r>
+              <a:lnSpc>
+                <a:spcPct val="100000"/>
+              </a:lnSpc>
+            </a:pPr>
+            <a:endParaRPr/>
+          </a:p>
+          <a:p>
+            <a:pPr algn="ctr">
+              <a:lnSpc>
+                <a:spcPct val="100000"/>
+              </a:lnSpc>
+            </a:pPr>
+            <a:r>
+              <a:rPr lang="en-US" sz="2800" strike="noStrike">
+                <a:latin typeface="Arial"/>
+              </a:rPr>
+              <a:t>Server/Web resources (web api/web gateway) vs. </a:t>
+            </a:r>
+            <a:endParaRPr/>
+          </a:p>
+          <a:p>
+            <a:pPr algn="ctr">
+              <a:lnSpc>
+                <a:spcPct val="100000"/>
+              </a:lnSpc>
+            </a:pPr>
+            <a:r>
+              <a:rPr lang="en-US" sz="2800" strike="noStrike">
+                <a:latin typeface="Arial"/>
+              </a:rPr>
+              <a:t>Plugin resources (View.py) vs. </a:t>
+            </a:r>
+            <a:endParaRPr/>
+          </a:p>
+          <a:p>
+            <a:pPr algn="ctr">
+              <a:lnSpc>
+                <a:spcPct val="100000"/>
+              </a:lnSpc>
+            </a:pPr>
+            <a:r>
+              <a:rPr lang="en-US" sz="2800" strike="noStrike">
+                <a:latin typeface="Arial"/>
+              </a:rPr>
+              <a:t>Server-Side extentions (Blitz Gateway)</a:t>
+            </a:r>
+            <a:endParaRPr/>
+          </a:p>
+          <a:p>
+            <a:pPr>
+              <a:lnSpc>
+                <a:spcPct val="100000"/>
+              </a:lnSpc>
+            </a:pPr>
             <a:endParaRPr/>
           </a:p>
           <a:p>
             <a:pPr lvl="1">
+              <a:lnSpc>
+                <a:spcPct val="100000"/>
+              </a:lnSpc>
               <a:buSzPct val="75000"/>
-              <a:buFont typeface="Symbol" charset="2"/>
+              <a:buFont typeface="Symbol"/>
               <a:buChar char=""/>
             </a:pPr>
             <a:r>
-              <a:rPr lang="en-US" sz="2800">
+              <a:rPr lang="en-US" sz="2600" strike="noStrike">
                 <a:latin typeface="Arial"/>
               </a:rPr>
               <a:t>Code Reuse</a:t>
@@ -4046,12 +5922,15 @@
           </a:p>
           <a:p>
             <a:pPr lvl="1">
+              <a:lnSpc>
+                <a:spcPct val="100000"/>
+              </a:lnSpc>
               <a:buSzPct val="75000"/>
-              <a:buFont typeface="Symbol" charset="2"/>
+              <a:buFont typeface="Symbol"/>
               <a:buChar char=""/>
             </a:pPr>
             <a:r>
-              <a:rPr lang="en-US" sz="2800">
+              <a:rPr lang="en-US" sz="2600" strike="noStrike">
                 <a:latin typeface="Arial"/>
               </a:rPr>
               <a:t>Stability/Breaking Potential across Versions</a:t>
@@ -4060,12 +5939,15 @@
           </a:p>
           <a:p>
             <a:pPr lvl="1">
+              <a:lnSpc>
+                <a:spcPct val="100000"/>
+              </a:lnSpc>
               <a:buSzPct val="75000"/>
-              <a:buFont typeface="Symbol" charset="2"/>
+              <a:buFont typeface="Symbol"/>
               <a:buChar char=""/>
             </a:pPr>
             <a:r>
-              <a:rPr lang="en-US" sz="2800">
+              <a:rPr lang="en-US" sz="2600" strike="noStrike">
                 <a:latin typeface="Arial"/>
               </a:rPr>
               <a:t>Missing Functionality</a:t>
@@ -4074,12 +5956,15 @@
           </a:p>
           <a:p>
             <a:pPr lvl="1">
+              <a:lnSpc>
+                <a:spcPct val="100000"/>
+              </a:lnSpc>
               <a:buSzPct val="75000"/>
-              <a:buFont typeface="Symbol" charset="2"/>
+              <a:buFont typeface="Symbol"/>
               <a:buChar char=""/>
             </a:pPr>
             <a:r>
-              <a:rPr lang="en-US" sz="2800">
+              <a:rPr lang="en-US" sz="2600" strike="noStrike">
                 <a:latin typeface="Arial"/>
               </a:rPr>
               <a:t>Release/Bugfix Cycles</a:t>
@@ -4088,12 +5973,15 @@
           </a:p>
           <a:p>
             <a:pPr lvl="1">
+              <a:lnSpc>
+                <a:spcPct val="100000"/>
+              </a:lnSpc>
               <a:buSzPct val="75000"/>
-              <a:buFont typeface="Symbol" charset="2"/>
+              <a:buFont typeface="Symbol"/>
               <a:buChar char=""/>
             </a:pPr>
             <a:r>
-              <a:rPr lang="en-US" sz="2800">
+              <a:rPr lang="en-US" sz="2600" strike="noStrike">
                 <a:latin typeface="Arial"/>
               </a:rPr>
               <a:t>Cross origin implications (jsonp and cors)</a:t>
@@ -4101,13 +5989,18 @@
             <a:endParaRPr/>
           </a:p>
           <a:p>
-            <a:endParaRPr/>
-          </a:p>
-          <a:p>
             <a:pPr>
-              <a:buSzPct val="45000"/>
-              <a:buFont typeface="Wingdings" charset="2"/>
-              <a:buChar char=""/>
+              <a:lnSpc>
+                <a:spcPct val="100000"/>
+              </a:lnSpc>
+            </a:pPr>
+            <a:endParaRPr/>
+          </a:p>
+          <a:p>
+            <a:pPr>
+              <a:lnSpc>
+                <a:spcPct val="100000"/>
+              </a:lnSpc>
             </a:pPr>
             <a:endParaRPr/>
           </a:p>
@@ -4164,14 +6057,14 @@
       </p:grpSpPr>
       <p:sp>
         <p:nvSpPr>
-          <p:cNvPr id="71" name="TextShape 1"/>
-          <p:cNvSpPr txBox="1"/>
+          <p:cNvPr id="105" name="CustomShape 1"/>
+          <p:cNvSpPr/>
           <p:nvPr/>
         </p:nvSpPr>
         <p:spPr>
           <a:xfrm>
             <a:off x="504000" y="301320"/>
-            <a:ext cx="9071640" cy="1262160"/>
+            <a:ext cx="9071280" cy="1261800"/>
           </a:xfrm>
           <a:prstGeom prst="rect">
             <a:avLst/>
@@ -4181,30 +6074,40 @@
             <a:noFill/>
           </a:ln>
         </p:spPr>
+        <p:style>
+          <a:lnRef idx="0"/>
+          <a:fillRef idx="0"/>
+          <a:effectRef idx="0"/>
+          <a:fontRef idx="minor"/>
+        </p:style>
         <p:txBody>
           <a:bodyPr lIns="0" rIns="0" tIns="0" bIns="0" anchor="ctr"/>
           <a:p>
-            <a:pPr algn="ctr"/>
-            <a:r>
-              <a:rPr lang="en-US" sz="4400">
-                <a:latin typeface="Arial"/>
-              </a:rPr>
-              <a:t>App - Open With</a:t>
-            </a:r>
-            <a:endParaRPr/>
-          </a:p>
-        </p:txBody>
-      </p:sp>
-      <p:sp>
-        <p:nvSpPr>
-          <p:cNvPr id="72" name="TextShape 2"/>
-          <p:cNvSpPr txBox="1"/>
+            <a:pPr algn="ctr">
+              <a:lnSpc>
+                <a:spcPct val="100000"/>
+              </a:lnSpc>
+            </a:pPr>
+            <a:r>
+              <a:rPr lang="en-US" sz="4400" strike="noStrike">
+                <a:latin typeface="Arial"/>
+              </a:rPr>
+              <a:t>App - Design Considerations</a:t>
+            </a:r>
+            <a:endParaRPr/>
+          </a:p>
+        </p:txBody>
+      </p:sp>
+      <p:sp>
+        <p:nvSpPr>
+          <p:cNvPr id="106" name="CustomShape 2"/>
+          <p:cNvSpPr/>
           <p:nvPr/>
         </p:nvSpPr>
         <p:spPr>
           <a:xfrm>
             <a:off x="504000" y="1769040"/>
-            <a:ext cx="9071640" cy="4814640"/>
+            <a:ext cx="9071280" cy="4814280"/>
           </a:xfrm>
           <a:prstGeom prst="rect">
             <a:avLst/>
@@ -4214,20 +6117,171 @@
             <a:noFill/>
           </a:ln>
         </p:spPr>
+        <p:style>
+          <a:lnRef idx="0"/>
+          <a:fillRef idx="0"/>
+          <a:effectRef idx="0"/>
+          <a:fontRef idx="minor"/>
+        </p:style>
         <p:txBody>
           <a:bodyPr lIns="0" rIns="0" tIns="0" bIns="0"/>
           <a:p>
             <a:pPr>
-              <a:buSzPct val="45000"/>
-              <a:buFont typeface="Wingdings" charset="2"/>
-              <a:buChar char=""/>
-            </a:pPr>
-            <a:r>
-              <a:rPr lang="en-US" sz="3200">
-                <a:latin typeface="Arial"/>
-              </a:rPr>
-              <a:t>TODO: add example</a:t>
-            </a:r>
+              <a:lnSpc>
+                <a:spcPct val="100000"/>
+              </a:lnSpc>
+            </a:pPr>
+            <a:endParaRPr/>
+          </a:p>
+          <a:p>
+            <a:pPr algn="ctr">
+              <a:lnSpc>
+                <a:spcPct val="100000"/>
+              </a:lnSpc>
+            </a:pPr>
+            <a:r>
+              <a:rPr lang="en-US" sz="2800" strike="noStrike">
+                <a:latin typeface="Arial"/>
+              </a:rPr>
+              <a:t>Server/Web resources (web api/web gateway) vs. </a:t>
+            </a:r>
+            <a:endParaRPr/>
+          </a:p>
+          <a:p>
+            <a:pPr algn="ctr">
+              <a:lnSpc>
+                <a:spcPct val="100000"/>
+              </a:lnSpc>
+            </a:pPr>
+            <a:r>
+              <a:rPr lang="en-US" sz="2800" strike="noStrike">
+                <a:latin typeface="Arial"/>
+              </a:rPr>
+              <a:t>Plugin resources (View.py) vs. </a:t>
+            </a:r>
+            <a:endParaRPr/>
+          </a:p>
+          <a:p>
+            <a:pPr algn="ctr">
+              <a:lnSpc>
+                <a:spcPct val="100000"/>
+              </a:lnSpc>
+            </a:pPr>
+            <a:r>
+              <a:rPr lang="en-US" sz="2800" strike="noStrike">
+                <a:latin typeface="Arial"/>
+              </a:rPr>
+              <a:t>Server-Side extentions (Blitz Gateway)</a:t>
+            </a:r>
+            <a:endParaRPr/>
+          </a:p>
+          <a:p>
+            <a:pPr>
+              <a:lnSpc>
+                <a:spcPct val="100000"/>
+              </a:lnSpc>
+            </a:pPr>
+            <a:endParaRPr/>
+          </a:p>
+          <a:p>
+            <a:pPr lvl="1">
+              <a:lnSpc>
+                <a:spcPct val="100000"/>
+              </a:lnSpc>
+              <a:buSzPct val="75000"/>
+              <a:buFont typeface="Symbol"/>
+              <a:buChar char=""/>
+            </a:pPr>
+            <a:r>
+              <a:rPr lang="en-US" sz="2600" strike="noStrike">
+                <a:latin typeface="Arial"/>
+              </a:rPr>
+              <a:t>Code Reuse</a:t>
+            </a:r>
+            <a:endParaRPr/>
+          </a:p>
+          <a:p>
+            <a:pPr lvl="1">
+              <a:lnSpc>
+                <a:spcPct val="100000"/>
+              </a:lnSpc>
+              <a:buSzPct val="75000"/>
+              <a:buFont typeface="Symbol"/>
+              <a:buChar char=""/>
+            </a:pPr>
+            <a:r>
+              <a:rPr lang="en-US" sz="2600" strike="noStrike">
+                <a:latin typeface="Arial"/>
+              </a:rPr>
+              <a:t>Stability/Breaking Potential across Versions</a:t>
+            </a:r>
+            <a:endParaRPr/>
+          </a:p>
+          <a:p>
+            <a:pPr lvl="1">
+              <a:lnSpc>
+                <a:spcPct val="100000"/>
+              </a:lnSpc>
+              <a:buSzPct val="75000"/>
+              <a:buFont typeface="Symbol"/>
+              <a:buChar char=""/>
+            </a:pPr>
+            <a:r>
+              <a:rPr lang="en-US" sz="2600" strike="noStrike">
+                <a:latin typeface="Arial"/>
+              </a:rPr>
+              <a:t>Missing Functionality</a:t>
+            </a:r>
+            <a:endParaRPr/>
+          </a:p>
+          <a:p>
+            <a:pPr lvl="1">
+              <a:lnSpc>
+                <a:spcPct val="100000"/>
+              </a:lnSpc>
+              <a:buSzPct val="75000"/>
+              <a:buFont typeface="Symbol"/>
+              <a:buChar char=""/>
+            </a:pPr>
+            <a:r>
+              <a:rPr lang="en-US" sz="2600" strike="noStrike">
+                <a:latin typeface="Arial"/>
+              </a:rPr>
+              <a:t>Release/Bugfix Cycles</a:t>
+            </a:r>
+            <a:endParaRPr/>
+          </a:p>
+          <a:p>
+            <a:pPr lvl="1">
+              <a:lnSpc>
+                <a:spcPct val="100000"/>
+              </a:lnSpc>
+              <a:buSzPct val="75000"/>
+              <a:buFont typeface="Symbol"/>
+              <a:buChar char=""/>
+            </a:pPr>
+            <a:r>
+              <a:rPr lang="en-US" sz="2600" strike="noStrike">
+                <a:latin typeface="Arial"/>
+              </a:rPr>
+              <a:t>Cross origin implications (jsonp and cors)</a:t>
+            </a:r>
+            <a:endParaRPr/>
+          </a:p>
+          <a:p>
+            <a:pPr>
+              <a:lnSpc>
+                <a:spcPct val="100000"/>
+              </a:lnSpc>
+            </a:pPr>
+            <a:endParaRPr/>
+          </a:p>
+          <a:p>
+            <a:pPr>
+              <a:lnSpc>
+                <a:spcPct val="100000"/>
+              </a:lnSpc>
+            </a:pPr>
             <a:endParaRPr/>
           </a:p>
         </p:txBody>
@@ -4485,4 +6539,227 @@
     </a:fmtScheme>
   </a:themeElements>
 </a:theme>
+</file>
+
+<file path=ppt/theme/theme2.xml><?xml version="1.0" encoding="utf-8"?>
+<a:theme xmlns:a="http://schemas.openxmlformats.org/drawingml/2006/main" name="Office Theme">
+  <a:themeElements>
+    <a:clrScheme name="Office">
+      <a:dk1>
+        <a:sysClr val="windowText" lastClr="000000"/>
+      </a:dk1>
+      <a:lt1>
+        <a:sysClr val="window" lastClr="FFFFFF"/>
+      </a:lt1>
+      <a:dk2>
+        <a:srgbClr val="1F497D"/>
+      </a:dk2>
+      <a:lt2>
+        <a:srgbClr val="EEECE1"/>
+      </a:lt2>
+      <a:accent1>
+        <a:srgbClr val="4F81BD"/>
+      </a:accent1>
+      <a:accent2>
+        <a:srgbClr val="C0504D"/>
+      </a:accent2>
+      <a:accent3>
+        <a:srgbClr val="9BBB59"/>
+      </a:accent3>
+      <a:accent4>
+        <a:srgbClr val="8064A2"/>
+      </a:accent4>
+      <a:accent5>
+        <a:srgbClr val="4BACC6"/>
+      </a:accent5>
+      <a:accent6>
+        <a:srgbClr val="F79646"/>
+      </a:accent6>
+      <a:hlink>
+        <a:srgbClr val="0000FF"/>
+      </a:hlink>
+      <a:folHlink>
+        <a:srgbClr val="800080"/>
+      </a:folHlink>
+    </a:clrScheme>
+    <a:fontScheme name="Office">
+      <a:majorFont>
+        <a:latin typeface="Arial"/>
+        <a:ea typeface="DejaVu Sans"/>
+        <a:cs typeface="DejaVu Sans"/>
+      </a:majorFont>
+      <a:minorFont>
+        <a:latin typeface="Arial"/>
+        <a:ea typeface="DejaVu Sans"/>
+        <a:cs typeface="DejaVu Sans"/>
+      </a:minorFont>
+    </a:fontScheme>
+    <a:fmtScheme name="Office">
+      <a:fillStyleLst>
+        <a:solidFill>
+          <a:schemeClr val="phClr"/>
+        </a:solidFill>
+        <a:gradFill rotWithShape="1">
+          <a:gsLst>
+            <a:gs pos="0">
+              <a:schemeClr val="phClr">
+                <a:tint val="50000"/>
+                <a:satMod val="300000"/>
+              </a:schemeClr>
+            </a:gs>
+            <a:gs pos="35000">
+              <a:schemeClr val="phClr">
+                <a:tint val="37000"/>
+                <a:satMod val="300000"/>
+              </a:schemeClr>
+            </a:gs>
+            <a:gs pos="100000">
+              <a:schemeClr val="phClr">
+                <a:tint val="15000"/>
+                <a:satMod val="350000"/>
+              </a:schemeClr>
+            </a:gs>
+          </a:gsLst>
+          <a:lin ang="16200000" scaled="1"/>
+        </a:gradFill>
+        <a:gradFill rotWithShape="1">
+          <a:gsLst>
+            <a:gs pos="0">
+              <a:schemeClr val="phClr">
+                <a:shade val="51000"/>
+                <a:satMod val="130000"/>
+              </a:schemeClr>
+            </a:gs>
+            <a:gs pos="80000">
+              <a:schemeClr val="phClr">
+                <a:shade val="93000"/>
+                <a:satMod val="130000"/>
+              </a:schemeClr>
+            </a:gs>
+            <a:gs pos="100000">
+              <a:schemeClr val="phClr">
+                <a:shade val="94000"/>
+                <a:satMod val="135000"/>
+              </a:schemeClr>
+            </a:gs>
+          </a:gsLst>
+          <a:lin ang="16200000" scaled="0"/>
+        </a:gradFill>
+      </a:fillStyleLst>
+      <a:lnStyleLst>
+        <a:ln w="9525" cap="flat" cmpd="sng" algn="ctr">
+          <a:solidFill>
+            <a:schemeClr val="phClr">
+              <a:shade val="95000"/>
+              <a:satMod val="105000"/>
+            </a:schemeClr>
+          </a:solidFill>
+          <a:prstDash val="solid"/>
+        </a:ln>
+        <a:ln w="25400" cap="flat" cmpd="sng" algn="ctr">
+          <a:solidFill>
+            <a:schemeClr val="phClr"/>
+          </a:solidFill>
+          <a:prstDash val="solid"/>
+        </a:ln>
+        <a:ln w="38100" cap="flat" cmpd="sng" algn="ctr">
+          <a:solidFill>
+            <a:schemeClr val="phClr"/>
+          </a:solidFill>
+          <a:prstDash val="solid"/>
+        </a:ln>
+      </a:lnStyleLst>
+      <a:effectStyleLst>
+        <a:effectStyle>
+          <a:effectLst>
+            <a:outerShdw blurRad="40000" dist="20000" dir="5400000" rotWithShape="0">
+              <a:srgbClr val="000000">
+                <a:alpha val="38000"/>
+              </a:srgbClr>
+            </a:outerShdw>
+          </a:effectLst>
+        </a:effectStyle>
+        <a:effectStyle>
+          <a:effectLst>
+            <a:outerShdw blurRad="40000" dist="23000" dir="5400000" rotWithShape="0">
+              <a:srgbClr val="000000">
+                <a:alpha val="35000"/>
+              </a:srgbClr>
+            </a:outerShdw>
+          </a:effectLst>
+        </a:effectStyle>
+        <a:effectStyle>
+          <a:effectLst>
+            <a:outerShdw blurRad="40000" dist="23000" dir="5400000" rotWithShape="0">
+              <a:srgbClr val="000000">
+                <a:alpha val="35000"/>
+              </a:srgbClr>
+            </a:outerShdw>
+          </a:effectLst>
+          <a:scene3d>
+            <a:camera prst="orthographicFront">
+              <a:rot lat="0" lon="0" rev="0"/>
+            </a:camera>
+            <a:lightRig rig="threePt" dir="t">
+              <a:rot lat="0" lon="0" rev="1200000"/>
+            </a:lightRig>
+          </a:scene3d>
+          <a:sp3d>
+            <a:bevelT w="63500" h="25400"/>
+          </a:sp3d>
+        </a:effectStyle>
+      </a:effectStyleLst>
+      <a:bgFillStyleLst>
+        <a:solidFill>
+          <a:schemeClr val="phClr"/>
+        </a:solidFill>
+        <a:gradFill rotWithShape="1">
+          <a:gsLst>
+            <a:gs pos="0">
+              <a:schemeClr val="phClr">
+                <a:tint val="40000"/>
+                <a:satMod val="350000"/>
+              </a:schemeClr>
+            </a:gs>
+            <a:gs pos="40000">
+              <a:schemeClr val="phClr">
+                <a:tint val="45000"/>
+                <a:shade val="99000"/>
+                <a:satMod val="350000"/>
+              </a:schemeClr>
+            </a:gs>
+            <a:gs pos="100000">
+              <a:schemeClr val="phClr">
+                <a:shade val="20000"/>
+                <a:satMod val="255000"/>
+              </a:schemeClr>
+            </a:gs>
+          </a:gsLst>
+          <a:path path="circle">
+            <a:fillToRect l="50000" t="-80000" r="50000" b="180000"/>
+          </a:path>
+        </a:gradFill>
+        <a:gradFill rotWithShape="1">
+          <a:gsLst>
+            <a:gs pos="0">
+              <a:schemeClr val="phClr">
+                <a:tint val="80000"/>
+                <a:satMod val="300000"/>
+              </a:schemeClr>
+            </a:gs>
+            <a:gs pos="100000">
+              <a:schemeClr val="phClr">
+                <a:shade val="30000"/>
+                <a:satMod val="200000"/>
+              </a:schemeClr>
+            </a:gs>
+          </a:gsLst>
+          <a:path path="circle">
+            <a:fillToRect l="50000" t="50000" r="50000" b="50000"/>
+          </a:path>
+        </a:gradFill>
+      </a:bgFillStyleLst>
+    </a:fmtScheme>
+  </a:themeElements>
+</a:theme>
 </file>
--- a/training/apps.pptx
+++ b/training/apps.pptx
@@ -18,6 +18,7 @@
     <p:sldId id="265" r:id="rId13"/>
     <p:sldId id="266" r:id="rId14"/>
     <p:sldId id="267" r:id="rId15"/>
+    <p:sldId id="268" r:id="rId16"/>
   </p:sldIdLst>
   <p:sldSz cx="10080625" cy="7559675"/>
   <p:notesSz cx="7772400" cy="10058400"/>
@@ -65,7 +66,7 @@
       </p:grpSpPr>
       <p:sp>
         <p:nvSpPr>
-          <p:cNvPr id="24" name="PlaceHolder 1"/>
+          <p:cNvPr id="23" name="PlaceHolder 1"/>
           <p:cNvSpPr>
             <a:spLocks noGrp="1"/>
           </p:cNvSpPr>
@@ -76,7 +77,7 @@
         <p:spPr>
           <a:xfrm>
             <a:off x="504000" y="301320"/>
-            <a:ext cx="9071280" cy="1261800"/>
+            <a:ext cx="9072000" cy="1261800"/>
           </a:xfrm>
           <a:prstGeom prst="rect">
             <a:avLst/>
@@ -92,7 +93,7 @@
       </p:sp>
       <p:sp>
         <p:nvSpPr>
-          <p:cNvPr id="25" name="PlaceHolder 2"/>
+          <p:cNvPr id="24" name="PlaceHolder 2"/>
           <p:cNvSpPr>
             <a:spLocks noGrp="1"/>
           </p:cNvSpPr>
@@ -102,8 +103,8 @@
         </p:nvSpPr>
         <p:spPr>
           <a:xfrm>
-            <a:off x="504000" y="1769040"/>
-            <a:ext cx="9071280" cy="2090880"/>
+            <a:off x="504000" y="1768680"/>
+            <a:ext cx="9072000" cy="2090880"/>
           </a:xfrm>
           <a:prstGeom prst="rect">
             <a:avLst/>
@@ -118,7 +119,7 @@
       </p:sp>
       <p:sp>
         <p:nvSpPr>
-          <p:cNvPr id="26" name="PlaceHolder 3"/>
+          <p:cNvPr id="25" name="PlaceHolder 3"/>
           <p:cNvSpPr>
             <a:spLocks noGrp="1"/>
           </p:cNvSpPr>
@@ -128,8 +129,8 @@
         </p:nvSpPr>
         <p:spPr>
           <a:xfrm>
-            <a:off x="504000" y="4059000"/>
-            <a:ext cx="9071280" cy="2090880"/>
+            <a:off x="504000" y="4058640"/>
+            <a:ext cx="9072000" cy="2090880"/>
           </a:xfrm>
           <a:prstGeom prst="rect">
             <a:avLst/>
@@ -166,7 +167,7 @@
       </p:grpSpPr>
       <p:sp>
         <p:nvSpPr>
-          <p:cNvPr id="27" name="PlaceHolder 1"/>
+          <p:cNvPr id="26" name="PlaceHolder 1"/>
           <p:cNvSpPr>
             <a:spLocks noGrp="1"/>
           </p:cNvSpPr>
@@ -177,7 +178,7 @@
         <p:spPr>
           <a:xfrm>
             <a:off x="504000" y="301320"/>
-            <a:ext cx="9071280" cy="1261800"/>
+            <a:ext cx="9072000" cy="1261800"/>
           </a:xfrm>
           <a:prstGeom prst="rect">
             <a:avLst/>
@@ -193,7 +194,7 @@
       </p:sp>
       <p:sp>
         <p:nvSpPr>
-          <p:cNvPr id="28" name="PlaceHolder 2"/>
+          <p:cNvPr id="27" name="PlaceHolder 2"/>
           <p:cNvSpPr>
             <a:spLocks noGrp="1"/>
           </p:cNvSpPr>
@@ -203,8 +204,8 @@
         </p:nvSpPr>
         <p:spPr>
           <a:xfrm>
-            <a:off x="504000" y="1769040"/>
-            <a:ext cx="4426560" cy="2090880"/>
+            <a:off x="504000" y="1768680"/>
+            <a:ext cx="4426920" cy="2090880"/>
           </a:xfrm>
           <a:prstGeom prst="rect">
             <a:avLst/>
@@ -219,7 +220,7 @@
       </p:sp>
       <p:sp>
         <p:nvSpPr>
-          <p:cNvPr id="29" name="PlaceHolder 3"/>
+          <p:cNvPr id="28" name="PlaceHolder 3"/>
           <p:cNvSpPr>
             <a:spLocks noGrp="1"/>
           </p:cNvSpPr>
@@ -229,8 +230,8 @@
         </p:nvSpPr>
         <p:spPr>
           <a:xfrm>
-            <a:off x="5152320" y="1769040"/>
-            <a:ext cx="4426560" cy="2090880"/>
+            <a:off x="5152680" y="1768680"/>
+            <a:ext cx="4426920" cy="2090880"/>
           </a:xfrm>
           <a:prstGeom prst="rect">
             <a:avLst/>
@@ -245,7 +246,7 @@
       </p:sp>
       <p:sp>
         <p:nvSpPr>
-          <p:cNvPr id="30" name="PlaceHolder 4"/>
+          <p:cNvPr id="29" name="PlaceHolder 4"/>
           <p:cNvSpPr>
             <a:spLocks noGrp="1"/>
           </p:cNvSpPr>
@@ -255,8 +256,8 @@
         </p:nvSpPr>
         <p:spPr>
           <a:xfrm>
-            <a:off x="5152320" y="4059000"/>
-            <a:ext cx="4426560" cy="2090880"/>
+            <a:off x="5152680" y="4058640"/>
+            <a:ext cx="4426920" cy="2090880"/>
           </a:xfrm>
           <a:prstGeom prst="rect">
             <a:avLst/>
@@ -271,7 +272,7 @@
       </p:sp>
       <p:sp>
         <p:nvSpPr>
-          <p:cNvPr id="31" name="PlaceHolder 5"/>
+          <p:cNvPr id="30" name="PlaceHolder 5"/>
           <p:cNvSpPr>
             <a:spLocks noGrp="1"/>
           </p:cNvSpPr>
@@ -281,8 +282,8 @@
         </p:nvSpPr>
         <p:spPr>
           <a:xfrm>
-            <a:off x="504000" y="4059000"/>
-            <a:ext cx="4426560" cy="2090880"/>
+            <a:off x="504000" y="4058640"/>
+            <a:ext cx="4426920" cy="2090880"/>
           </a:xfrm>
           <a:prstGeom prst="rect">
             <a:avLst/>
@@ -319,7 +320,7 @@
       </p:grpSpPr>
       <p:sp>
         <p:nvSpPr>
-          <p:cNvPr id="32" name="PlaceHolder 1"/>
+          <p:cNvPr id="31" name="PlaceHolder 1"/>
           <p:cNvSpPr>
             <a:spLocks noGrp="1"/>
           </p:cNvSpPr>
@@ -330,7 +331,7 @@
         <p:spPr>
           <a:xfrm>
             <a:off x="504000" y="301320"/>
-            <a:ext cx="9071280" cy="1261800"/>
+            <a:ext cx="9072000" cy="1261800"/>
           </a:xfrm>
           <a:prstGeom prst="rect">
             <a:avLst/>
@@ -346,7 +347,7 @@
       </p:sp>
       <p:sp>
         <p:nvSpPr>
-          <p:cNvPr id="33" name="PlaceHolder 2"/>
+          <p:cNvPr id="32" name="PlaceHolder 2"/>
           <p:cNvSpPr>
             <a:spLocks noGrp="1"/>
           </p:cNvSpPr>
@@ -356,8 +357,8 @@
         </p:nvSpPr>
         <p:spPr>
           <a:xfrm>
-            <a:off x="504000" y="1769040"/>
-            <a:ext cx="9071280" cy="4384080"/>
+            <a:off x="504000" y="1768680"/>
+            <a:ext cx="9072000" cy="4384080"/>
           </a:xfrm>
           <a:prstGeom prst="rect">
             <a:avLst/>
@@ -372,7 +373,7 @@
       </p:sp>
       <p:sp>
         <p:nvSpPr>
-          <p:cNvPr id="34" name="PlaceHolder 3"/>
+          <p:cNvPr id="33" name="PlaceHolder 3"/>
           <p:cNvSpPr>
             <a:spLocks noGrp="1"/>
           </p:cNvSpPr>
@@ -382,8 +383,8 @@
         </p:nvSpPr>
         <p:spPr>
           <a:xfrm>
-            <a:off x="504000" y="1769040"/>
-            <a:ext cx="9071280" cy="4384080"/>
+            <a:off x="504000" y="1768680"/>
+            <a:ext cx="9072000" cy="4384080"/>
           </a:xfrm>
           <a:prstGeom prst="rect">
             <a:avLst/>
@@ -396,6 +397,29 @@
           </a:p>
         </p:txBody>
       </p:sp>
+      <p:pic>
+        <p:nvPicPr>
+          <p:cNvPr id="34" name="" descr=""/>
+          <p:cNvPicPr/>
+          <p:nvPr/>
+        </p:nvPicPr>
+        <p:blipFill>
+          <a:blip r:embed="rId2"/>
+          <a:stretch/>
+        </p:blipFill>
+        <p:spPr>
+          <a:xfrm>
+            <a:off x="2292480" y="1768680"/>
+            <a:ext cx="5494680" cy="4384080"/>
+          </a:xfrm>
+          <a:prstGeom prst="rect">
+            <a:avLst/>
+          </a:prstGeom>
+          <a:ln>
+            <a:noFill/>
+          </a:ln>
+        </p:spPr>
+      </p:pic>
       <p:pic>
         <p:nvPicPr>
           <p:cNvPr id="35" name="" descr=""/>
@@ -403,35 +427,12 @@
           <p:nvPr/>
         </p:nvPicPr>
         <p:blipFill>
-          <a:blip r:embed="rId2"/>
-          <a:stretch/>
-        </p:blipFill>
-        <p:spPr>
-          <a:xfrm>
-            <a:off x="2292120" y="1769040"/>
-            <a:ext cx="5494680" cy="4384080"/>
-          </a:xfrm>
-          <a:prstGeom prst="rect">
-            <a:avLst/>
-          </a:prstGeom>
-          <a:ln>
-            <a:noFill/>
-          </a:ln>
-        </p:spPr>
-      </p:pic>
-      <p:pic>
-        <p:nvPicPr>
-          <p:cNvPr id="36" name="" descr=""/>
-          <p:cNvPicPr/>
-          <p:nvPr/>
-        </p:nvPicPr>
-        <p:blipFill>
           <a:blip r:embed="rId3"/>
           <a:stretch/>
         </p:blipFill>
         <p:spPr>
           <a:xfrm>
-            <a:off x="2292120" y="1769040"/>
+            <a:off x="2292480" y="1768680"/>
             <a:ext cx="5494680" cy="4384080"/>
           </a:xfrm>
           <a:prstGeom prst="rect">
@@ -488,7 +489,7 @@
       </p:grpSpPr>
       <p:sp>
         <p:nvSpPr>
-          <p:cNvPr id="39" name="PlaceHolder 1"/>
+          <p:cNvPr id="38" name="PlaceHolder 1"/>
           <p:cNvSpPr>
             <a:spLocks noGrp="1"/>
           </p:cNvSpPr>
@@ -499,7 +500,7 @@
         <p:spPr>
           <a:xfrm>
             <a:off x="504000" y="301320"/>
-            <a:ext cx="9071280" cy="1261800"/>
+            <a:ext cx="9072000" cy="1261800"/>
           </a:xfrm>
           <a:prstGeom prst="rect">
             <a:avLst/>
@@ -515,7 +516,7 @@
       </p:sp>
       <p:sp>
         <p:nvSpPr>
-          <p:cNvPr id="40" name="PlaceHolder 2"/>
+          <p:cNvPr id="39" name="PlaceHolder 2"/>
           <p:cNvSpPr>
             <a:spLocks noGrp="1"/>
           </p:cNvSpPr>
@@ -525,8 +526,8 @@
         </p:nvSpPr>
         <p:spPr>
           <a:xfrm>
-            <a:off x="504000" y="1769040"/>
-            <a:ext cx="9071280" cy="4384080"/>
+            <a:off x="504000" y="1768680"/>
+            <a:ext cx="9072000" cy="4384080"/>
           </a:xfrm>
           <a:prstGeom prst="rect">
             <a:avLst/>
@@ -564,7 +565,7 @@
       </p:grpSpPr>
       <p:sp>
         <p:nvSpPr>
-          <p:cNvPr id="41" name="PlaceHolder 1"/>
+          <p:cNvPr id="40" name="PlaceHolder 1"/>
           <p:cNvSpPr>
             <a:spLocks noGrp="1"/>
           </p:cNvSpPr>
@@ -575,7 +576,7 @@
         <p:spPr>
           <a:xfrm>
             <a:off x="504000" y="301320"/>
-            <a:ext cx="9071280" cy="1261800"/>
+            <a:ext cx="9072000" cy="1261800"/>
           </a:xfrm>
           <a:prstGeom prst="rect">
             <a:avLst/>
@@ -591,7 +592,7 @@
       </p:sp>
       <p:sp>
         <p:nvSpPr>
-          <p:cNvPr id="42" name="PlaceHolder 2"/>
+          <p:cNvPr id="41" name="PlaceHolder 2"/>
           <p:cNvSpPr>
             <a:spLocks noGrp="1"/>
           </p:cNvSpPr>
@@ -601,8 +602,8 @@
         </p:nvSpPr>
         <p:spPr>
           <a:xfrm>
-            <a:off x="504000" y="1769040"/>
-            <a:ext cx="9071280" cy="4384080"/>
+            <a:off x="504000" y="1768680"/>
+            <a:ext cx="9072000" cy="4384080"/>
           </a:xfrm>
           <a:prstGeom prst="rect">
             <a:avLst/>
@@ -639,7 +640,7 @@
       </p:grpSpPr>
       <p:sp>
         <p:nvSpPr>
-          <p:cNvPr id="43" name="PlaceHolder 1"/>
+          <p:cNvPr id="42" name="PlaceHolder 1"/>
           <p:cNvSpPr>
             <a:spLocks noGrp="1"/>
           </p:cNvSpPr>
@@ -650,7 +651,7 @@
         <p:spPr>
           <a:xfrm>
             <a:off x="504000" y="301320"/>
-            <a:ext cx="9071280" cy="1261800"/>
+            <a:ext cx="9072000" cy="1261800"/>
           </a:xfrm>
           <a:prstGeom prst="rect">
             <a:avLst/>
@@ -666,7 +667,7 @@
       </p:sp>
       <p:sp>
         <p:nvSpPr>
-          <p:cNvPr id="44" name="PlaceHolder 2"/>
+          <p:cNvPr id="43" name="PlaceHolder 2"/>
           <p:cNvSpPr>
             <a:spLocks noGrp="1"/>
           </p:cNvSpPr>
@@ -676,8 +677,8 @@
         </p:nvSpPr>
         <p:spPr>
           <a:xfrm>
-            <a:off x="504000" y="1769040"/>
-            <a:ext cx="4426560" cy="4384080"/>
+            <a:off x="504000" y="1768680"/>
+            <a:ext cx="4426920" cy="4384080"/>
           </a:xfrm>
           <a:prstGeom prst="rect">
             <a:avLst/>
@@ -692,7 +693,7 @@
       </p:sp>
       <p:sp>
         <p:nvSpPr>
-          <p:cNvPr id="45" name="PlaceHolder 3"/>
+          <p:cNvPr id="44" name="PlaceHolder 3"/>
           <p:cNvSpPr>
             <a:spLocks noGrp="1"/>
           </p:cNvSpPr>
@@ -702,8 +703,8 @@
         </p:nvSpPr>
         <p:spPr>
           <a:xfrm>
-            <a:off x="5152320" y="1769040"/>
-            <a:ext cx="4426560" cy="4384080"/>
+            <a:off x="5152680" y="1768680"/>
+            <a:ext cx="4426920" cy="4384080"/>
           </a:xfrm>
           <a:prstGeom prst="rect">
             <a:avLst/>
@@ -740,7 +741,7 @@
       </p:grpSpPr>
       <p:sp>
         <p:nvSpPr>
-          <p:cNvPr id="46" name="PlaceHolder 1"/>
+          <p:cNvPr id="45" name="PlaceHolder 1"/>
           <p:cNvSpPr>
             <a:spLocks noGrp="1"/>
           </p:cNvSpPr>
@@ -751,7 +752,7 @@
         <p:spPr>
           <a:xfrm>
             <a:off x="504000" y="301320"/>
-            <a:ext cx="9071280" cy="1261800"/>
+            <a:ext cx="9072000" cy="1261800"/>
           </a:xfrm>
           <a:prstGeom prst="rect">
             <a:avLst/>
@@ -789,7 +790,7 @@
       </p:grpSpPr>
       <p:sp>
         <p:nvSpPr>
-          <p:cNvPr id="47" name="PlaceHolder 1"/>
+          <p:cNvPr id="46" name="PlaceHolder 1"/>
           <p:cNvSpPr>
             <a:spLocks noGrp="1"/>
           </p:cNvSpPr>
@@ -800,7 +801,7 @@
         <p:spPr>
           <a:xfrm>
             <a:off x="504000" y="301320"/>
-            <a:ext cx="9071280" cy="5850360"/>
+            <a:ext cx="9072000" cy="5850360"/>
           </a:xfrm>
           <a:prstGeom prst="rect">
             <a:avLst/>
@@ -838,7 +839,7 @@
       </p:grpSpPr>
       <p:sp>
         <p:nvSpPr>
-          <p:cNvPr id="48" name="PlaceHolder 1"/>
+          <p:cNvPr id="47" name="PlaceHolder 1"/>
           <p:cNvSpPr>
             <a:spLocks noGrp="1"/>
           </p:cNvSpPr>
@@ -849,7 +850,7 @@
         <p:spPr>
           <a:xfrm>
             <a:off x="504000" y="301320"/>
-            <a:ext cx="9071280" cy="1261800"/>
+            <a:ext cx="9072000" cy="1261800"/>
           </a:xfrm>
           <a:prstGeom prst="rect">
             <a:avLst/>
@@ -865,7 +866,7 @@
       </p:sp>
       <p:sp>
         <p:nvSpPr>
-          <p:cNvPr id="49" name="PlaceHolder 2"/>
+          <p:cNvPr id="48" name="PlaceHolder 2"/>
           <p:cNvSpPr>
             <a:spLocks noGrp="1"/>
           </p:cNvSpPr>
@@ -875,8 +876,8 @@
         </p:nvSpPr>
         <p:spPr>
           <a:xfrm>
-            <a:off x="504000" y="1769040"/>
-            <a:ext cx="4426560" cy="2090880"/>
+            <a:off x="504000" y="1768680"/>
+            <a:ext cx="4426920" cy="2090880"/>
           </a:xfrm>
           <a:prstGeom prst="rect">
             <a:avLst/>
@@ -891,7 +892,7 @@
       </p:sp>
       <p:sp>
         <p:nvSpPr>
-          <p:cNvPr id="50" name="PlaceHolder 3"/>
+          <p:cNvPr id="49" name="PlaceHolder 3"/>
           <p:cNvSpPr>
             <a:spLocks noGrp="1"/>
           </p:cNvSpPr>
@@ -901,8 +902,8 @@
         </p:nvSpPr>
         <p:spPr>
           <a:xfrm>
-            <a:off x="504000" y="4059000"/>
-            <a:ext cx="4426560" cy="2090880"/>
+            <a:off x="504000" y="4058640"/>
+            <a:ext cx="4426920" cy="2090880"/>
           </a:xfrm>
           <a:prstGeom prst="rect">
             <a:avLst/>
@@ -917,7 +918,7 @@
       </p:sp>
       <p:sp>
         <p:nvSpPr>
-          <p:cNvPr id="51" name="PlaceHolder 4"/>
+          <p:cNvPr id="50" name="PlaceHolder 4"/>
           <p:cNvSpPr>
             <a:spLocks noGrp="1"/>
           </p:cNvSpPr>
@@ -927,8 +928,8 @@
         </p:nvSpPr>
         <p:spPr>
           <a:xfrm>
-            <a:off x="5152320" y="1769040"/>
-            <a:ext cx="4426560" cy="4384080"/>
+            <a:off x="5152680" y="1768680"/>
+            <a:ext cx="4426920" cy="4384080"/>
           </a:xfrm>
           <a:prstGeom prst="rect">
             <a:avLst/>
@@ -965,7 +966,7 @@
       </p:grpSpPr>
       <p:sp>
         <p:nvSpPr>
-          <p:cNvPr id="3" name="PlaceHolder 1"/>
+          <p:cNvPr id="2" name="PlaceHolder 1"/>
           <p:cNvSpPr>
             <a:spLocks noGrp="1"/>
           </p:cNvSpPr>
@@ -976,7 +977,7 @@
         <p:spPr>
           <a:xfrm>
             <a:off x="504000" y="301320"/>
-            <a:ext cx="9071280" cy="1261800"/>
+            <a:ext cx="9072000" cy="1261800"/>
           </a:xfrm>
           <a:prstGeom prst="rect">
             <a:avLst/>
@@ -992,7 +993,7 @@
       </p:sp>
       <p:sp>
         <p:nvSpPr>
-          <p:cNvPr id="4" name="PlaceHolder 2"/>
+          <p:cNvPr id="3" name="PlaceHolder 2"/>
           <p:cNvSpPr>
             <a:spLocks noGrp="1"/>
           </p:cNvSpPr>
@@ -1002,8 +1003,8 @@
         </p:nvSpPr>
         <p:spPr>
           <a:xfrm>
-            <a:off x="504000" y="1769040"/>
-            <a:ext cx="9071280" cy="4384080"/>
+            <a:off x="504000" y="1768680"/>
+            <a:ext cx="9072000" cy="4384080"/>
           </a:xfrm>
           <a:prstGeom prst="rect">
             <a:avLst/>
@@ -1041,7 +1042,7 @@
       </p:grpSpPr>
       <p:sp>
         <p:nvSpPr>
-          <p:cNvPr id="52" name="PlaceHolder 1"/>
+          <p:cNvPr id="51" name="PlaceHolder 1"/>
           <p:cNvSpPr>
             <a:spLocks noGrp="1"/>
           </p:cNvSpPr>
@@ -1052,7 +1053,7 @@
         <p:spPr>
           <a:xfrm>
             <a:off x="504000" y="301320"/>
-            <a:ext cx="9071280" cy="1261800"/>
+            <a:ext cx="9072000" cy="1261800"/>
           </a:xfrm>
           <a:prstGeom prst="rect">
             <a:avLst/>
@@ -1068,7 +1069,7 @@
       </p:sp>
       <p:sp>
         <p:nvSpPr>
-          <p:cNvPr id="53" name="PlaceHolder 2"/>
+          <p:cNvPr id="52" name="PlaceHolder 2"/>
           <p:cNvSpPr>
             <a:spLocks noGrp="1"/>
           </p:cNvSpPr>
@@ -1078,8 +1079,8 @@
         </p:nvSpPr>
         <p:spPr>
           <a:xfrm>
-            <a:off x="504000" y="1769040"/>
-            <a:ext cx="4426560" cy="4384080"/>
+            <a:off x="504000" y="1768680"/>
+            <a:ext cx="4426920" cy="4384080"/>
           </a:xfrm>
           <a:prstGeom prst="rect">
             <a:avLst/>
@@ -1094,7 +1095,7 @@
       </p:sp>
       <p:sp>
         <p:nvSpPr>
-          <p:cNvPr id="54" name="PlaceHolder 3"/>
+          <p:cNvPr id="53" name="PlaceHolder 3"/>
           <p:cNvSpPr>
             <a:spLocks noGrp="1"/>
           </p:cNvSpPr>
@@ -1104,8 +1105,8 @@
         </p:nvSpPr>
         <p:spPr>
           <a:xfrm>
-            <a:off x="5152320" y="1769040"/>
-            <a:ext cx="4426560" cy="2090880"/>
+            <a:off x="5152680" y="1768680"/>
+            <a:ext cx="4426920" cy="2090880"/>
           </a:xfrm>
           <a:prstGeom prst="rect">
             <a:avLst/>
@@ -1120,7 +1121,7 @@
       </p:sp>
       <p:sp>
         <p:nvSpPr>
-          <p:cNvPr id="55" name="PlaceHolder 4"/>
+          <p:cNvPr id="54" name="PlaceHolder 4"/>
           <p:cNvSpPr>
             <a:spLocks noGrp="1"/>
           </p:cNvSpPr>
@@ -1130,8 +1131,8 @@
         </p:nvSpPr>
         <p:spPr>
           <a:xfrm>
-            <a:off x="5152320" y="4059000"/>
-            <a:ext cx="4426560" cy="2090880"/>
+            <a:off x="5152680" y="4058640"/>
+            <a:ext cx="4426920" cy="2090880"/>
           </a:xfrm>
           <a:prstGeom prst="rect">
             <a:avLst/>
@@ -1168,7 +1169,7 @@
       </p:grpSpPr>
       <p:sp>
         <p:nvSpPr>
-          <p:cNvPr id="56" name="PlaceHolder 1"/>
+          <p:cNvPr id="55" name="PlaceHolder 1"/>
           <p:cNvSpPr>
             <a:spLocks noGrp="1"/>
           </p:cNvSpPr>
@@ -1179,7 +1180,7 @@
         <p:spPr>
           <a:xfrm>
             <a:off x="504000" y="301320"/>
-            <a:ext cx="9071280" cy="1261800"/>
+            <a:ext cx="9072000" cy="1261800"/>
           </a:xfrm>
           <a:prstGeom prst="rect">
             <a:avLst/>
@@ -1195,7 +1196,7 @@
       </p:sp>
       <p:sp>
         <p:nvSpPr>
-          <p:cNvPr id="57" name="PlaceHolder 2"/>
+          <p:cNvPr id="56" name="PlaceHolder 2"/>
           <p:cNvSpPr>
             <a:spLocks noGrp="1"/>
           </p:cNvSpPr>
@@ -1205,8 +1206,8 @@
         </p:nvSpPr>
         <p:spPr>
           <a:xfrm>
-            <a:off x="504000" y="1769040"/>
-            <a:ext cx="4426560" cy="2090880"/>
+            <a:off x="504000" y="1768680"/>
+            <a:ext cx="4426920" cy="2090880"/>
           </a:xfrm>
           <a:prstGeom prst="rect">
             <a:avLst/>
@@ -1221,7 +1222,7 @@
       </p:sp>
       <p:sp>
         <p:nvSpPr>
-          <p:cNvPr id="58" name="PlaceHolder 3"/>
+          <p:cNvPr id="57" name="PlaceHolder 3"/>
           <p:cNvSpPr>
             <a:spLocks noGrp="1"/>
           </p:cNvSpPr>
@@ -1231,8 +1232,8 @@
         </p:nvSpPr>
         <p:spPr>
           <a:xfrm>
-            <a:off x="5152320" y="1769040"/>
-            <a:ext cx="4426560" cy="2090880"/>
+            <a:off x="5152680" y="1768680"/>
+            <a:ext cx="4426920" cy="2090880"/>
           </a:xfrm>
           <a:prstGeom prst="rect">
             <a:avLst/>
@@ -1247,7 +1248,7 @@
       </p:sp>
       <p:sp>
         <p:nvSpPr>
-          <p:cNvPr id="59" name="PlaceHolder 4"/>
+          <p:cNvPr id="58" name="PlaceHolder 4"/>
           <p:cNvSpPr>
             <a:spLocks noGrp="1"/>
           </p:cNvSpPr>
@@ -1257,8 +1258,8 @@
         </p:nvSpPr>
         <p:spPr>
           <a:xfrm>
-            <a:off x="504000" y="4059000"/>
-            <a:ext cx="9071280" cy="2090880"/>
+            <a:off x="504000" y="4058640"/>
+            <a:ext cx="9072000" cy="2090880"/>
           </a:xfrm>
           <a:prstGeom prst="rect">
             <a:avLst/>
@@ -1295,7 +1296,7 @@
       </p:grpSpPr>
       <p:sp>
         <p:nvSpPr>
-          <p:cNvPr id="60" name="PlaceHolder 1"/>
+          <p:cNvPr id="59" name="PlaceHolder 1"/>
           <p:cNvSpPr>
             <a:spLocks noGrp="1"/>
           </p:cNvSpPr>
@@ -1306,7 +1307,7 @@
         <p:spPr>
           <a:xfrm>
             <a:off x="504000" y="301320"/>
-            <a:ext cx="9071280" cy="1261800"/>
+            <a:ext cx="9072000" cy="1261800"/>
           </a:xfrm>
           <a:prstGeom prst="rect">
             <a:avLst/>
@@ -1322,7 +1323,7 @@
       </p:sp>
       <p:sp>
         <p:nvSpPr>
-          <p:cNvPr id="61" name="PlaceHolder 2"/>
+          <p:cNvPr id="60" name="PlaceHolder 2"/>
           <p:cNvSpPr>
             <a:spLocks noGrp="1"/>
           </p:cNvSpPr>
@@ -1332,8 +1333,8 @@
         </p:nvSpPr>
         <p:spPr>
           <a:xfrm>
-            <a:off x="504000" y="1769040"/>
-            <a:ext cx="9071280" cy="2090880"/>
+            <a:off x="504000" y="1768680"/>
+            <a:ext cx="9072000" cy="2090880"/>
           </a:xfrm>
           <a:prstGeom prst="rect">
             <a:avLst/>
@@ -1348,7 +1349,7 @@
       </p:sp>
       <p:sp>
         <p:nvSpPr>
-          <p:cNvPr id="62" name="PlaceHolder 3"/>
+          <p:cNvPr id="61" name="PlaceHolder 3"/>
           <p:cNvSpPr>
             <a:spLocks noGrp="1"/>
           </p:cNvSpPr>
@@ -1358,8 +1359,8 @@
         </p:nvSpPr>
         <p:spPr>
           <a:xfrm>
-            <a:off x="504000" y="4059000"/>
-            <a:ext cx="9071280" cy="2090880"/>
+            <a:off x="504000" y="4058640"/>
+            <a:ext cx="9072000" cy="2090880"/>
           </a:xfrm>
           <a:prstGeom prst="rect">
             <a:avLst/>
@@ -1396,7 +1397,7 @@
       </p:grpSpPr>
       <p:sp>
         <p:nvSpPr>
-          <p:cNvPr id="63" name="PlaceHolder 1"/>
+          <p:cNvPr id="62" name="PlaceHolder 1"/>
           <p:cNvSpPr>
             <a:spLocks noGrp="1"/>
           </p:cNvSpPr>
@@ -1407,7 +1408,7 @@
         <p:spPr>
           <a:xfrm>
             <a:off x="504000" y="301320"/>
-            <a:ext cx="9071280" cy="1261800"/>
+            <a:ext cx="9072000" cy="1261800"/>
           </a:xfrm>
           <a:prstGeom prst="rect">
             <a:avLst/>
@@ -1423,7 +1424,7 @@
       </p:sp>
       <p:sp>
         <p:nvSpPr>
-          <p:cNvPr id="64" name="PlaceHolder 2"/>
+          <p:cNvPr id="63" name="PlaceHolder 2"/>
           <p:cNvSpPr>
             <a:spLocks noGrp="1"/>
           </p:cNvSpPr>
@@ -1433,8 +1434,8 @@
         </p:nvSpPr>
         <p:spPr>
           <a:xfrm>
-            <a:off x="504000" y="1769040"/>
-            <a:ext cx="4426560" cy="2090880"/>
+            <a:off x="504000" y="1768680"/>
+            <a:ext cx="4426920" cy="2090880"/>
           </a:xfrm>
           <a:prstGeom prst="rect">
             <a:avLst/>
@@ -1449,7 +1450,7 @@
       </p:sp>
       <p:sp>
         <p:nvSpPr>
-          <p:cNvPr id="65" name="PlaceHolder 3"/>
+          <p:cNvPr id="64" name="PlaceHolder 3"/>
           <p:cNvSpPr>
             <a:spLocks noGrp="1"/>
           </p:cNvSpPr>
@@ -1459,8 +1460,8 @@
         </p:nvSpPr>
         <p:spPr>
           <a:xfrm>
-            <a:off x="5152320" y="1769040"/>
-            <a:ext cx="4426560" cy="2090880"/>
+            <a:off x="5152680" y="1768680"/>
+            <a:ext cx="4426920" cy="2090880"/>
           </a:xfrm>
           <a:prstGeom prst="rect">
             <a:avLst/>
@@ -1475,7 +1476,7 @@
       </p:sp>
       <p:sp>
         <p:nvSpPr>
-          <p:cNvPr id="66" name="PlaceHolder 4"/>
+          <p:cNvPr id="65" name="PlaceHolder 4"/>
           <p:cNvSpPr>
             <a:spLocks noGrp="1"/>
           </p:cNvSpPr>
@@ -1485,8 +1486,8 @@
         </p:nvSpPr>
         <p:spPr>
           <a:xfrm>
-            <a:off x="5152320" y="4059000"/>
-            <a:ext cx="4426560" cy="2090880"/>
+            <a:off x="5152680" y="4058640"/>
+            <a:ext cx="4426920" cy="2090880"/>
           </a:xfrm>
           <a:prstGeom prst="rect">
             <a:avLst/>
@@ -1501,7 +1502,7 @@
       </p:sp>
       <p:sp>
         <p:nvSpPr>
-          <p:cNvPr id="67" name="PlaceHolder 5"/>
+          <p:cNvPr id="66" name="PlaceHolder 5"/>
           <p:cNvSpPr>
             <a:spLocks noGrp="1"/>
           </p:cNvSpPr>
@@ -1511,8 +1512,8 @@
         </p:nvSpPr>
         <p:spPr>
           <a:xfrm>
-            <a:off x="504000" y="4059000"/>
-            <a:ext cx="4426560" cy="2090880"/>
+            <a:off x="504000" y="4058640"/>
+            <a:ext cx="4426920" cy="2090880"/>
           </a:xfrm>
           <a:prstGeom prst="rect">
             <a:avLst/>
@@ -1549,7 +1550,7 @@
       </p:grpSpPr>
       <p:sp>
         <p:nvSpPr>
-          <p:cNvPr id="68" name="PlaceHolder 1"/>
+          <p:cNvPr id="67" name="PlaceHolder 1"/>
           <p:cNvSpPr>
             <a:spLocks noGrp="1"/>
           </p:cNvSpPr>
@@ -1560,7 +1561,7 @@
         <p:spPr>
           <a:xfrm>
             <a:off x="504000" y="301320"/>
-            <a:ext cx="9071280" cy="1261800"/>
+            <a:ext cx="9072000" cy="1261800"/>
           </a:xfrm>
           <a:prstGeom prst="rect">
             <a:avLst/>
@@ -1576,7 +1577,7 @@
       </p:sp>
       <p:sp>
         <p:nvSpPr>
-          <p:cNvPr id="69" name="PlaceHolder 2"/>
+          <p:cNvPr id="68" name="PlaceHolder 2"/>
           <p:cNvSpPr>
             <a:spLocks noGrp="1"/>
           </p:cNvSpPr>
@@ -1586,8 +1587,8 @@
         </p:nvSpPr>
         <p:spPr>
           <a:xfrm>
-            <a:off x="504000" y="1769040"/>
-            <a:ext cx="9071280" cy="4384080"/>
+            <a:off x="504000" y="1768680"/>
+            <a:ext cx="9072000" cy="4384080"/>
           </a:xfrm>
           <a:prstGeom prst="rect">
             <a:avLst/>
@@ -1602,7 +1603,7 @@
       </p:sp>
       <p:sp>
         <p:nvSpPr>
-          <p:cNvPr id="70" name="PlaceHolder 3"/>
+          <p:cNvPr id="69" name="PlaceHolder 3"/>
           <p:cNvSpPr>
             <a:spLocks noGrp="1"/>
           </p:cNvSpPr>
@@ -1612,8 +1613,8 @@
         </p:nvSpPr>
         <p:spPr>
           <a:xfrm>
-            <a:off x="504000" y="1769040"/>
-            <a:ext cx="9071280" cy="4384080"/>
+            <a:off x="504000" y="1768680"/>
+            <a:ext cx="9072000" cy="4384080"/>
           </a:xfrm>
           <a:prstGeom prst="rect">
             <a:avLst/>
@@ -1626,6 +1627,29 @@
           </a:p>
         </p:txBody>
       </p:sp>
+      <p:pic>
+        <p:nvPicPr>
+          <p:cNvPr id="70" name="" descr=""/>
+          <p:cNvPicPr/>
+          <p:nvPr/>
+        </p:nvPicPr>
+        <p:blipFill>
+          <a:blip r:embed="rId2"/>
+          <a:stretch/>
+        </p:blipFill>
+        <p:spPr>
+          <a:xfrm>
+            <a:off x="2292480" y="1768680"/>
+            <a:ext cx="5494680" cy="4384080"/>
+          </a:xfrm>
+          <a:prstGeom prst="rect">
+            <a:avLst/>
+          </a:prstGeom>
+          <a:ln>
+            <a:noFill/>
+          </a:ln>
+        </p:spPr>
+      </p:pic>
       <p:pic>
         <p:nvPicPr>
           <p:cNvPr id="71" name="" descr=""/>
@@ -1633,35 +1657,12 @@
           <p:nvPr/>
         </p:nvPicPr>
         <p:blipFill>
-          <a:blip r:embed="rId2"/>
-          <a:stretch/>
-        </p:blipFill>
-        <p:spPr>
-          <a:xfrm>
-            <a:off x="2292120" y="1769040"/>
-            <a:ext cx="5494680" cy="4384080"/>
-          </a:xfrm>
-          <a:prstGeom prst="rect">
-            <a:avLst/>
-          </a:prstGeom>
-          <a:ln>
-            <a:noFill/>
-          </a:ln>
-        </p:spPr>
-      </p:pic>
-      <p:pic>
-        <p:nvPicPr>
-          <p:cNvPr id="72" name="" descr=""/>
-          <p:cNvPicPr/>
-          <p:nvPr/>
-        </p:nvPicPr>
-        <p:blipFill>
           <a:blip r:embed="rId3"/>
           <a:stretch/>
         </p:blipFill>
         <p:spPr>
           <a:xfrm>
-            <a:off x="2292120" y="1769040"/>
+            <a:off x="2292480" y="1768680"/>
             <a:ext cx="5494680" cy="4384080"/>
           </a:xfrm>
           <a:prstGeom prst="rect">
@@ -1696,7 +1697,7 @@
       </p:grpSpPr>
       <p:sp>
         <p:nvSpPr>
-          <p:cNvPr id="5" name="PlaceHolder 1"/>
+          <p:cNvPr id="4" name="PlaceHolder 1"/>
           <p:cNvSpPr>
             <a:spLocks noGrp="1"/>
           </p:cNvSpPr>
@@ -1707,7 +1708,7 @@
         <p:spPr>
           <a:xfrm>
             <a:off x="504000" y="301320"/>
-            <a:ext cx="9071280" cy="1261800"/>
+            <a:ext cx="9072000" cy="1261800"/>
           </a:xfrm>
           <a:prstGeom prst="rect">
             <a:avLst/>
@@ -1723,7 +1724,7 @@
       </p:sp>
       <p:sp>
         <p:nvSpPr>
-          <p:cNvPr id="6" name="PlaceHolder 2"/>
+          <p:cNvPr id="5" name="PlaceHolder 2"/>
           <p:cNvSpPr>
             <a:spLocks noGrp="1"/>
           </p:cNvSpPr>
@@ -1733,8 +1734,8 @@
         </p:nvSpPr>
         <p:spPr>
           <a:xfrm>
-            <a:off x="504000" y="1769040"/>
-            <a:ext cx="9071280" cy="4384080"/>
+            <a:off x="504000" y="1768680"/>
+            <a:ext cx="9072000" cy="4384080"/>
           </a:xfrm>
           <a:prstGeom prst="rect">
             <a:avLst/>
@@ -1771,7 +1772,7 @@
       </p:grpSpPr>
       <p:sp>
         <p:nvSpPr>
-          <p:cNvPr id="7" name="PlaceHolder 1"/>
+          <p:cNvPr id="6" name="PlaceHolder 1"/>
           <p:cNvSpPr>
             <a:spLocks noGrp="1"/>
           </p:cNvSpPr>
@@ -1782,7 +1783,7 @@
         <p:spPr>
           <a:xfrm>
             <a:off x="504000" y="301320"/>
-            <a:ext cx="9071280" cy="1261800"/>
+            <a:ext cx="9072000" cy="1261800"/>
           </a:xfrm>
           <a:prstGeom prst="rect">
             <a:avLst/>
@@ -1798,7 +1799,7 @@
       </p:sp>
       <p:sp>
         <p:nvSpPr>
-          <p:cNvPr id="8" name="PlaceHolder 2"/>
+          <p:cNvPr id="7" name="PlaceHolder 2"/>
           <p:cNvSpPr>
             <a:spLocks noGrp="1"/>
           </p:cNvSpPr>
@@ -1808,8 +1809,8 @@
         </p:nvSpPr>
         <p:spPr>
           <a:xfrm>
-            <a:off x="504000" y="1769040"/>
-            <a:ext cx="4426560" cy="4384080"/>
+            <a:off x="504000" y="1768680"/>
+            <a:ext cx="4426920" cy="4384080"/>
           </a:xfrm>
           <a:prstGeom prst="rect">
             <a:avLst/>
@@ -1824,7 +1825,7 @@
       </p:sp>
       <p:sp>
         <p:nvSpPr>
-          <p:cNvPr id="9" name="PlaceHolder 3"/>
+          <p:cNvPr id="8" name="PlaceHolder 3"/>
           <p:cNvSpPr>
             <a:spLocks noGrp="1"/>
           </p:cNvSpPr>
@@ -1834,8 +1835,8 @@
         </p:nvSpPr>
         <p:spPr>
           <a:xfrm>
-            <a:off x="5152320" y="1769040"/>
-            <a:ext cx="4426560" cy="4384080"/>
+            <a:off x="5152680" y="1768680"/>
+            <a:ext cx="4426920" cy="4384080"/>
           </a:xfrm>
           <a:prstGeom prst="rect">
             <a:avLst/>
@@ -1872,7 +1873,7 @@
       </p:grpSpPr>
       <p:sp>
         <p:nvSpPr>
-          <p:cNvPr id="10" name="PlaceHolder 1"/>
+          <p:cNvPr id="9" name="PlaceHolder 1"/>
           <p:cNvSpPr>
             <a:spLocks noGrp="1"/>
           </p:cNvSpPr>
@@ -1883,7 +1884,7 @@
         <p:spPr>
           <a:xfrm>
             <a:off x="504000" y="301320"/>
-            <a:ext cx="9071280" cy="1261800"/>
+            <a:ext cx="9072000" cy="1261800"/>
           </a:xfrm>
           <a:prstGeom prst="rect">
             <a:avLst/>
@@ -1921,7 +1922,7 @@
       </p:grpSpPr>
       <p:sp>
         <p:nvSpPr>
-          <p:cNvPr id="11" name="PlaceHolder 1"/>
+          <p:cNvPr id="10" name="PlaceHolder 1"/>
           <p:cNvSpPr>
             <a:spLocks noGrp="1"/>
           </p:cNvSpPr>
@@ -1932,7 +1933,7 @@
         <p:spPr>
           <a:xfrm>
             <a:off x="504000" y="301320"/>
-            <a:ext cx="9071280" cy="5850360"/>
+            <a:ext cx="9072000" cy="5850360"/>
           </a:xfrm>
           <a:prstGeom prst="rect">
             <a:avLst/>
@@ -1970,7 +1971,7 @@
       </p:grpSpPr>
       <p:sp>
         <p:nvSpPr>
-          <p:cNvPr id="12" name="PlaceHolder 1"/>
+          <p:cNvPr id="11" name="PlaceHolder 1"/>
           <p:cNvSpPr>
             <a:spLocks noGrp="1"/>
           </p:cNvSpPr>
@@ -1981,7 +1982,7 @@
         <p:spPr>
           <a:xfrm>
             <a:off x="504000" y="301320"/>
-            <a:ext cx="9071280" cy="1261800"/>
+            <a:ext cx="9072000" cy="1261800"/>
           </a:xfrm>
           <a:prstGeom prst="rect">
             <a:avLst/>
@@ -1997,7 +1998,7 @@
       </p:sp>
       <p:sp>
         <p:nvSpPr>
-          <p:cNvPr id="13" name="PlaceHolder 2"/>
+          <p:cNvPr id="12" name="PlaceHolder 2"/>
           <p:cNvSpPr>
             <a:spLocks noGrp="1"/>
           </p:cNvSpPr>
@@ -2007,8 +2008,8 @@
         </p:nvSpPr>
         <p:spPr>
           <a:xfrm>
-            <a:off x="504000" y="1769040"/>
-            <a:ext cx="4426560" cy="2090880"/>
+            <a:off x="504000" y="1768680"/>
+            <a:ext cx="4426920" cy="2090880"/>
           </a:xfrm>
           <a:prstGeom prst="rect">
             <a:avLst/>
@@ -2023,7 +2024,7 @@
       </p:sp>
       <p:sp>
         <p:nvSpPr>
-          <p:cNvPr id="14" name="PlaceHolder 3"/>
+          <p:cNvPr id="13" name="PlaceHolder 3"/>
           <p:cNvSpPr>
             <a:spLocks noGrp="1"/>
           </p:cNvSpPr>
@@ -2033,8 +2034,8 @@
         </p:nvSpPr>
         <p:spPr>
           <a:xfrm>
-            <a:off x="504000" y="4059000"/>
-            <a:ext cx="4426560" cy="2090880"/>
+            <a:off x="504000" y="4058640"/>
+            <a:ext cx="4426920" cy="2090880"/>
           </a:xfrm>
           <a:prstGeom prst="rect">
             <a:avLst/>
@@ -2049,7 +2050,7 @@
       </p:sp>
       <p:sp>
         <p:nvSpPr>
-          <p:cNvPr id="15" name="PlaceHolder 4"/>
+          <p:cNvPr id="14" name="PlaceHolder 4"/>
           <p:cNvSpPr>
             <a:spLocks noGrp="1"/>
           </p:cNvSpPr>
@@ -2059,8 +2060,8 @@
         </p:nvSpPr>
         <p:spPr>
           <a:xfrm>
-            <a:off x="5152320" y="1769040"/>
-            <a:ext cx="4426560" cy="4384080"/>
+            <a:off x="5152680" y="1768680"/>
+            <a:ext cx="4426920" cy="4384080"/>
           </a:xfrm>
           <a:prstGeom prst="rect">
             <a:avLst/>
@@ -2097,7 +2098,7 @@
       </p:grpSpPr>
       <p:sp>
         <p:nvSpPr>
-          <p:cNvPr id="16" name="PlaceHolder 1"/>
+          <p:cNvPr id="15" name="PlaceHolder 1"/>
           <p:cNvSpPr>
             <a:spLocks noGrp="1"/>
           </p:cNvSpPr>
@@ -2108,7 +2109,7 @@
         <p:spPr>
           <a:xfrm>
             <a:off x="504000" y="301320"/>
-            <a:ext cx="9071280" cy="1261800"/>
+            <a:ext cx="9072000" cy="1261800"/>
           </a:xfrm>
           <a:prstGeom prst="rect">
             <a:avLst/>
@@ -2124,7 +2125,7 @@
       </p:sp>
       <p:sp>
         <p:nvSpPr>
-          <p:cNvPr id="17" name="PlaceHolder 2"/>
+          <p:cNvPr id="16" name="PlaceHolder 2"/>
           <p:cNvSpPr>
             <a:spLocks noGrp="1"/>
           </p:cNvSpPr>
@@ -2134,8 +2135,8 @@
         </p:nvSpPr>
         <p:spPr>
           <a:xfrm>
-            <a:off x="504000" y="1769040"/>
-            <a:ext cx="4426560" cy="4384080"/>
+            <a:off x="504000" y="1768680"/>
+            <a:ext cx="4426920" cy="4384080"/>
           </a:xfrm>
           <a:prstGeom prst="rect">
             <a:avLst/>
@@ -2150,7 +2151,7 @@
       </p:sp>
       <p:sp>
         <p:nvSpPr>
-          <p:cNvPr id="18" name="PlaceHolder 3"/>
+          <p:cNvPr id="17" name="PlaceHolder 3"/>
           <p:cNvSpPr>
             <a:spLocks noGrp="1"/>
           </p:cNvSpPr>
@@ -2160,8 +2161,8 @@
         </p:nvSpPr>
         <p:spPr>
           <a:xfrm>
-            <a:off x="5152320" y="1769040"/>
-            <a:ext cx="4426560" cy="2090880"/>
+            <a:off x="5152680" y="1768680"/>
+            <a:ext cx="4426920" cy="2090880"/>
           </a:xfrm>
           <a:prstGeom prst="rect">
             <a:avLst/>
@@ -2176,7 +2177,7 @@
       </p:sp>
       <p:sp>
         <p:nvSpPr>
-          <p:cNvPr id="19" name="PlaceHolder 4"/>
+          <p:cNvPr id="18" name="PlaceHolder 4"/>
           <p:cNvSpPr>
             <a:spLocks noGrp="1"/>
           </p:cNvSpPr>
@@ -2186,8 +2187,8 @@
         </p:nvSpPr>
         <p:spPr>
           <a:xfrm>
-            <a:off x="5152320" y="4059000"/>
-            <a:ext cx="4426560" cy="2090880"/>
+            <a:off x="5152680" y="4058640"/>
+            <a:ext cx="4426920" cy="2090880"/>
           </a:xfrm>
           <a:prstGeom prst="rect">
             <a:avLst/>
@@ -2224,7 +2225,7 @@
       </p:grpSpPr>
       <p:sp>
         <p:nvSpPr>
-          <p:cNvPr id="20" name="PlaceHolder 1"/>
+          <p:cNvPr id="19" name="PlaceHolder 1"/>
           <p:cNvSpPr>
             <a:spLocks noGrp="1"/>
           </p:cNvSpPr>
@@ -2235,7 +2236,7 @@
         <p:spPr>
           <a:xfrm>
             <a:off x="504000" y="301320"/>
-            <a:ext cx="9071280" cy="1261800"/>
+            <a:ext cx="9072000" cy="1261800"/>
           </a:xfrm>
           <a:prstGeom prst="rect">
             <a:avLst/>
@@ -2251,7 +2252,7 @@
       </p:sp>
       <p:sp>
         <p:nvSpPr>
-          <p:cNvPr id="21" name="PlaceHolder 2"/>
+          <p:cNvPr id="20" name="PlaceHolder 2"/>
           <p:cNvSpPr>
             <a:spLocks noGrp="1"/>
           </p:cNvSpPr>
@@ -2261,8 +2262,8 @@
         </p:nvSpPr>
         <p:spPr>
           <a:xfrm>
-            <a:off x="504000" y="1769040"/>
-            <a:ext cx="4426560" cy="2090880"/>
+            <a:off x="504000" y="1768680"/>
+            <a:ext cx="4426920" cy="2090880"/>
           </a:xfrm>
           <a:prstGeom prst="rect">
             <a:avLst/>
@@ -2277,7 +2278,7 @@
       </p:sp>
       <p:sp>
         <p:nvSpPr>
-          <p:cNvPr id="22" name="PlaceHolder 3"/>
+          <p:cNvPr id="21" name="PlaceHolder 3"/>
           <p:cNvSpPr>
             <a:spLocks noGrp="1"/>
           </p:cNvSpPr>
@@ -2287,8 +2288,8 @@
         </p:nvSpPr>
         <p:spPr>
           <a:xfrm>
-            <a:off x="5152320" y="1769040"/>
-            <a:ext cx="4426560" cy="2090880"/>
+            <a:off x="5152680" y="1768680"/>
+            <a:ext cx="4426920" cy="2090880"/>
           </a:xfrm>
           <a:prstGeom prst="rect">
             <a:avLst/>
@@ -2303,7 +2304,7 @@
       </p:sp>
       <p:sp>
         <p:nvSpPr>
-          <p:cNvPr id="23" name="PlaceHolder 4"/>
+          <p:cNvPr id="22" name="PlaceHolder 4"/>
           <p:cNvSpPr>
             <a:spLocks noGrp="1"/>
           </p:cNvSpPr>
@@ -2313,8 +2314,8 @@
         </p:nvSpPr>
         <p:spPr>
           <a:xfrm>
-            <a:off x="504000" y="4059000"/>
-            <a:ext cx="9071280" cy="2090880"/>
+            <a:off x="504000" y="4058640"/>
+            <a:ext cx="9072000" cy="2090880"/>
           </a:xfrm>
           <a:prstGeom prst="rect">
             <a:avLst/>
@@ -2362,7 +2363,7 @@
         <p:spPr>
           <a:xfrm>
             <a:off x="504000" y="301320"/>
-            <a:ext cx="9071280" cy="1261800"/>
+            <a:ext cx="9070920" cy="1261440"/>
           </a:xfrm>
           <a:prstGeom prst="rect">
             <a:avLst/>
@@ -2379,33 +2380,6 @@
       <p:sp>
         <p:nvSpPr>
           <p:cNvPr id="1" name="PlaceHolder 2"/>
-          <p:cNvSpPr>
-            <a:spLocks noGrp="1"/>
-          </p:cNvSpPr>
-          <p:nvPr>
-            <p:ph type="subTitle"/>
-          </p:nvPr>
-        </p:nvSpPr>
-        <p:spPr>
-          <a:xfrm>
-            <a:off x="504000" y="1769040"/>
-            <a:ext cx="9071280" cy="4384080"/>
-          </a:xfrm>
-          <a:prstGeom prst="rect">
-            <a:avLst/>
-          </a:prstGeom>
-        </p:spPr>
-        <p:txBody>
-          <a:bodyPr lIns="0" rIns="0" tIns="0" bIns="0" anchor="ctr"/>
-          <a:p>
-            <a:pPr algn="ctr"/>
-            <a:endParaRPr/>
-          </a:p>
-        </p:txBody>
-      </p:sp>
-      <p:sp>
-        <p:nvSpPr>
-          <p:cNvPr id="2" name="PlaceHolder 3"/>
           <p:cNvSpPr>
             <a:spLocks noGrp="1"/>
           </p:cNvSpPr>
@@ -2415,8 +2389,8 @@
         </p:nvSpPr>
         <p:spPr>
           <a:xfrm>
-            <a:off x="504000" y="1768680"/>
-            <a:ext cx="9072000" cy="4384080"/>
+            <a:off x="504000" y="1769040"/>
+            <a:ext cx="9070920" cy="4383720"/>
           </a:xfrm>
           <a:prstGeom prst="rect">
             <a:avLst/>
@@ -2431,7 +2405,7 @@
               <a:buChar char=""/>
             </a:pPr>
             <a:r>
-              <a:rPr lang="en-US" sz="3200">
+              <a:rPr lang="en-US">
                 <a:latin typeface="Arial"/>
               </a:rPr>
               <a:t>Click to edit the outline text format</a:t>
@@ -2445,7 +2419,7 @@
               <a:buChar char=""/>
             </a:pPr>
             <a:r>
-              <a:rPr lang="en-US" sz="2800">
+              <a:rPr lang="en-US">
                 <a:latin typeface="Arial"/>
               </a:rPr>
               <a:t>Second Outline Level</a:t>
@@ -2459,7 +2433,7 @@
               <a:buChar char=""/>
             </a:pPr>
             <a:r>
-              <a:rPr lang="en-US" sz="2400">
+              <a:rPr lang="en-US">
                 <a:latin typeface="Arial"/>
               </a:rPr>
               <a:t>Third Outline Level</a:t>
@@ -2473,7 +2447,7 @@
               <a:buChar char=""/>
             </a:pPr>
             <a:r>
-              <a:rPr lang="en-US" sz="2000">
+              <a:rPr lang="en-US">
                 <a:latin typeface="Arial"/>
               </a:rPr>
               <a:t>Fourth Outline Level</a:t>
@@ -2487,7 +2461,7 @@
               <a:buChar char=""/>
             </a:pPr>
             <a:r>
-              <a:rPr lang="en-US" sz="2000">
+              <a:rPr lang="en-US">
                 <a:latin typeface="Arial"/>
               </a:rPr>
               <a:t>Fifth Outline Level</a:t>
@@ -2501,7 +2475,7 @@
               <a:buChar char=""/>
             </a:pPr>
             <a:r>
-              <a:rPr lang="en-US" sz="2000">
+              <a:rPr lang="en-US">
                 <a:latin typeface="Arial"/>
               </a:rPr>
               <a:t>Sixth Outline Level</a:t>
@@ -2515,7 +2489,7 @@
               <a:buChar char=""/>
             </a:pPr>
             <a:r>
-              <a:rPr lang="en-US" sz="2000">
+              <a:rPr lang="en-US">
                 <a:latin typeface="Arial"/>
               </a:rPr>
               <a:t>Seventh Outline Level</a:t>
@@ -2563,7 +2537,7 @@
       </p:grpSpPr>
       <p:sp>
         <p:nvSpPr>
-          <p:cNvPr id="37" name="PlaceHolder 1"/>
+          <p:cNvPr id="36" name="PlaceHolder 1"/>
           <p:cNvSpPr>
             <a:spLocks noGrp="1"/>
           </p:cNvSpPr>
@@ -2574,7 +2548,7 @@
         <p:spPr>
           <a:xfrm>
             <a:off x="504000" y="301320"/>
-            <a:ext cx="9071280" cy="1261800"/>
+            <a:ext cx="9072000" cy="1261800"/>
           </a:xfrm>
           <a:prstGeom prst="rect">
             <a:avLst/>
@@ -2584,13 +2558,19 @@
           <a:bodyPr lIns="0" rIns="0" tIns="0" bIns="0" anchor="ctr"/>
           <a:p>
             <a:pPr algn="ctr"/>
-            <a:endParaRPr/>
-          </a:p>
-        </p:txBody>
-      </p:sp>
-      <p:sp>
-        <p:nvSpPr>
-          <p:cNvPr id="38" name="PlaceHolder 2"/>
+            <a:r>
+              <a:rPr lang="en-US" sz="4400">
+                <a:latin typeface="Arial"/>
+              </a:rPr>
+              <a:t>Click to edit the title text format</a:t>
+            </a:r>
+            <a:endParaRPr/>
+          </a:p>
+        </p:txBody>
+      </p:sp>
+      <p:sp>
+        <p:nvSpPr>
+          <p:cNvPr id="37" name="PlaceHolder 2"/>
           <p:cNvSpPr>
             <a:spLocks noGrp="1"/>
           </p:cNvSpPr>
@@ -2600,8 +2580,8 @@
         </p:nvSpPr>
         <p:spPr>
           <a:xfrm>
-            <a:off x="504000" y="1769040"/>
-            <a:ext cx="9071280" cy="4384080"/>
+            <a:off x="504000" y="1768680"/>
+            <a:ext cx="9072000" cy="4384080"/>
           </a:xfrm>
           <a:prstGeom prst="rect">
             <a:avLst/>
@@ -2616,7 +2596,7 @@
               <a:buChar char=""/>
             </a:pPr>
             <a:r>
-              <a:rPr lang="en-US">
+              <a:rPr lang="en-US" sz="3200">
                 <a:latin typeface="Arial"/>
               </a:rPr>
               <a:t>Click to edit the outline text format</a:t>
@@ -2630,7 +2610,7 @@
               <a:buChar char=""/>
             </a:pPr>
             <a:r>
-              <a:rPr lang="en-US">
+              <a:rPr lang="en-US" sz="2800">
                 <a:latin typeface="Arial"/>
               </a:rPr>
               <a:t>Second Outline Level</a:t>
@@ -2644,7 +2624,7 @@
               <a:buChar char=""/>
             </a:pPr>
             <a:r>
-              <a:rPr lang="en-US">
+              <a:rPr lang="en-US" sz="2400">
                 <a:latin typeface="Arial"/>
               </a:rPr>
               <a:t>Third Outline Level</a:t>
@@ -2658,7 +2638,7 @@
               <a:buChar char=""/>
             </a:pPr>
             <a:r>
-              <a:rPr lang="en-US">
+              <a:rPr lang="en-US" sz="2000">
                 <a:latin typeface="Arial"/>
               </a:rPr>
               <a:t>Fourth Outline Level</a:t>
@@ -2672,7 +2652,7 @@
               <a:buChar char=""/>
             </a:pPr>
             <a:r>
-              <a:rPr lang="en-US">
+              <a:rPr lang="en-US" sz="2000">
                 <a:latin typeface="Arial"/>
               </a:rPr>
               <a:t>Fifth Outline Level</a:t>
@@ -2686,7 +2666,7 @@
               <a:buChar char=""/>
             </a:pPr>
             <a:r>
-              <a:rPr lang="en-US">
+              <a:rPr lang="en-US" sz="2000">
                 <a:latin typeface="Arial"/>
               </a:rPr>
               <a:t>Sixth Outline Level</a:t>
@@ -2700,7 +2680,7 @@
               <a:buChar char=""/>
             </a:pPr>
             <a:r>
-              <a:rPr lang="en-US">
+              <a:rPr lang="en-US" sz="2000">
                 <a:latin typeface="Arial"/>
               </a:rPr>
               <a:t>Seventh Outline Level</a:t>
@@ -2748,14 +2728,14 @@
       </p:grpSpPr>
       <p:sp>
         <p:nvSpPr>
-          <p:cNvPr id="73" name="CustomShape 1"/>
+          <p:cNvPr id="72" name="CustomShape 1"/>
           <p:cNvSpPr/>
           <p:nvPr/>
         </p:nvSpPr>
         <p:spPr>
           <a:xfrm>
             <a:off x="504000" y="301320"/>
-            <a:ext cx="9071280" cy="1261800"/>
+            <a:ext cx="9070920" cy="1261440"/>
           </a:xfrm>
           <a:prstGeom prst="rect">
             <a:avLst/>
@@ -2781,7 +2761,11 @@
             </a:pPr>
             <a:r>
               <a:rPr lang="en-US" sz="4400" strike="noStrike">
-                <a:latin typeface="Arial"/>
+                <a:solidFill>
+                  <a:srgbClr val="000000"/>
+                </a:solidFill>
+                <a:latin typeface="Arial"/>
+                <a:ea typeface="DejaVu Sans"/>
               </a:rPr>
               <a:t>Apps – Environment</a:t>
             </a:r>
@@ -2791,14 +2775,14 @@
       </p:sp>
       <p:sp>
         <p:nvSpPr>
-          <p:cNvPr id="74" name="CustomShape 2"/>
+          <p:cNvPr id="73" name="CustomShape 2"/>
           <p:cNvSpPr/>
           <p:nvPr/>
         </p:nvSpPr>
         <p:spPr>
           <a:xfrm>
             <a:off x="457200" y="1371600"/>
-            <a:ext cx="9143640" cy="5852160"/>
+            <a:ext cx="9143280" cy="5851800"/>
           </a:xfrm>
           <a:prstGeom prst="rect">
             <a:avLst/>
@@ -2986,14 +2970,14 @@
       </p:sp>
       <p:sp>
         <p:nvSpPr>
-          <p:cNvPr id="75" name="CustomShape 3"/>
+          <p:cNvPr id="74" name="CustomShape 3"/>
           <p:cNvSpPr/>
           <p:nvPr/>
         </p:nvSpPr>
         <p:spPr>
           <a:xfrm>
             <a:off x="6217920" y="2011680"/>
-            <a:ext cx="3200040" cy="4754520"/>
+            <a:ext cx="3199680" cy="4754160"/>
           </a:xfrm>
           <a:prstGeom prst="rect">
             <a:avLst/>
@@ -3275,14 +3259,14 @@
       </p:sp>
       <p:sp>
         <p:nvSpPr>
-          <p:cNvPr id="76" name="CustomShape 4"/>
+          <p:cNvPr id="75" name="CustomShape 4"/>
           <p:cNvSpPr/>
           <p:nvPr/>
         </p:nvSpPr>
         <p:spPr>
           <a:xfrm>
             <a:off x="914400" y="2834640"/>
-            <a:ext cx="1279800" cy="639720"/>
+            <a:ext cx="1279440" cy="639360"/>
           </a:xfrm>
           <a:prstGeom prst="ellipse">
             <a:avLst/>
@@ -3326,14 +3310,14 @@
       </p:sp>
       <p:sp>
         <p:nvSpPr>
-          <p:cNvPr id="77" name="CustomShape 5"/>
+          <p:cNvPr id="76" name="CustomShape 5"/>
           <p:cNvSpPr/>
           <p:nvPr/>
         </p:nvSpPr>
         <p:spPr>
           <a:xfrm>
             <a:off x="731520" y="3749040"/>
-            <a:ext cx="2011320" cy="914040"/>
+            <a:ext cx="2010960" cy="913680"/>
           </a:xfrm>
           <a:prstGeom prst="ellipse">
             <a:avLst/>
@@ -3395,7 +3379,7 @@
       </p:sp>
       <p:sp>
         <p:nvSpPr>
-          <p:cNvPr id="78" name="Line 6"/>
+          <p:cNvPr id="77" name="Line 6"/>
           <p:cNvSpPr/>
           <p:nvPr/>
         </p:nvSpPr>
@@ -3442,7 +3426,7 @@
       </p:sp>
       <p:sp>
         <p:nvSpPr>
-          <p:cNvPr id="79" name="Line 7"/>
+          <p:cNvPr id="78" name="Line 7"/>
           <p:cNvSpPr/>
           <p:nvPr/>
         </p:nvSpPr>
@@ -3489,14 +3473,14 @@
       </p:sp>
       <p:sp>
         <p:nvSpPr>
-          <p:cNvPr id="80" name="CustomShape 8"/>
+          <p:cNvPr id="79" name="CustomShape 8"/>
           <p:cNvSpPr/>
           <p:nvPr/>
         </p:nvSpPr>
         <p:spPr>
           <a:xfrm>
             <a:off x="822960" y="4937760"/>
-            <a:ext cx="2011320" cy="731160"/>
+            <a:ext cx="2010960" cy="730800"/>
           </a:xfrm>
           <a:prstGeom prst="ellipse">
             <a:avLst/>
@@ -3541,14 +3525,14 @@
       </p:sp>
       <p:sp>
         <p:nvSpPr>
-          <p:cNvPr id="81" name="CustomShape 9"/>
+          <p:cNvPr id="80" name="CustomShape 9"/>
           <p:cNvSpPr/>
           <p:nvPr/>
         </p:nvSpPr>
         <p:spPr>
           <a:xfrm>
             <a:off x="6217920" y="5943600"/>
-            <a:ext cx="3200040" cy="822600"/>
+            <a:ext cx="3199680" cy="822240"/>
           </a:xfrm>
           <a:prstGeom prst="rect">
             <a:avLst/>
@@ -3570,7 +3554,7 @@
       </p:sp>
       <p:sp>
         <p:nvSpPr>
-          <p:cNvPr id="82" name="Line 10"/>
+          <p:cNvPr id="81" name="Line 10"/>
           <p:cNvSpPr/>
           <p:nvPr/>
         </p:nvSpPr>
@@ -3620,7 +3604,7 @@
       </p:sp>
       <p:sp>
         <p:nvSpPr>
-          <p:cNvPr id="83" name="Line 11"/>
+          <p:cNvPr id="82" name="Line 11"/>
           <p:cNvSpPr/>
           <p:nvPr/>
         </p:nvSpPr>
@@ -3670,7 +3654,7 @@
       </p:sp>
       <p:sp>
         <p:nvSpPr>
-          <p:cNvPr id="84" name="Line 12"/>
+          <p:cNvPr id="83" name="Line 12"/>
           <p:cNvSpPr/>
           <p:nvPr/>
         </p:nvSpPr>
@@ -3740,14 +3724,14 @@
       </p:sp>
       <p:sp>
         <p:nvSpPr>
-          <p:cNvPr id="85" name="CustomShape 13"/>
+          <p:cNvPr id="84" name="CustomShape 13"/>
           <p:cNvSpPr/>
           <p:nvPr/>
         </p:nvSpPr>
         <p:spPr>
           <a:xfrm>
             <a:off x="6675120" y="2926080"/>
-            <a:ext cx="1919880" cy="365400"/>
+            <a:ext cx="1919520" cy="365040"/>
           </a:xfrm>
           <a:prstGeom prst="rect">
             <a:avLst/>
@@ -3793,14 +3777,14 @@
       </p:sp>
       <p:sp>
         <p:nvSpPr>
-          <p:cNvPr id="86" name="CustomShape 14"/>
+          <p:cNvPr id="85" name="CustomShape 14"/>
           <p:cNvSpPr/>
           <p:nvPr/>
         </p:nvSpPr>
         <p:spPr>
           <a:xfrm>
             <a:off x="6217920" y="3383280"/>
-            <a:ext cx="3200040" cy="1462680"/>
+            <a:ext cx="3199680" cy="1462320"/>
           </a:xfrm>
           <a:prstGeom prst="rect">
             <a:avLst/>
@@ -3822,14 +3806,14 @@
       </p:sp>
       <p:sp>
         <p:nvSpPr>
-          <p:cNvPr id="87" name="CustomShape 15"/>
+          <p:cNvPr id="86" name="CustomShape 15"/>
           <p:cNvSpPr/>
           <p:nvPr/>
         </p:nvSpPr>
         <p:spPr>
           <a:xfrm>
             <a:off x="2834640" y="4480560"/>
-            <a:ext cx="1919880" cy="365400"/>
+            <a:ext cx="1919520" cy="365040"/>
           </a:xfrm>
           <a:prstGeom prst="rect">
             <a:avLst/>
@@ -3875,7 +3859,7 @@
       </p:sp>
       <p:sp>
         <p:nvSpPr>
-          <p:cNvPr id="88" name="Line 16"/>
+          <p:cNvPr id="87" name="Line 16"/>
           <p:cNvSpPr/>
           <p:nvPr/>
         </p:nvSpPr>
@@ -3947,14 +3931,14 @@
       </p:grpSpPr>
       <p:sp>
         <p:nvSpPr>
-          <p:cNvPr id="107" name="CustomShape 1"/>
+          <p:cNvPr id="106" name="CustomShape 1"/>
           <p:cNvSpPr/>
           <p:nvPr/>
         </p:nvSpPr>
         <p:spPr>
           <a:xfrm>
             <a:off x="504000" y="301320"/>
-            <a:ext cx="9071280" cy="1261800"/>
+            <a:ext cx="9070920" cy="1261440"/>
           </a:xfrm>
           <a:prstGeom prst="rect">
             <a:avLst/>
@@ -3980,7 +3964,11 @@
             </a:pPr>
             <a:r>
               <a:rPr lang="en-US" sz="4400" strike="noStrike">
-                <a:latin typeface="Arial"/>
+                <a:solidFill>
+                  <a:srgbClr val="000000"/>
+                </a:solidFill>
+                <a:latin typeface="Arial"/>
+                <a:ea typeface="DejaVu Sans"/>
               </a:rPr>
               <a:t>App - Open With</a:t>
             </a:r>
@@ -3990,14 +3978,14 @@
       </p:sp>
       <p:sp>
         <p:nvSpPr>
-          <p:cNvPr id="108" name="CustomShape 2"/>
+          <p:cNvPr id="107" name="CustomShape 2"/>
           <p:cNvSpPr/>
           <p:nvPr/>
         </p:nvSpPr>
         <p:spPr>
           <a:xfrm>
             <a:off x="504000" y="1769040"/>
-            <a:ext cx="9071280" cy="4814280"/>
+            <a:ext cx="9070920" cy="4813920"/>
           </a:xfrm>
           <a:prstGeom prst="rect">
             <a:avLst/>
@@ -4026,7 +4014,11 @@
             </a:pPr>
             <a:r>
               <a:rPr lang="en-US" sz="3200" strike="noStrike">
-                <a:latin typeface="Arial"/>
+                <a:solidFill>
+                  <a:srgbClr val="000000"/>
+                </a:solidFill>
+                <a:latin typeface="Arial"/>
+                <a:ea typeface="DejaVu Sans"/>
               </a:rPr>
               <a:t>TODO: add example</a:t>
             </a:r>
@@ -4085,14 +4077,14 @@
       </p:grpSpPr>
       <p:sp>
         <p:nvSpPr>
-          <p:cNvPr id="109" name="CustomShape 1"/>
+          <p:cNvPr id="108" name="CustomShape 1"/>
           <p:cNvSpPr/>
           <p:nvPr/>
         </p:nvSpPr>
         <p:spPr>
           <a:xfrm>
             <a:off x="504000" y="301320"/>
-            <a:ext cx="9071280" cy="1261800"/>
+            <a:ext cx="9070920" cy="1261440"/>
           </a:xfrm>
           <a:prstGeom prst="rect">
             <a:avLst/>
@@ -4118,7 +4110,11 @@
             </a:pPr>
             <a:r>
               <a:rPr lang="en-US" sz="4400" strike="noStrike">
-                <a:latin typeface="Arial"/>
+                <a:solidFill>
+                  <a:srgbClr val="000000"/>
+                </a:solidFill>
+                <a:latin typeface="Arial"/>
+                <a:ea typeface="DejaVu Sans"/>
               </a:rPr>
               <a:t>Apps – figure and iviewer </a:t>
             </a:r>
@@ -4128,14 +4124,14 @@
       </p:sp>
       <p:sp>
         <p:nvSpPr>
-          <p:cNvPr id="110" name="CustomShape 2"/>
+          <p:cNvPr id="109" name="CustomShape 2"/>
           <p:cNvSpPr/>
           <p:nvPr/>
         </p:nvSpPr>
         <p:spPr>
           <a:xfrm>
             <a:off x="504000" y="1769040"/>
-            <a:ext cx="9071280" cy="4814280"/>
+            <a:ext cx="9070920" cy="4813920"/>
           </a:xfrm>
           <a:prstGeom prst="rect">
             <a:avLst/>
@@ -4164,7 +4160,11 @@
             </a:pPr>
             <a:r>
               <a:rPr lang="en-US" sz="3200" strike="noStrike">
-                <a:latin typeface="Arial"/>
+                <a:solidFill>
+                  <a:srgbClr val="000000"/>
+                </a:solidFill>
+                <a:latin typeface="Arial"/>
+                <a:ea typeface="DejaVu Sans"/>
               </a:rPr>
               <a:t>TODO: commonalities and differences and implications</a:t>
             </a:r>
@@ -4223,14 +4223,14 @@
       </p:grpSpPr>
       <p:sp>
         <p:nvSpPr>
-          <p:cNvPr id="111" name="CustomShape 1"/>
+          <p:cNvPr id="110" name="CustomShape 1"/>
           <p:cNvSpPr/>
           <p:nvPr/>
         </p:nvSpPr>
         <p:spPr>
           <a:xfrm>
             <a:off x="504000" y="301320"/>
-            <a:ext cx="9071280" cy="1261800"/>
+            <a:ext cx="9070920" cy="1261440"/>
           </a:xfrm>
           <a:prstGeom prst="rect">
             <a:avLst/>
@@ -4256,7 +4256,11 @@
             </a:pPr>
             <a:r>
               <a:rPr lang="en-US" sz="4400" strike="noStrike">
-                <a:latin typeface="Arial"/>
+                <a:solidFill>
+                  <a:srgbClr val="000000"/>
+                </a:solidFill>
+                <a:latin typeface="Arial"/>
+                <a:ea typeface="DejaVu Sans"/>
               </a:rPr>
               <a:t>Apps – iviewer </a:t>
             </a:r>
@@ -4266,14 +4270,14 @@
       </p:sp>
       <p:sp>
         <p:nvSpPr>
-          <p:cNvPr id="112" name="CustomShape 2"/>
+          <p:cNvPr id="111" name="CustomShape 2"/>
           <p:cNvSpPr/>
           <p:nvPr/>
         </p:nvSpPr>
         <p:spPr>
           <a:xfrm>
             <a:off x="504000" y="1769040"/>
-            <a:ext cx="9071280" cy="4814280"/>
+            <a:ext cx="9070920" cy="4813920"/>
           </a:xfrm>
           <a:prstGeom prst="rect">
             <a:avLst/>
@@ -4302,7 +4306,11 @@
             </a:pPr>
             <a:r>
               <a:rPr lang="en-US" sz="3200" strike="noStrike">
-                <a:latin typeface="Arial"/>
+                <a:solidFill>
+                  <a:srgbClr val="000000"/>
+                </a:solidFill>
+                <a:latin typeface="Arial"/>
+                <a:ea typeface="DejaVu Sans"/>
               </a:rPr>
               <a:t>TODO: diagram components</a:t>
             </a:r>
@@ -4319,7 +4327,11 @@
             </a:pPr>
             <a:r>
               <a:rPr lang="en-US" sz="2800" strike="noStrike">
-                <a:latin typeface="Arial"/>
+                <a:solidFill>
+                  <a:srgbClr val="000000"/>
+                </a:solidFill>
+                <a:latin typeface="Arial"/>
+                <a:ea typeface="DejaVu Sans"/>
               </a:rPr>
               <a:t>MVC and aurelia</a:t>
             </a:r>
@@ -4336,7 +4348,11 @@
             </a:pPr>
             <a:r>
               <a:rPr lang="en-US" sz="2800" strike="noStrike">
-                <a:latin typeface="Arial"/>
+                <a:solidFill>
+                  <a:srgbClr val="000000"/>
+                </a:solidFill>
+                <a:latin typeface="Arial"/>
+                <a:ea typeface="DejaVu Sans"/>
               </a:rPr>
               <a:t>Openlayers</a:t>
             </a:r>
@@ -4353,6 +4369,366 @@
           <p:childTnLst>
             <p:seq>
               <p:cTn id="24" nodeType="mainSeq"/>
+              <p:prevCondLst>
+                <p:cond delay="0" evt="onPrev">
+                  <p:tgtEl>
+                    <p:sldTgt/>
+                  </p:tgtEl>
+                </p:cond>
+              </p:prevCondLst>
+              <p:nextCondLst>
+                <p:cond delay="0" evt="onNext">
+                  <p:tgtEl>
+                    <p:sldTgt/>
+                  </p:tgtEl>
+                </p:cond>
+              </p:nextCondLst>
+            </p:seq>
+          </p:childTnLst>
+        </p:cTn>
+      </p:par>
+    </p:tnLst>
+  </p:timing>
+</p:sld>
+</file>
+
+<file path=ppt/slides/slide13.xml><?xml version="1.0" encoding="utf-8"?>
+<p:sld xmlns:a="http://schemas.openxmlformats.org/drawingml/2006/main" xmlns:p="http://schemas.openxmlformats.org/presentationml/2006/main" xmlns:r="http://schemas.openxmlformats.org/officeDocument/2006/relationships">
+  <p:cSld>
+    <p:spTree>
+      <p:nvGrpSpPr>
+        <p:cNvPr id="1" name=""/>
+        <p:cNvGrpSpPr/>
+        <p:nvPr/>
+      </p:nvGrpSpPr>
+      <p:grpSpPr>
+        <a:xfrm>
+          <a:off x="0" y="0"/>
+          <a:ext cx="0" cy="0"/>
+          <a:chOff x="0" y="0"/>
+          <a:chExt cx="0" cy="0"/>
+        </a:xfrm>
+      </p:grpSpPr>
+      <p:sp>
+        <p:nvSpPr>
+          <p:cNvPr id="112" name="TextShape 1"/>
+          <p:cNvSpPr txBox="1"/>
+          <p:nvPr/>
+        </p:nvSpPr>
+        <p:spPr>
+          <a:xfrm>
+            <a:off x="2863440" y="3558240"/>
+            <a:ext cx="6309360" cy="548640"/>
+          </a:xfrm>
+          <a:prstGeom prst="rect">
+            <a:avLst/>
+          </a:prstGeom>
+          <a:noFill/>
+          <a:ln>
+            <a:noFill/>
+          </a:ln>
+        </p:spPr>
+        <p:txBody>
+          <a:bodyPr lIns="90000" rIns="90000" tIns="45000" bIns="45000"/>
+          <a:p>
+            <a:r>
+              <a:rPr lang="en-US">
+                <a:latin typeface="Arial"/>
+              </a:rPr>
+              <a:t>Contains the built ol3-viewer – not in git. Triggered on build</a:t>
+            </a:r>
+            <a:endParaRPr/>
+          </a:p>
+        </p:txBody>
+      </p:sp>
+      <p:sp>
+        <p:nvSpPr>
+          <p:cNvPr id="113" name="TextShape 2"/>
+          <p:cNvSpPr txBox="1"/>
+          <p:nvPr/>
+        </p:nvSpPr>
+        <p:spPr>
+          <a:xfrm>
+            <a:off x="2863440" y="4106880"/>
+            <a:ext cx="6309360" cy="560520"/>
+          </a:xfrm>
+          <a:prstGeom prst="rect">
+            <a:avLst/>
+          </a:prstGeom>
+          <a:noFill/>
+          <a:ln>
+            <a:noFill/>
+          </a:ln>
+        </p:spPr>
+        <p:txBody>
+          <a:bodyPr lIns="90000" rIns="90000" tIns="45000" bIns="45000"/>
+          <a:p>
+            <a:r>
+              <a:rPr lang="en-US">
+                <a:latin typeface="Arial"/>
+              </a:rPr>
+              <a:t>Download directory for dependencies (on npm install)</a:t>
+            </a:r>
+            <a:endParaRPr/>
+          </a:p>
+        </p:txBody>
+      </p:sp>
+      <p:sp>
+        <p:nvSpPr>
+          <p:cNvPr id="114" name="TextShape 3"/>
+          <p:cNvSpPr txBox="1"/>
+          <p:nvPr/>
+        </p:nvSpPr>
+        <p:spPr>
+          <a:xfrm>
+            <a:off x="2834640" y="4663440"/>
+            <a:ext cx="6217920" cy="403560"/>
+          </a:xfrm>
+          <a:prstGeom prst="rect">
+            <a:avLst/>
+          </a:prstGeom>
+          <a:noFill/>
+          <a:ln>
+            <a:noFill/>
+          </a:ln>
+        </p:spPr>
+        <p:txBody>
+          <a:bodyPr lIns="90000" rIns="90000" tIns="45000" bIns="45000"/>
+          <a:p>
+            <a:r>
+              <a:rPr lang="en-US">
+                <a:latin typeface="Arial"/>
+              </a:rPr>
+              <a:t>Contains ol3-sources</a:t>
+            </a:r>
+            <a:endParaRPr/>
+          </a:p>
+        </p:txBody>
+      </p:sp>
+      <p:sp>
+        <p:nvSpPr>
+          <p:cNvPr id="115" name="TextShape 4"/>
+          <p:cNvSpPr txBox="1"/>
+          <p:nvPr/>
+        </p:nvSpPr>
+        <p:spPr>
+          <a:xfrm>
+            <a:off x="2834640" y="5067000"/>
+            <a:ext cx="6400800" cy="602280"/>
+          </a:xfrm>
+          <a:prstGeom prst="rect">
+            <a:avLst/>
+          </a:prstGeom>
+          <a:noFill/>
+          <a:ln>
+            <a:noFill/>
+          </a:ln>
+        </p:spPr>
+        <p:txBody>
+          <a:bodyPr lIns="90000" rIns="90000" tIns="45000" bIns="45000"/>
+          <a:p>
+            <a:r>
+              <a:rPr lang="en-US">
+                <a:latin typeface="Arial"/>
+              </a:rPr>
+              <a:t>Django Plugin Directories – needs to be added to  PYTHONPATH for local setup</a:t>
+            </a:r>
+            <a:endParaRPr/>
+          </a:p>
+        </p:txBody>
+      </p:sp>
+      <p:sp>
+        <p:nvSpPr>
+          <p:cNvPr id="116" name="TextShape 5"/>
+          <p:cNvSpPr txBox="1"/>
+          <p:nvPr/>
+        </p:nvSpPr>
+        <p:spPr>
+          <a:xfrm>
+            <a:off x="2834640" y="6217920"/>
+            <a:ext cx="6309360" cy="457200"/>
+          </a:xfrm>
+          <a:prstGeom prst="rect">
+            <a:avLst/>
+          </a:prstGeom>
+          <a:noFill/>
+          <a:ln>
+            <a:noFill/>
+          </a:ln>
+        </p:spPr>
+        <p:txBody>
+          <a:bodyPr lIns="90000" rIns="90000" tIns="45000" bIns="45000"/>
+          <a:p>
+            <a:r>
+              <a:rPr lang="en-US">
+                <a:latin typeface="Arial"/>
+              </a:rPr>
+              <a:t>Js unit tests</a:t>
+            </a:r>
+            <a:endParaRPr/>
+          </a:p>
+        </p:txBody>
+      </p:sp>
+      <p:sp>
+        <p:nvSpPr>
+          <p:cNvPr id="117" name="TextShape 6"/>
+          <p:cNvSpPr txBox="1"/>
+          <p:nvPr/>
+        </p:nvSpPr>
+        <p:spPr>
+          <a:xfrm>
+            <a:off x="2834640" y="5760720"/>
+            <a:ext cx="6035040" cy="365760"/>
+          </a:xfrm>
+          <a:prstGeom prst="rect">
+            <a:avLst/>
+          </a:prstGeom>
+          <a:noFill/>
+          <a:ln>
+            <a:noFill/>
+          </a:ln>
+        </p:spPr>
+        <p:txBody>
+          <a:bodyPr lIns="90000" rIns="90000" tIns="45000" bIns="45000"/>
+          <a:p>
+            <a:r>
+              <a:rPr lang="en-US">
+                <a:latin typeface="Arial"/>
+              </a:rPr>
+              <a:t>All sources other than ol3 viewer, i.e. aurelia bit</a:t>
+            </a:r>
+            <a:endParaRPr/>
+          </a:p>
+        </p:txBody>
+      </p:sp>
+      <p:pic>
+        <p:nvPicPr>
+          <p:cNvPr id="118" name="" descr=""/>
+          <p:cNvPicPr/>
+          <p:nvPr/>
+        </p:nvPicPr>
+        <p:blipFill>
+          <a:blip r:embed="rId1"/>
+          <a:stretch/>
+        </p:blipFill>
+        <p:spPr>
+          <a:xfrm>
+            <a:off x="457200" y="836640"/>
+            <a:ext cx="2295000" cy="6295680"/>
+          </a:xfrm>
+          <a:prstGeom prst="rect">
+            <a:avLst/>
+          </a:prstGeom>
+          <a:ln>
+            <a:noFill/>
+          </a:ln>
+        </p:spPr>
+      </p:pic>
+      <p:sp>
+        <p:nvSpPr>
+          <p:cNvPr id="119" name="TextShape 7"/>
+          <p:cNvSpPr txBox="1"/>
+          <p:nvPr/>
+        </p:nvSpPr>
+        <p:spPr>
+          <a:xfrm>
+            <a:off x="2834640" y="3069000"/>
+            <a:ext cx="6309360" cy="457200"/>
+          </a:xfrm>
+          <a:prstGeom prst="rect">
+            <a:avLst/>
+          </a:prstGeom>
+          <a:noFill/>
+          <a:ln>
+            <a:noFill/>
+          </a:ln>
+        </p:spPr>
+        <p:txBody>
+          <a:bodyPr lIns="90000" rIns="90000" tIns="45000" bIns="45000"/>
+          <a:p>
+            <a:r>
+              <a:rPr lang="en-US">
+                <a:latin typeface="Arial"/>
+              </a:rPr>
+              <a:t>Css as well as images</a:t>
+            </a:r>
+            <a:endParaRPr/>
+          </a:p>
+        </p:txBody>
+      </p:sp>
+      <p:sp>
+        <p:nvSpPr>
+          <p:cNvPr id="120" name="TextShape 8"/>
+          <p:cNvSpPr txBox="1"/>
+          <p:nvPr/>
+        </p:nvSpPr>
+        <p:spPr>
+          <a:xfrm>
+            <a:off x="2834640" y="2468880"/>
+            <a:ext cx="6309360" cy="457200"/>
+          </a:xfrm>
+          <a:prstGeom prst="rect">
+            <a:avLst/>
+          </a:prstGeom>
+          <a:noFill/>
+          <a:ln>
+            <a:noFill/>
+          </a:ln>
+        </p:spPr>
+        <p:txBody>
+          <a:bodyPr lIns="90000" rIns="90000" tIns="45000" bIns="45000"/>
+          <a:p>
+            <a:r>
+              <a:rPr lang="en-US">
+                <a:latin typeface="Arial"/>
+              </a:rPr>
+              <a:t>Closure Compiler and dependency calculation script</a:t>
+            </a:r>
+            <a:endParaRPr/>
+          </a:p>
+        </p:txBody>
+      </p:sp>
+      <p:sp>
+        <p:nvSpPr>
+          <p:cNvPr id="121" name="TextShape 9"/>
+          <p:cNvSpPr txBox="1"/>
+          <p:nvPr/>
+        </p:nvSpPr>
+        <p:spPr>
+          <a:xfrm>
+            <a:off x="2834640" y="1920240"/>
+            <a:ext cx="6309360" cy="457200"/>
+          </a:xfrm>
+          <a:prstGeom prst="rect">
+            <a:avLst/>
+          </a:prstGeom>
+          <a:noFill/>
+          <a:ln>
+            <a:noFill/>
+          </a:ln>
+        </p:spPr>
+        <p:txBody>
+          <a:bodyPr lIns="90000" rIns="90000" tIns="45000" bIns="45000"/>
+          <a:p>
+            <a:r>
+              <a:rPr lang="en-US">
+                <a:latin typeface="Arial"/>
+              </a:rPr>
+              <a:t>Build directory for all components</a:t>
+            </a:r>
+            <a:endParaRPr/>
+          </a:p>
+        </p:txBody>
+      </p:sp>
+    </p:spTree>
+  </p:cSld>
+  <p:timing>
+    <p:tnLst>
+      <p:par>
+        <p:cTn id="25" dur="indefinite" restart="never" nodeType="tmRoot">
+          <p:childTnLst>
+            <p:seq>
+              <p:cTn id="26" nodeType="mainSeq"/>
               <p:prevCondLst>
                 <p:cond delay="0" evt="onPrev">
                   <p:tgtEl>
@@ -4395,14 +4771,14 @@
       </p:grpSpPr>
       <p:sp>
         <p:nvSpPr>
-          <p:cNvPr id="89" name="CustomShape 1"/>
+          <p:cNvPr id="88" name="CustomShape 1"/>
           <p:cNvSpPr/>
           <p:nvPr/>
         </p:nvSpPr>
         <p:spPr>
           <a:xfrm>
             <a:off x="504000" y="301320"/>
-            <a:ext cx="9071280" cy="1261800"/>
+            <a:ext cx="9070920" cy="1261440"/>
           </a:xfrm>
           <a:prstGeom prst="rect">
             <a:avLst/>
@@ -4428,7 +4804,11 @@
             </a:pPr>
             <a:r>
               <a:rPr lang="en-US" sz="3600" strike="noStrike">
-                <a:latin typeface="Arial"/>
+                <a:solidFill>
+                  <a:srgbClr val="000000"/>
+                </a:solidFill>
+                <a:latin typeface="Arial"/>
+                <a:ea typeface="DejaVu Sans"/>
               </a:rPr>
               <a:t>'Minimal' App Setup – django directories</a:t>
             </a:r>
@@ -4438,14 +4818,14 @@
       </p:sp>
       <p:sp>
         <p:nvSpPr>
-          <p:cNvPr id="90" name="CustomShape 2"/>
+          <p:cNvPr id="89" name="CustomShape 2"/>
           <p:cNvSpPr/>
           <p:nvPr/>
         </p:nvSpPr>
         <p:spPr>
           <a:xfrm>
             <a:off x="2468880" y="1828800"/>
-            <a:ext cx="4165560" cy="1109520"/>
+            <a:ext cx="4165200" cy="1109160"/>
           </a:xfrm>
           <a:prstGeom prst="rect">
             <a:avLst/>
@@ -4466,7 +4846,11 @@
           <a:p>
             <a:r>
               <a:rPr lang="en-US" sz="2400" strike="noStrike">
-                <a:latin typeface="Arial"/>
+                <a:solidFill>
+                  <a:srgbClr val="000000"/>
+                </a:solidFill>
+                <a:latin typeface="Arial"/>
+                <a:ea typeface="DejaVu Sans"/>
               </a:rPr>
               <a:t>app/static/app/app.js</a:t>
             </a:r>
@@ -4478,7 +4862,11 @@
           <a:p>
             <a:r>
               <a:rPr lang="en-US" sz="2400" strike="noStrike">
-                <a:latin typeface="Arial"/>
+                <a:solidFill>
+                  <a:srgbClr val="000000"/>
+                </a:solidFill>
+                <a:latin typeface="Arial"/>
+                <a:ea typeface="DejaVu Sans"/>
               </a:rPr>
               <a:t>app/templates/app/index.html</a:t>
             </a:r>
@@ -4488,7 +4876,7 @@
       </p:sp>
       <p:pic>
         <p:nvPicPr>
-          <p:cNvPr id="91" name="" descr=""/>
+          <p:cNvPr id="90" name="" descr=""/>
           <p:cNvPicPr/>
           <p:nvPr/>
         </p:nvPicPr>
@@ -4499,7 +4887,7 @@
         <p:spPr>
           <a:xfrm>
             <a:off x="1463040" y="3225600"/>
-            <a:ext cx="6309000" cy="3083400"/>
+            <a:ext cx="6308640" cy="3083040"/>
           </a:xfrm>
           <a:prstGeom prst="rect">
             <a:avLst/>
@@ -4560,14 +4948,14 @@
       </p:grpSpPr>
       <p:sp>
         <p:nvSpPr>
-          <p:cNvPr id="92" name="CustomShape 1"/>
+          <p:cNvPr id="91" name="CustomShape 1"/>
           <p:cNvSpPr/>
           <p:nvPr/>
         </p:nvSpPr>
         <p:spPr>
           <a:xfrm>
             <a:off x="504000" y="301320"/>
-            <a:ext cx="9071280" cy="1261800"/>
+            <a:ext cx="9070920" cy="1261440"/>
           </a:xfrm>
           <a:prstGeom prst="rect">
             <a:avLst/>
@@ -4593,7 +4981,11 @@
             </a:pPr>
             <a:r>
               <a:rPr lang="en-US" sz="3600" strike="noStrike">
-                <a:latin typeface="Arial"/>
+                <a:solidFill>
+                  <a:srgbClr val="000000"/>
+                </a:solidFill>
+                <a:latin typeface="Arial"/>
+                <a:ea typeface="DejaVu Sans"/>
               </a:rPr>
               <a:t>static/app – what would it contain?</a:t>
             </a:r>
@@ -4603,14 +4995,14 @@
       </p:sp>
       <p:sp>
         <p:nvSpPr>
-          <p:cNvPr id="93" name="CustomShape 2"/>
+          <p:cNvPr id="92" name="CustomShape 2"/>
           <p:cNvSpPr/>
           <p:nvPr/>
         </p:nvSpPr>
         <p:spPr>
           <a:xfrm>
             <a:off x="504360" y="1769400"/>
-            <a:ext cx="9071280" cy="4384080"/>
+            <a:ext cx="9070920" cy="4383720"/>
           </a:xfrm>
           <a:prstGeom prst="rect">
             <a:avLst/>
@@ -4639,7 +5031,11 @@
             </a:pPr>
             <a:r>
               <a:rPr lang="en-US" sz="3200" strike="noStrike">
-                <a:latin typeface="Arial"/>
+                <a:solidFill>
+                  <a:srgbClr val="000000"/>
+                </a:solidFill>
+                <a:latin typeface="Arial"/>
+                <a:ea typeface="DejaVu Sans"/>
               </a:rPr>
               <a:t>Java Script</a:t>
             </a:r>
@@ -4656,7 +5052,11 @@
             </a:pPr>
             <a:r>
               <a:rPr lang="en-US" sz="3200" strike="noStrike">
-                <a:latin typeface="Arial"/>
+                <a:solidFill>
+                  <a:srgbClr val="000000"/>
+                </a:solidFill>
+                <a:latin typeface="Arial"/>
+                <a:ea typeface="DejaVu Sans"/>
               </a:rPr>
               <a:t>Third Party Resources</a:t>
             </a:r>
@@ -4673,7 +5073,11 @@
             </a:pPr>
             <a:r>
               <a:rPr lang="en-US" sz="3200" strike="noStrike">
-                <a:latin typeface="Arial"/>
+                <a:solidFill>
+                  <a:srgbClr val="000000"/>
+                </a:solidFill>
+                <a:latin typeface="Arial"/>
+                <a:ea typeface="DejaVu Sans"/>
               </a:rPr>
               <a:t>Css</a:t>
             </a:r>
@@ -4690,7 +5094,11 @@
             </a:pPr>
             <a:r>
               <a:rPr lang="en-US" sz="3200" strike="noStrike">
-                <a:latin typeface="Arial"/>
+                <a:solidFill>
+                  <a:srgbClr val="000000"/>
+                </a:solidFill>
+                <a:latin typeface="Arial"/>
+                <a:ea typeface="DejaVu Sans"/>
               </a:rPr>
               <a:t>Images</a:t>
             </a:r>
@@ -4708,7 +5116,7 @@
       </p:sp>
       <p:pic>
         <p:nvPicPr>
-          <p:cNvPr id="94" name="" descr=""/>
+          <p:cNvPr id="93" name="" descr=""/>
           <p:cNvPicPr/>
           <p:nvPr/>
         </p:nvPicPr>
@@ -4719,7 +5127,7 @@
         <p:spPr>
           <a:xfrm>
             <a:off x="3660480" y="3236400"/>
-            <a:ext cx="5757480" cy="3438360"/>
+            <a:ext cx="5757120" cy="3438000"/>
           </a:xfrm>
           <a:prstGeom prst="rect">
             <a:avLst/>
@@ -4780,14 +5188,14 @@
       </p:grpSpPr>
       <p:sp>
         <p:nvSpPr>
-          <p:cNvPr id="95" name="CustomShape 1"/>
+          <p:cNvPr id="94" name="CustomShape 1"/>
           <p:cNvSpPr/>
           <p:nvPr/>
         </p:nvSpPr>
         <p:spPr>
           <a:xfrm>
             <a:off x="504000" y="301320"/>
-            <a:ext cx="9071280" cy="1261800"/>
+            <a:ext cx="9070920" cy="1261440"/>
           </a:xfrm>
           <a:prstGeom prst="rect">
             <a:avLst/>
@@ -4813,7 +5221,11 @@
             </a:pPr>
             <a:r>
               <a:rPr lang="en-US" sz="3600" strike="noStrike">
-                <a:latin typeface="Arial"/>
+                <a:solidFill>
+                  <a:srgbClr val="000000"/>
+                </a:solidFill>
+                <a:latin typeface="Arial"/>
+                <a:ea typeface="DejaVu Sans"/>
               </a:rPr>
               <a:t>app/templates/app/index.html</a:t>
             </a:r>
@@ -4823,14 +5235,14 @@
       </p:sp>
       <p:sp>
         <p:nvSpPr>
-          <p:cNvPr id="96" name="CustomShape 2"/>
+          <p:cNvPr id="95" name="CustomShape 2"/>
           <p:cNvSpPr/>
           <p:nvPr/>
         </p:nvSpPr>
         <p:spPr>
           <a:xfrm>
             <a:off x="438480" y="1371600"/>
-            <a:ext cx="9071280" cy="5943600"/>
+            <a:ext cx="9070920" cy="5943240"/>
           </a:xfrm>
           <a:prstGeom prst="rect">
             <a:avLst/>
@@ -4851,7 +5263,11 @@
           <a:p>
             <a:r>
               <a:rPr lang="en-US" sz="2000" strike="noStrike">
-                <a:latin typeface="Arial"/>
+                <a:solidFill>
+                  <a:srgbClr val="000000"/>
+                </a:solidFill>
+                <a:latin typeface="Arial"/>
+                <a:ea typeface="DejaVu Sans"/>
               </a:rPr>
               <a:t>&lt;html&gt;</a:t>
             </a:r>
@@ -4860,13 +5276,21 @@
           <a:p>
             <a:r>
               <a:rPr lang="en-US" sz="2000" strike="noStrike">
-                <a:latin typeface="Arial"/>
+                <a:solidFill>
+                  <a:srgbClr val="000000"/>
+                </a:solidFill>
+                <a:latin typeface="Arial"/>
+                <a:ea typeface="DejaVu Sans"/>
               </a:rPr>
               <a:t>  </a:t>
             </a:r>
             <a:r>
               <a:rPr lang="en-US" sz="2000" strike="noStrike">
-                <a:latin typeface="Arial"/>
+                <a:solidFill>
+                  <a:srgbClr val="000000"/>
+                </a:solidFill>
+                <a:latin typeface="Arial"/>
+                <a:ea typeface="DejaVu Sans"/>
               </a:rPr>
               <a:t>&lt;head&gt;</a:t>
             </a:r>
@@ -4878,13 +5302,21 @@
           <a:p>
             <a:r>
               <a:rPr lang="en-US" sz="2000" strike="noStrike">
-                <a:latin typeface="Arial"/>
+                <a:solidFill>
+                  <a:srgbClr val="000000"/>
+                </a:solidFill>
+                <a:latin typeface="Arial"/>
+                <a:ea typeface="DejaVu Sans"/>
               </a:rPr>
               <a:t>      </a:t>
             </a:r>
             <a:r>
               <a:rPr lang="en-US" sz="2000" strike="noStrike">
-                <a:latin typeface="Arial"/>
+                <a:solidFill>
+                  <a:srgbClr val="000000"/>
+                </a:solidFill>
+                <a:latin typeface="Arial"/>
+                <a:ea typeface="DejaVu Sans"/>
               </a:rPr>
               <a:t>&lt;link rel="stylesheet" type="text/css" </a:t>
             </a:r>
@@ -4893,13 +5325,21 @@
           <a:p>
             <a:r>
               <a:rPr lang="en-US" sz="2000" strike="noStrike">
-                <a:latin typeface="Arial"/>
+                <a:solidFill>
+                  <a:srgbClr val="000000"/>
+                </a:solidFill>
+                <a:latin typeface="Arial"/>
+                <a:ea typeface="DejaVu Sans"/>
               </a:rPr>
               <a:t>              </a:t>
             </a:r>
             <a:r>
               <a:rPr lang="en-US" sz="2000" strike="noStrike">
-                <a:latin typeface="Arial"/>
+                <a:solidFill>
+                  <a:srgbClr val="000000"/>
+                </a:solidFill>
+                <a:latin typeface="Arial"/>
+                <a:ea typeface="DejaVu Sans"/>
               </a:rPr>
               <a:t>href=" {% static </a:t>
             </a:r>
@@ -4909,6 +5349,7 @@
                   <a:srgbClr val="000066"/>
                 </a:solidFill>
                 <a:latin typeface="Arial"/>
+                <a:ea typeface="DejaVu Sans"/>
               </a:rPr>
               <a:t>'app_directoryr/css/app.css?version=1.1' %}" /&gt;</a:t>
             </a:r>
@@ -4924,6 +5365,7 @@
                   <a:srgbClr val="000066"/>
                 </a:solidFill>
                 <a:latin typeface="Arial"/>
+                <a:ea typeface="DejaVu Sans"/>
               </a:rPr>
               <a:t>      </a:t>
             </a:r>
@@ -4933,6 +5375,7 @@
                   <a:srgbClr val="000066"/>
                 </a:solidFill>
                 <a:latin typeface="Arial"/>
+                <a:ea typeface="DejaVu Sans"/>
               </a:rPr>
               <a:t>&lt;script type="text/javascript"</a:t>
             </a:r>
@@ -4945,6 +5388,7 @@
                   <a:srgbClr val="000066"/>
                 </a:solidFill>
                 <a:latin typeface="Arial"/>
+                <a:ea typeface="DejaVu Sans"/>
               </a:rPr>
               <a:t>              </a:t>
             </a:r>
@@ -4954,6 +5398,7 @@
                   <a:srgbClr val="000066"/>
                 </a:solidFill>
                 <a:latin typeface="Arial"/>
+                <a:ea typeface="DejaVu Sans"/>
               </a:rPr>
               <a:t>src="{% static </a:t>
             </a:r>
@@ -4963,6 +5408,7 @@
                   <a:srgbClr val="990000"/>
                 </a:solidFill>
                 <a:latin typeface="Arial"/>
+                <a:ea typeface="DejaVu Sans"/>
               </a:rPr>
               <a:t>'app_directory/app.js?version=1.1' %}"&gt;</a:t>
             </a:r>
@@ -4975,6 +5421,7 @@
                   <a:srgbClr val="990000"/>
                 </a:solidFill>
                 <a:latin typeface="Arial"/>
+                <a:ea typeface="DejaVu Sans"/>
               </a:rPr>
               <a:t>      </a:t>
             </a:r>
@@ -4984,6 +5431,7 @@
                   <a:srgbClr val="990000"/>
                 </a:solidFill>
                 <a:latin typeface="Arial"/>
+                <a:ea typeface="DejaVu Sans"/>
               </a:rPr>
               <a:t>&lt;/script&gt;</a:t>
             </a:r>
@@ -4999,6 +5447,7 @@
                   <a:srgbClr val="990000"/>
                 </a:solidFill>
                 <a:latin typeface="Arial"/>
+                <a:ea typeface="DejaVu Sans"/>
               </a:rPr>
               <a:t>      </a:t>
             </a:r>
@@ -5008,6 +5457,7 @@
                   <a:srgbClr val="990000"/>
                 </a:solidFill>
                 <a:latin typeface="Arial"/>
+                <a:ea typeface="DejaVu Sans"/>
               </a:rPr>
               <a:t>&lt;script type="text/javascript"&gt;</a:t>
             </a:r>
@@ -5020,6 +5470,7 @@
                   <a:srgbClr val="990000"/>
                 </a:solidFill>
                 <a:latin typeface="Arial"/>
+                <a:ea typeface="DejaVu Sans"/>
               </a:rPr>
               <a:t>              </a:t>
             </a:r>
@@ -5029,6 +5480,7 @@
                   <a:srgbClr val="666666"/>
                 </a:solidFill>
                 <a:latin typeface="Arial"/>
+                <a:ea typeface="DejaVu Sans"/>
               </a:rPr>
               <a:t>// optionally set parameters for app</a:t>
             </a:r>
@@ -5041,6 +5493,7 @@
                   <a:srgbClr val="666666"/>
                 </a:solidFill>
                 <a:latin typeface="Arial"/>
+                <a:ea typeface="DejaVu Sans"/>
               </a:rPr>
               <a:t>              </a:t>
             </a:r>
@@ -5050,6 +5503,7 @@
                   <a:srgbClr val="666666"/>
                 </a:solidFill>
                 <a:latin typeface="Arial"/>
+                <a:ea typeface="DejaVu Sans"/>
               </a:rPr>
               <a:t>window.SOME_APP_PARAM = ….;</a:t>
             </a:r>
@@ -5062,6 +5516,7 @@
                   <a:srgbClr val="666666"/>
                 </a:solidFill>
                 <a:latin typeface="Arial"/>
+                <a:ea typeface="DejaVu Sans"/>
               </a:rPr>
               <a:t>      </a:t>
             </a:r>
@@ -5071,6 +5526,7 @@
                   <a:srgbClr val="666666"/>
                 </a:solidFill>
                 <a:latin typeface="Arial"/>
+                <a:ea typeface="DejaVu Sans"/>
               </a:rPr>
               <a:t>&lt;/script&gt;</a:t>
             </a:r>
@@ -5086,6 +5542,7 @@
                   <a:srgbClr val="666666"/>
                 </a:solidFill>
                 <a:latin typeface="Arial"/>
+                <a:ea typeface="DejaVu Sans"/>
               </a:rPr>
               <a:t>      </a:t>
             </a:r>
@@ -5095,6 +5552,7 @@
                   <a:srgbClr val="666666"/>
                 </a:solidFill>
                 <a:latin typeface="Arial"/>
+                <a:ea typeface="DejaVu Sans"/>
               </a:rPr>
               <a:t>&lt;title&gt;Some App&lt;/title&gt;</a:t>
             </a:r>
@@ -5107,6 +5565,7 @@
                   <a:srgbClr val="666666"/>
                 </a:solidFill>
                 <a:latin typeface="Arial"/>
+                <a:ea typeface="DejaVu Sans"/>
               </a:rPr>
               <a:t>  </a:t>
             </a:r>
@@ -5116,6 +5575,7 @@
                   <a:srgbClr val="666666"/>
                 </a:solidFill>
                 <a:latin typeface="Arial"/>
+                <a:ea typeface="DejaVu Sans"/>
               </a:rPr>
               <a:t>&lt;/head&gt;</a:t>
             </a:r>
@@ -5128,6 +5588,7 @@
                   <a:srgbClr val="666666"/>
                 </a:solidFill>
                 <a:latin typeface="Arial"/>
+                <a:ea typeface="DejaVu Sans"/>
               </a:rPr>
               <a:t>   …</a:t>
             </a:r>
@@ -5137,6 +5598,7 @@
                   <a:srgbClr val="666666"/>
                 </a:solidFill>
                 <a:latin typeface="Arial"/>
+                <a:ea typeface="DejaVu Sans"/>
               </a:rPr>
               <a:t>.</a:t>
             </a:r>
@@ -5149,6 +5611,7 @@
                   <a:srgbClr val="666666"/>
                 </a:solidFill>
                 <a:latin typeface="Arial"/>
+                <a:ea typeface="DejaVu Sans"/>
               </a:rPr>
               <a:t>&lt;/html&gt;</a:t>
             </a:r>
@@ -5210,14 +5673,14 @@
       </p:grpSpPr>
       <p:sp>
         <p:nvSpPr>
-          <p:cNvPr id="97" name="CustomShape 1"/>
+          <p:cNvPr id="96" name="CustomShape 1"/>
           <p:cNvSpPr/>
           <p:nvPr/>
         </p:nvSpPr>
         <p:spPr>
           <a:xfrm>
             <a:off x="504000" y="301320"/>
-            <a:ext cx="9071280" cy="1261800"/>
+            <a:ext cx="9070920" cy="1261440"/>
           </a:xfrm>
           <a:prstGeom prst="rect">
             <a:avLst/>
@@ -5243,7 +5706,11 @@
             </a:pPr>
             <a:r>
               <a:rPr lang="en-US" sz="3600" strike="noStrike">
-                <a:latin typeface="Arial"/>
+                <a:solidFill>
+                  <a:srgbClr val="000000"/>
+                </a:solidFill>
+                <a:latin typeface="Arial"/>
+                <a:ea typeface="DejaVu Sans"/>
               </a:rPr>
               <a:t>e.g. index.html</a:t>
             </a:r>
@@ -5253,7 +5720,7 @@
       </p:sp>
       <p:pic>
         <p:nvPicPr>
-          <p:cNvPr id="98" name="" descr=""/>
+          <p:cNvPr id="97" name="" descr=""/>
           <p:cNvPicPr/>
           <p:nvPr/>
         </p:nvPicPr>
@@ -5264,7 +5731,7 @@
         <p:spPr>
           <a:xfrm>
             <a:off x="548640" y="1449360"/>
-            <a:ext cx="8801640" cy="5499720"/>
+            <a:ext cx="8801280" cy="5499360"/>
           </a:xfrm>
           <a:prstGeom prst="rect">
             <a:avLst/>
@@ -5325,14 +5792,14 @@
       </p:grpSpPr>
       <p:sp>
         <p:nvSpPr>
-          <p:cNvPr id="99" name="CustomShape 1"/>
+          <p:cNvPr id="98" name="CustomShape 1"/>
           <p:cNvSpPr/>
           <p:nvPr/>
         </p:nvSpPr>
         <p:spPr>
           <a:xfrm>
             <a:off x="504000" y="301320"/>
-            <a:ext cx="9071280" cy="1070280"/>
+            <a:ext cx="9070920" cy="1069920"/>
           </a:xfrm>
           <a:prstGeom prst="rect">
             <a:avLst/>
@@ -5358,7 +5825,11 @@
             </a:pPr>
             <a:r>
               <a:rPr lang="en-US" sz="4400" strike="noStrike">
-                <a:latin typeface="Arial"/>
+                <a:solidFill>
+                  <a:srgbClr val="000000"/>
+                </a:solidFill>
+                <a:latin typeface="Arial"/>
+                <a:ea typeface="DejaVu Sans"/>
               </a:rPr>
               <a:t>Remarks / 'Best Practices'</a:t>
             </a:r>
@@ -5368,14 +5839,14 @@
       </p:sp>
       <p:sp>
         <p:nvSpPr>
-          <p:cNvPr id="100" name="CustomShape 2"/>
+          <p:cNvPr id="99" name="CustomShape 2"/>
           <p:cNvSpPr/>
           <p:nvPr/>
         </p:nvSpPr>
         <p:spPr>
           <a:xfrm>
             <a:off x="504000" y="1371600"/>
-            <a:ext cx="9071280" cy="5394600"/>
+            <a:ext cx="9070920" cy="5394240"/>
           </a:xfrm>
           <a:prstGeom prst="rect">
             <a:avLst/>
@@ -5404,7 +5875,11 @@
             </a:pPr>
             <a:r>
               <a:rPr lang="en-US" sz="2400" strike="noStrike">
-                <a:latin typeface="Arial"/>
+                <a:solidFill>
+                  <a:srgbClr val="000000"/>
+                </a:solidFill>
+                <a:latin typeface="Arial"/>
+                <a:ea typeface="DejaVu Sans"/>
               </a:rPr>
               <a:t>Build in separate directory then copy over, either for development or distribution bundling</a:t>
             </a:r>
@@ -5429,7 +5904,11 @@
             </a:pPr>
             <a:r>
               <a:rPr lang="en-US" sz="2400" strike="noStrike">
-                <a:latin typeface="Arial"/>
+                <a:solidFill>
+                  <a:srgbClr val="000000"/>
+                </a:solidFill>
+                <a:latin typeface="Arial"/>
+                <a:ea typeface="DejaVu Sans"/>
               </a:rPr>
               <a:t>Files that are not affected by builds could as well be in the appropriate directories, e.g. index.html in the templates directory</a:t>
             </a:r>
@@ -5454,7 +5933,11 @@
             </a:pPr>
             <a:r>
               <a:rPr lang="en-US" sz="2400" strike="noStrike">
-                <a:latin typeface="Arial"/>
+                <a:solidFill>
+                  <a:srgbClr val="000000"/>
+                </a:solidFill>
+                <a:latin typeface="Arial"/>
+                <a:ea typeface="DejaVu Sans"/>
               </a:rPr>
               <a:t>Depending on your setup and building tools and dependency requirements/order roughly speaking 4 ways of js deployment are possible: </a:t>
             </a:r>
@@ -5479,7 +5962,11 @@
             </a:pPr>
             <a:r>
               <a:rPr lang="en-US" sz="2000" strike="noStrike">
-                <a:latin typeface="Arial"/>
+                <a:solidFill>
+                  <a:srgbClr val="000000"/>
+                </a:solidFill>
+                <a:latin typeface="Arial"/>
+                <a:ea typeface="DejaVu Sans"/>
               </a:rPr>
               <a:t>Bundled, either with the app.js or independently (incl. via script in index.html)</a:t>
             </a:r>
@@ -5496,7 +5983,11 @@
             </a:pPr>
             <a:r>
               <a:rPr lang="en-US" sz="2000" strike="noStrike">
-                <a:latin typeface="Arial"/>
+                <a:solidFill>
+                  <a:srgbClr val="000000"/>
+                </a:solidFill>
+                <a:latin typeface="Arial"/>
+                <a:ea typeface="DejaVu Sans"/>
               </a:rPr>
               <a:t>Included in the static directory (and loaded via script in index.hml)</a:t>
             </a:r>
@@ -5513,7 +6004,11 @@
             </a:pPr>
             <a:r>
               <a:rPr lang="en-US" sz="2000" strike="noStrike">
-                <a:latin typeface="Arial"/>
+                <a:solidFill>
+                  <a:srgbClr val="000000"/>
+                </a:solidFill>
+                <a:latin typeface="Arial"/>
+                <a:ea typeface="DejaVu Sans"/>
               </a:rPr>
               <a:t>Use of remote library servers (again via script tag in index.html)</a:t>
             </a:r>
@@ -5530,7 +6025,11 @@
             </a:pPr>
             <a:r>
               <a:rPr lang="en-US" sz="2000" strike="noStrike">
-                <a:latin typeface="Arial"/>
+                <a:solidFill>
+                  <a:srgbClr val="000000"/>
+                </a:solidFill>
+                <a:latin typeface="Arial"/>
+                <a:ea typeface="DejaVu Sans"/>
               </a:rPr>
               <a:t>Loaded fully dynamically on demand given used frameworks and loader support it or one uses a third party library or injects/loads js manually</a:t>
             </a:r>
@@ -5589,14 +6088,14 @@
       </p:grpSpPr>
       <p:sp>
         <p:nvSpPr>
-          <p:cNvPr id="101" name="CustomShape 1"/>
+          <p:cNvPr id="100" name="CustomShape 1"/>
           <p:cNvSpPr/>
           <p:nvPr/>
         </p:nvSpPr>
         <p:spPr>
           <a:xfrm>
             <a:off x="504000" y="301320"/>
-            <a:ext cx="9071280" cy="1261800"/>
+            <a:ext cx="9070920" cy="1261440"/>
           </a:xfrm>
           <a:prstGeom prst="rect">
             <a:avLst/>
@@ -5622,7 +6121,11 @@
             </a:pPr>
             <a:r>
               <a:rPr lang="en-US" sz="4400" strike="noStrike">
-                <a:latin typeface="Arial"/>
+                <a:solidFill>
+                  <a:srgbClr val="000000"/>
+                </a:solidFill>
+                <a:latin typeface="Arial"/>
+                <a:ea typeface="DejaVu Sans"/>
               </a:rPr>
               <a:t>Remarks / 'Best Practices' – cont'd</a:t>
             </a:r>
@@ -5632,14 +6135,14 @@
       </p:sp>
       <p:sp>
         <p:nvSpPr>
-          <p:cNvPr id="102" name="CustomShape 2"/>
+          <p:cNvPr id="101" name="CustomShape 2"/>
           <p:cNvSpPr/>
           <p:nvPr/>
         </p:nvSpPr>
         <p:spPr>
           <a:xfrm>
             <a:off x="529920" y="2011680"/>
-            <a:ext cx="9071280" cy="4540320"/>
+            <a:ext cx="9070920" cy="4539960"/>
           </a:xfrm>
           <a:prstGeom prst="rect">
             <a:avLst/>
@@ -5668,7 +6171,11 @@
             </a:pPr>
             <a:r>
               <a:rPr lang="en-US" sz="2800" strike="noStrike">
-                <a:latin typeface="Arial"/>
+                <a:solidFill>
+                  <a:srgbClr val="000000"/>
+                </a:solidFill>
+                <a:latin typeface="Arial"/>
+                <a:ea typeface="DejaVu Sans"/>
               </a:rPr>
               <a:t>Add suffix to resources to indicate app version and avoid caching of older version</a:t>
             </a:r>
@@ -5693,7 +6200,11 @@
             </a:pPr>
             <a:r>
               <a:rPr lang="en-US" sz="2800" strike="noStrike">
-                <a:latin typeface="Arial"/>
+                <a:solidFill>
+                  <a:srgbClr val="000000"/>
+                </a:solidFill>
+                <a:latin typeface="Arial"/>
+                <a:ea typeface="DejaVu Sans"/>
               </a:rPr>
               <a:t>Split up both css and java script dependencies if the project setup and dependency order allows for delayed loading. That said if it doesn't don't split them up since the many initial requests will hurt performance.</a:t>
             </a:r>
@@ -5718,7 +6229,11 @@
             </a:pPr>
             <a:r>
               <a:rPr lang="en-US" sz="2800" strike="noStrike">
-                <a:latin typeface="Arial"/>
+                <a:solidFill>
+                  <a:srgbClr val="000000"/>
+                </a:solidFill>
+                <a:latin typeface="Arial"/>
+                <a:ea typeface="DejaVu Sans"/>
               </a:rPr>
               <a:t>Set up a dev/debug and a production build. Choose tools that allow incremental builds.</a:t>
             </a:r>
@@ -5777,14 +6292,14 @@
       </p:grpSpPr>
       <p:sp>
         <p:nvSpPr>
-          <p:cNvPr id="103" name="CustomShape 1"/>
+          <p:cNvPr id="102" name="CustomShape 1"/>
           <p:cNvSpPr/>
           <p:nvPr/>
         </p:nvSpPr>
         <p:spPr>
           <a:xfrm>
             <a:off x="504000" y="301320"/>
-            <a:ext cx="9071280" cy="1261800"/>
+            <a:ext cx="9070920" cy="1261440"/>
           </a:xfrm>
           <a:prstGeom prst="rect">
             <a:avLst/>
@@ -5810,7 +6325,11 @@
             </a:pPr>
             <a:r>
               <a:rPr lang="en-US" sz="4400" strike="noStrike">
-                <a:latin typeface="Arial"/>
+                <a:solidFill>
+                  <a:srgbClr val="000000"/>
+                </a:solidFill>
+                <a:latin typeface="Arial"/>
+                <a:ea typeface="DejaVu Sans"/>
               </a:rPr>
               <a:t>App - Design Considerations</a:t>
             </a:r>
@@ -5820,14 +6339,14 @@
       </p:sp>
       <p:sp>
         <p:nvSpPr>
-          <p:cNvPr id="104" name="CustomShape 2"/>
+          <p:cNvPr id="103" name="CustomShape 2"/>
           <p:cNvSpPr/>
           <p:nvPr/>
         </p:nvSpPr>
         <p:spPr>
           <a:xfrm>
             <a:off x="504000" y="1769040"/>
-            <a:ext cx="9071280" cy="4814280"/>
+            <a:ext cx="9070920" cy="4813920"/>
           </a:xfrm>
           <a:prstGeom prst="rect">
             <a:avLst/>
@@ -5861,7 +6380,11 @@
             </a:pPr>
             <a:r>
               <a:rPr lang="en-US" sz="2800" strike="noStrike">
-                <a:latin typeface="Arial"/>
+                <a:solidFill>
+                  <a:srgbClr val="000000"/>
+                </a:solidFill>
+                <a:latin typeface="Arial"/>
+                <a:ea typeface="DejaVu Sans"/>
               </a:rPr>
               <a:t>Server/Web resources (web api/web gateway) vs. </a:t>
             </a:r>
@@ -5875,7 +6398,11 @@
             </a:pPr>
             <a:r>
               <a:rPr lang="en-US" sz="2800" strike="noStrike">
-                <a:latin typeface="Arial"/>
+                <a:solidFill>
+                  <a:srgbClr val="000000"/>
+                </a:solidFill>
+                <a:latin typeface="Arial"/>
+                <a:ea typeface="DejaVu Sans"/>
               </a:rPr>
               <a:t>Plugin resources (View.py) vs. </a:t>
             </a:r>
@@ -5889,7 +6416,11 @@
             </a:pPr>
             <a:r>
               <a:rPr lang="en-US" sz="2800" strike="noStrike">
-                <a:latin typeface="Arial"/>
+                <a:solidFill>
+                  <a:srgbClr val="000000"/>
+                </a:solidFill>
+                <a:latin typeface="Arial"/>
+                <a:ea typeface="DejaVu Sans"/>
               </a:rPr>
               <a:t>Server-Side extentions (Blitz Gateway)</a:t>
             </a:r>
@@ -5914,7 +6445,11 @@
             </a:pPr>
             <a:r>
               <a:rPr lang="en-US" sz="2600" strike="noStrike">
-                <a:latin typeface="Arial"/>
+                <a:solidFill>
+                  <a:srgbClr val="000000"/>
+                </a:solidFill>
+                <a:latin typeface="Arial"/>
+                <a:ea typeface="DejaVu Sans"/>
               </a:rPr>
               <a:t>Code Reuse</a:t>
             </a:r>
@@ -5931,7 +6466,11 @@
             </a:pPr>
             <a:r>
               <a:rPr lang="en-US" sz="2600" strike="noStrike">
-                <a:latin typeface="Arial"/>
+                <a:solidFill>
+                  <a:srgbClr val="000000"/>
+                </a:solidFill>
+                <a:latin typeface="Arial"/>
+                <a:ea typeface="DejaVu Sans"/>
               </a:rPr>
               <a:t>Stability/Breaking Potential across Versions</a:t>
             </a:r>
@@ -5948,7 +6487,11 @@
             </a:pPr>
             <a:r>
               <a:rPr lang="en-US" sz="2600" strike="noStrike">
-                <a:latin typeface="Arial"/>
+                <a:solidFill>
+                  <a:srgbClr val="000000"/>
+                </a:solidFill>
+                <a:latin typeface="Arial"/>
+                <a:ea typeface="DejaVu Sans"/>
               </a:rPr>
               <a:t>Missing Functionality</a:t>
             </a:r>
@@ -5965,7 +6508,11 @@
             </a:pPr>
             <a:r>
               <a:rPr lang="en-US" sz="2600" strike="noStrike">
-                <a:latin typeface="Arial"/>
+                <a:solidFill>
+                  <a:srgbClr val="000000"/>
+                </a:solidFill>
+                <a:latin typeface="Arial"/>
+                <a:ea typeface="DejaVu Sans"/>
               </a:rPr>
               <a:t>Release/Bugfix Cycles</a:t>
             </a:r>
@@ -5982,7 +6529,11 @@
             </a:pPr>
             <a:r>
               <a:rPr lang="en-US" sz="2600" strike="noStrike">
-                <a:latin typeface="Arial"/>
+                <a:solidFill>
+                  <a:srgbClr val="000000"/>
+                </a:solidFill>
+                <a:latin typeface="Arial"/>
+                <a:ea typeface="DejaVu Sans"/>
               </a:rPr>
               <a:t>Cross origin implications (jsonp and cors)</a:t>
             </a:r>
@@ -6057,14 +6608,14 @@
       </p:grpSpPr>
       <p:sp>
         <p:nvSpPr>
-          <p:cNvPr id="105" name="CustomShape 1"/>
+          <p:cNvPr id="104" name="CustomShape 1"/>
           <p:cNvSpPr/>
           <p:nvPr/>
         </p:nvSpPr>
         <p:spPr>
           <a:xfrm>
             <a:off x="504000" y="301320"/>
-            <a:ext cx="9071280" cy="1261800"/>
+            <a:ext cx="9070920" cy="1261440"/>
           </a:xfrm>
           <a:prstGeom prst="rect">
             <a:avLst/>
@@ -6090,7 +6641,11 @@
             </a:pPr>
             <a:r>
               <a:rPr lang="en-US" sz="4400" strike="noStrike">
-                <a:latin typeface="Arial"/>
+                <a:solidFill>
+                  <a:srgbClr val="000000"/>
+                </a:solidFill>
+                <a:latin typeface="Arial"/>
+                <a:ea typeface="DejaVu Sans"/>
               </a:rPr>
               <a:t>App - Design Considerations</a:t>
             </a:r>
@@ -6100,14 +6655,14 @@
       </p:sp>
       <p:sp>
         <p:nvSpPr>
-          <p:cNvPr id="106" name="CustomShape 2"/>
+          <p:cNvPr id="105" name="CustomShape 2"/>
           <p:cNvSpPr/>
           <p:nvPr/>
         </p:nvSpPr>
         <p:spPr>
           <a:xfrm>
             <a:off x="504000" y="1769040"/>
-            <a:ext cx="9071280" cy="4814280"/>
+            <a:ext cx="9070920" cy="4813920"/>
           </a:xfrm>
           <a:prstGeom prst="rect">
             <a:avLst/>
@@ -6141,7 +6696,11 @@
             </a:pPr>
             <a:r>
               <a:rPr lang="en-US" sz="2800" strike="noStrike">
-                <a:latin typeface="Arial"/>
+                <a:solidFill>
+                  <a:srgbClr val="000000"/>
+                </a:solidFill>
+                <a:latin typeface="Arial"/>
+                <a:ea typeface="DejaVu Sans"/>
               </a:rPr>
               <a:t>Server/Web resources (web api/web gateway) vs. </a:t>
             </a:r>
@@ -6155,7 +6714,11 @@
             </a:pPr>
             <a:r>
               <a:rPr lang="en-US" sz="2800" strike="noStrike">
-                <a:latin typeface="Arial"/>
+                <a:solidFill>
+                  <a:srgbClr val="000000"/>
+                </a:solidFill>
+                <a:latin typeface="Arial"/>
+                <a:ea typeface="DejaVu Sans"/>
               </a:rPr>
               <a:t>Plugin resources (View.py) vs. </a:t>
             </a:r>
@@ -6169,7 +6732,11 @@
             </a:pPr>
             <a:r>
               <a:rPr lang="en-US" sz="2800" strike="noStrike">
-                <a:latin typeface="Arial"/>
+                <a:solidFill>
+                  <a:srgbClr val="000000"/>
+                </a:solidFill>
+                <a:latin typeface="Arial"/>
+                <a:ea typeface="DejaVu Sans"/>
               </a:rPr>
               <a:t>Server-Side extentions (Blitz Gateway)</a:t>
             </a:r>
@@ -6194,7 +6761,11 @@
             </a:pPr>
             <a:r>
               <a:rPr lang="en-US" sz="2600" strike="noStrike">
-                <a:latin typeface="Arial"/>
+                <a:solidFill>
+                  <a:srgbClr val="000000"/>
+                </a:solidFill>
+                <a:latin typeface="Arial"/>
+                <a:ea typeface="DejaVu Sans"/>
               </a:rPr>
               <a:t>Code Reuse</a:t>
             </a:r>
@@ -6211,7 +6782,11 @@
             </a:pPr>
             <a:r>
               <a:rPr lang="en-US" sz="2600" strike="noStrike">
-                <a:latin typeface="Arial"/>
+                <a:solidFill>
+                  <a:srgbClr val="000000"/>
+                </a:solidFill>
+                <a:latin typeface="Arial"/>
+                <a:ea typeface="DejaVu Sans"/>
               </a:rPr>
               <a:t>Stability/Breaking Potential across Versions</a:t>
             </a:r>
@@ -6228,7 +6803,11 @@
             </a:pPr>
             <a:r>
               <a:rPr lang="en-US" sz="2600" strike="noStrike">
-                <a:latin typeface="Arial"/>
+                <a:solidFill>
+                  <a:srgbClr val="000000"/>
+                </a:solidFill>
+                <a:latin typeface="Arial"/>
+                <a:ea typeface="DejaVu Sans"/>
               </a:rPr>
               <a:t>Missing Functionality</a:t>
             </a:r>
@@ -6245,7 +6824,11 @@
             </a:pPr>
             <a:r>
               <a:rPr lang="en-US" sz="2600" strike="noStrike">
-                <a:latin typeface="Arial"/>
+                <a:solidFill>
+                  <a:srgbClr val="000000"/>
+                </a:solidFill>
+                <a:latin typeface="Arial"/>
+                <a:ea typeface="DejaVu Sans"/>
               </a:rPr>
               <a:t>Release/Bugfix Cycles</a:t>
             </a:r>
@@ -6262,7 +6845,11 @@
             </a:pPr>
             <a:r>
               <a:rPr lang="en-US" sz="2600" strike="noStrike">
-                <a:latin typeface="Arial"/>
+                <a:solidFill>
+                  <a:srgbClr val="000000"/>
+                </a:solidFill>
+                <a:latin typeface="Arial"/>
+                <a:ea typeface="DejaVu Sans"/>
               </a:rPr>
               <a:t>Cross origin implications (jsonp and cors)</a:t>
             </a:r>

--- a/training/apps.pptx
+++ b/training/apps.pptx
@@ -19,6 +19,7 @@
     <p:sldId id="266" r:id="rId14"/>
     <p:sldId id="267" r:id="rId15"/>
     <p:sldId id="268" r:id="rId16"/>
+    <p:sldId id="269" r:id="rId17"/>
   </p:sldIdLst>
   <p:sldSz cx="10080625" cy="7559675"/>
   <p:notesSz cx="7772400" cy="10058400"/>
@@ -2363,7 +2364,7 @@
         <p:spPr>
           <a:xfrm>
             <a:off x="504000" y="301320"/>
-            <a:ext cx="9070920" cy="1261440"/>
+            <a:ext cx="9072000" cy="1261800"/>
           </a:xfrm>
           <a:prstGeom prst="rect">
             <a:avLst/>
@@ -2373,6 +2374,12 @@
           <a:bodyPr lIns="0" rIns="0" tIns="0" bIns="0" anchor="ctr"/>
           <a:p>
             <a:pPr algn="ctr"/>
+            <a:r>
+              <a:rPr lang="en-US" sz="4400">
+                <a:latin typeface="Arial"/>
+              </a:rPr>
+              <a:t>Click to edit the title text format</a:t>
+            </a:r>
             <a:endParaRPr/>
           </a:p>
         </p:txBody>
@@ -2389,8 +2396,8 @@
         </p:nvSpPr>
         <p:spPr>
           <a:xfrm>
-            <a:off x="504000" y="1769040"/>
-            <a:ext cx="9070920" cy="4383720"/>
+            <a:off x="504000" y="1768680"/>
+            <a:ext cx="9072000" cy="4384080"/>
           </a:xfrm>
           <a:prstGeom prst="rect">
             <a:avLst/>
@@ -2405,7 +2412,7 @@
               <a:buChar char=""/>
             </a:pPr>
             <a:r>
-              <a:rPr lang="en-US">
+              <a:rPr lang="en-US" sz="3200">
                 <a:latin typeface="Arial"/>
               </a:rPr>
               <a:t>Click to edit the outline text format</a:t>
@@ -2419,7 +2426,7 @@
               <a:buChar char=""/>
             </a:pPr>
             <a:r>
-              <a:rPr lang="en-US">
+              <a:rPr lang="en-US" sz="2800">
                 <a:latin typeface="Arial"/>
               </a:rPr>
               <a:t>Second Outline Level</a:t>
@@ -2433,7 +2440,7 @@
               <a:buChar char=""/>
             </a:pPr>
             <a:r>
-              <a:rPr lang="en-US">
+              <a:rPr lang="en-US" sz="2400">
                 <a:latin typeface="Arial"/>
               </a:rPr>
               <a:t>Third Outline Level</a:t>
@@ -2447,7 +2454,7 @@
               <a:buChar char=""/>
             </a:pPr>
             <a:r>
-              <a:rPr lang="en-US">
+              <a:rPr lang="en-US" sz="2000">
                 <a:latin typeface="Arial"/>
               </a:rPr>
               <a:t>Fourth Outline Level</a:t>
@@ -2461,7 +2468,7 @@
               <a:buChar char=""/>
             </a:pPr>
             <a:r>
-              <a:rPr lang="en-US">
+              <a:rPr lang="en-US" sz="2000">
                 <a:latin typeface="Arial"/>
               </a:rPr>
               <a:t>Fifth Outline Level</a:t>
@@ -2475,7 +2482,7 @@
               <a:buChar char=""/>
             </a:pPr>
             <a:r>
-              <a:rPr lang="en-US">
+              <a:rPr lang="en-US" sz="2000">
                 <a:latin typeface="Arial"/>
               </a:rPr>
               <a:t>Sixth Outline Level</a:t>
@@ -2489,7 +2496,7 @@
               <a:buChar char=""/>
             </a:pPr>
             <a:r>
-              <a:rPr lang="en-US">
+              <a:rPr lang="en-US" sz="2000">
                 <a:latin typeface="Arial"/>
               </a:rPr>
               <a:t>Seventh Outline Level</a:t>
@@ -2735,7 +2742,7 @@
         <p:spPr>
           <a:xfrm>
             <a:off x="504000" y="301320"/>
-            <a:ext cx="9070920" cy="1261440"/>
+            <a:ext cx="9070560" cy="1261080"/>
           </a:xfrm>
           <a:prstGeom prst="rect">
             <a:avLst/>
@@ -2782,7 +2789,7 @@
         <p:spPr>
           <a:xfrm>
             <a:off x="457200" y="1371600"/>
-            <a:ext cx="9143280" cy="5851800"/>
+            <a:ext cx="9142920" cy="5851440"/>
           </a:xfrm>
           <a:prstGeom prst="rect">
             <a:avLst/>
@@ -2977,7 +2984,7 @@
         <p:spPr>
           <a:xfrm>
             <a:off x="6217920" y="2011680"/>
-            <a:ext cx="3199680" cy="4754160"/>
+            <a:ext cx="3199320" cy="4753800"/>
           </a:xfrm>
           <a:prstGeom prst="rect">
             <a:avLst/>
@@ -3266,7 +3273,7 @@
         <p:spPr>
           <a:xfrm>
             <a:off x="914400" y="2834640"/>
-            <a:ext cx="1279440" cy="639360"/>
+            <a:ext cx="1279080" cy="639000"/>
           </a:xfrm>
           <a:prstGeom prst="ellipse">
             <a:avLst/>
@@ -3317,7 +3324,7 @@
         <p:spPr>
           <a:xfrm>
             <a:off x="731520" y="3749040"/>
-            <a:ext cx="2010960" cy="913680"/>
+            <a:ext cx="2010600" cy="913320"/>
           </a:xfrm>
           <a:prstGeom prst="ellipse">
             <a:avLst/>
@@ -3480,7 +3487,7 @@
         <p:spPr>
           <a:xfrm>
             <a:off x="822960" y="4937760"/>
-            <a:ext cx="2010960" cy="730800"/>
+            <a:ext cx="2010600" cy="730440"/>
           </a:xfrm>
           <a:prstGeom prst="ellipse">
             <a:avLst/>
@@ -3532,7 +3539,7 @@
         <p:spPr>
           <a:xfrm>
             <a:off x="6217920" y="5943600"/>
-            <a:ext cx="3199680" cy="822240"/>
+            <a:ext cx="3199320" cy="821880"/>
           </a:xfrm>
           <a:prstGeom prst="rect">
             <a:avLst/>
@@ -3731,7 +3738,7 @@
         <p:spPr>
           <a:xfrm>
             <a:off x="6675120" y="2926080"/>
-            <a:ext cx="1919520" cy="365040"/>
+            <a:ext cx="1919160" cy="364680"/>
           </a:xfrm>
           <a:prstGeom prst="rect">
             <a:avLst/>
@@ -3784,7 +3791,7 @@
         <p:spPr>
           <a:xfrm>
             <a:off x="6217920" y="3383280"/>
-            <a:ext cx="3199680" cy="1462320"/>
+            <a:ext cx="3199320" cy="1461960"/>
           </a:xfrm>
           <a:prstGeom prst="rect">
             <a:avLst/>
@@ -3813,7 +3820,7 @@
         <p:spPr>
           <a:xfrm>
             <a:off x="2834640" y="4480560"/>
-            <a:ext cx="1919520" cy="365040"/>
+            <a:ext cx="1919160" cy="364680"/>
           </a:xfrm>
           <a:prstGeom prst="rect">
             <a:avLst/>
@@ -3938,7 +3945,7 @@
         <p:spPr>
           <a:xfrm>
             <a:off x="504000" y="301320"/>
-            <a:ext cx="9070920" cy="1261440"/>
+            <a:ext cx="9070560" cy="1261080"/>
           </a:xfrm>
           <a:prstGeom prst="rect">
             <a:avLst/>
@@ -3985,7 +3992,7 @@
         <p:spPr>
           <a:xfrm>
             <a:off x="504000" y="1769040"/>
-            <a:ext cx="9070920" cy="4813920"/>
+            <a:ext cx="9070560" cy="4813560"/>
           </a:xfrm>
           <a:prstGeom prst="rect">
             <a:avLst/>
@@ -4084,7 +4091,7 @@
         <p:spPr>
           <a:xfrm>
             <a:off x="504000" y="301320"/>
-            <a:ext cx="9070920" cy="1261440"/>
+            <a:ext cx="9070560" cy="1261080"/>
           </a:xfrm>
           <a:prstGeom prst="rect">
             <a:avLst/>
@@ -4131,7 +4138,7 @@
         <p:spPr>
           <a:xfrm>
             <a:off x="504000" y="1769040"/>
-            <a:ext cx="9070920" cy="4813920"/>
+            <a:ext cx="9070560" cy="4813560"/>
           </a:xfrm>
           <a:prstGeom prst="rect">
             <a:avLst/>
@@ -4230,7 +4237,7 @@
         <p:spPr>
           <a:xfrm>
             <a:off x="504000" y="301320"/>
-            <a:ext cx="9070920" cy="1261440"/>
+            <a:ext cx="9070560" cy="1261080"/>
           </a:xfrm>
           <a:prstGeom prst="rect">
             <a:avLst/>
@@ -4277,7 +4284,7 @@
         <p:spPr>
           <a:xfrm>
             <a:off x="504000" y="1769040"/>
-            <a:ext cx="9070920" cy="4813920"/>
+            <a:ext cx="9070560" cy="4813560"/>
           </a:xfrm>
           <a:prstGeom prst="rect">
             <a:avLst/>
@@ -4411,14 +4418,14 @@
       </p:grpSpPr>
       <p:sp>
         <p:nvSpPr>
-          <p:cNvPr id="112" name="TextShape 1"/>
-          <p:cNvSpPr txBox="1"/>
+          <p:cNvPr id="112" name="CustomShape 1"/>
+          <p:cNvSpPr/>
           <p:nvPr/>
         </p:nvSpPr>
         <p:spPr>
           <a:xfrm>
             <a:off x="2863440" y="3558240"/>
-            <a:ext cx="6309360" cy="548640"/>
+            <a:ext cx="6309000" cy="548280"/>
           </a:xfrm>
           <a:prstGeom prst="rect">
             <a:avLst/>
@@ -4428,11 +4435,17 @@
             <a:noFill/>
           </a:ln>
         </p:spPr>
+        <p:style>
+          <a:lnRef idx="0"/>
+          <a:fillRef idx="0"/>
+          <a:effectRef idx="0"/>
+          <a:fontRef idx="minor"/>
+        </p:style>
         <p:txBody>
           <a:bodyPr lIns="90000" rIns="90000" tIns="45000" bIns="45000"/>
           <a:p>
             <a:r>
-              <a:rPr lang="en-US">
+              <a:rPr lang="en-US" strike="noStrike">
                 <a:latin typeface="Arial"/>
               </a:rPr>
               <a:t>Contains the built ol3-viewer – not in git. Triggered on build</a:t>
@@ -4443,14 +4456,14 @@
       </p:sp>
       <p:sp>
         <p:nvSpPr>
-          <p:cNvPr id="113" name="TextShape 2"/>
-          <p:cNvSpPr txBox="1"/>
+          <p:cNvPr id="113" name="CustomShape 2"/>
+          <p:cNvSpPr/>
           <p:nvPr/>
         </p:nvSpPr>
         <p:spPr>
           <a:xfrm>
             <a:off x="2863440" y="4106880"/>
-            <a:ext cx="6309360" cy="560520"/>
+            <a:ext cx="6309000" cy="560160"/>
           </a:xfrm>
           <a:prstGeom prst="rect">
             <a:avLst/>
@@ -4460,11 +4473,17 @@
             <a:noFill/>
           </a:ln>
         </p:spPr>
+        <p:style>
+          <a:lnRef idx="0"/>
+          <a:fillRef idx="0"/>
+          <a:effectRef idx="0"/>
+          <a:fontRef idx="minor"/>
+        </p:style>
         <p:txBody>
           <a:bodyPr lIns="90000" rIns="90000" tIns="45000" bIns="45000"/>
           <a:p>
             <a:r>
-              <a:rPr lang="en-US">
+              <a:rPr lang="en-US" strike="noStrike">
                 <a:latin typeface="Arial"/>
               </a:rPr>
               <a:t>Download directory for dependencies (on npm install)</a:t>
@@ -4475,14 +4494,14 @@
       </p:sp>
       <p:sp>
         <p:nvSpPr>
-          <p:cNvPr id="114" name="TextShape 3"/>
-          <p:cNvSpPr txBox="1"/>
+          <p:cNvPr id="114" name="CustomShape 3"/>
+          <p:cNvSpPr/>
           <p:nvPr/>
         </p:nvSpPr>
         <p:spPr>
           <a:xfrm>
             <a:off x="2834640" y="4663440"/>
-            <a:ext cx="6217920" cy="403560"/>
+            <a:ext cx="6217560" cy="403200"/>
           </a:xfrm>
           <a:prstGeom prst="rect">
             <a:avLst/>
@@ -4492,11 +4511,17 @@
             <a:noFill/>
           </a:ln>
         </p:spPr>
+        <p:style>
+          <a:lnRef idx="0"/>
+          <a:fillRef idx="0"/>
+          <a:effectRef idx="0"/>
+          <a:fontRef idx="minor"/>
+        </p:style>
         <p:txBody>
           <a:bodyPr lIns="90000" rIns="90000" tIns="45000" bIns="45000"/>
           <a:p>
             <a:r>
-              <a:rPr lang="en-US">
+              <a:rPr lang="en-US" strike="noStrike">
                 <a:latin typeface="Arial"/>
               </a:rPr>
               <a:t>Contains ol3-sources</a:t>
@@ -4507,14 +4532,14 @@
       </p:sp>
       <p:sp>
         <p:nvSpPr>
-          <p:cNvPr id="115" name="TextShape 4"/>
-          <p:cNvSpPr txBox="1"/>
+          <p:cNvPr id="115" name="CustomShape 4"/>
+          <p:cNvSpPr/>
           <p:nvPr/>
         </p:nvSpPr>
         <p:spPr>
           <a:xfrm>
             <a:off x="2834640" y="5067000"/>
-            <a:ext cx="6400800" cy="602280"/>
+            <a:ext cx="6400440" cy="601920"/>
           </a:xfrm>
           <a:prstGeom prst="rect">
             <a:avLst/>
@@ -4524,11 +4549,17 @@
             <a:noFill/>
           </a:ln>
         </p:spPr>
+        <p:style>
+          <a:lnRef idx="0"/>
+          <a:fillRef idx="0"/>
+          <a:effectRef idx="0"/>
+          <a:fontRef idx="minor"/>
+        </p:style>
         <p:txBody>
           <a:bodyPr lIns="90000" rIns="90000" tIns="45000" bIns="45000"/>
           <a:p>
             <a:r>
-              <a:rPr lang="en-US">
+              <a:rPr lang="en-US" strike="noStrike">
                 <a:latin typeface="Arial"/>
               </a:rPr>
               <a:t>Django Plugin Directories – needs to be added to  PYTHONPATH for local setup</a:t>
@@ -4539,14 +4570,14 @@
       </p:sp>
       <p:sp>
         <p:nvSpPr>
-          <p:cNvPr id="116" name="TextShape 5"/>
-          <p:cNvSpPr txBox="1"/>
+          <p:cNvPr id="116" name="CustomShape 5"/>
+          <p:cNvSpPr/>
           <p:nvPr/>
         </p:nvSpPr>
         <p:spPr>
           <a:xfrm>
             <a:off x="2834640" y="6217920"/>
-            <a:ext cx="6309360" cy="457200"/>
+            <a:ext cx="6309000" cy="456840"/>
           </a:xfrm>
           <a:prstGeom prst="rect">
             <a:avLst/>
@@ -4556,11 +4587,17 @@
             <a:noFill/>
           </a:ln>
         </p:spPr>
+        <p:style>
+          <a:lnRef idx="0"/>
+          <a:fillRef idx="0"/>
+          <a:effectRef idx="0"/>
+          <a:fontRef idx="minor"/>
+        </p:style>
         <p:txBody>
           <a:bodyPr lIns="90000" rIns="90000" tIns="45000" bIns="45000"/>
           <a:p>
             <a:r>
-              <a:rPr lang="en-US">
+              <a:rPr lang="en-US" strike="noStrike">
                 <a:latin typeface="Arial"/>
               </a:rPr>
               <a:t>Js unit tests</a:t>
@@ -4571,14 +4608,14 @@
       </p:sp>
       <p:sp>
         <p:nvSpPr>
-          <p:cNvPr id="117" name="TextShape 6"/>
-          <p:cNvSpPr txBox="1"/>
+          <p:cNvPr id="117" name="CustomShape 6"/>
+          <p:cNvSpPr/>
           <p:nvPr/>
         </p:nvSpPr>
         <p:spPr>
           <a:xfrm>
             <a:off x="2834640" y="5760720"/>
-            <a:ext cx="6035040" cy="365760"/>
+            <a:ext cx="6034680" cy="365400"/>
           </a:xfrm>
           <a:prstGeom prst="rect">
             <a:avLst/>
@@ -4588,11 +4625,17 @@
             <a:noFill/>
           </a:ln>
         </p:spPr>
+        <p:style>
+          <a:lnRef idx="0"/>
+          <a:fillRef idx="0"/>
+          <a:effectRef idx="0"/>
+          <a:fontRef idx="minor"/>
+        </p:style>
         <p:txBody>
           <a:bodyPr lIns="90000" rIns="90000" tIns="45000" bIns="45000"/>
           <a:p>
             <a:r>
-              <a:rPr lang="en-US">
+              <a:rPr lang="en-US" strike="noStrike">
                 <a:latin typeface="Arial"/>
               </a:rPr>
               <a:t>All sources other than ol3 viewer, i.e. aurelia bit</a:t>
@@ -4614,7 +4657,7 @@
         <p:spPr>
           <a:xfrm>
             <a:off x="457200" y="836640"/>
-            <a:ext cx="2295000" cy="6295680"/>
+            <a:ext cx="2294640" cy="6295320"/>
           </a:xfrm>
           <a:prstGeom prst="rect">
             <a:avLst/>
@@ -4626,14 +4669,14 @@
       </p:pic>
       <p:sp>
         <p:nvSpPr>
-          <p:cNvPr id="119" name="TextShape 7"/>
-          <p:cNvSpPr txBox="1"/>
+          <p:cNvPr id="119" name="CustomShape 7"/>
+          <p:cNvSpPr/>
           <p:nvPr/>
         </p:nvSpPr>
         <p:spPr>
           <a:xfrm>
             <a:off x="2834640" y="3069000"/>
-            <a:ext cx="6309360" cy="457200"/>
+            <a:ext cx="6309000" cy="456840"/>
           </a:xfrm>
           <a:prstGeom prst="rect">
             <a:avLst/>
@@ -4643,11 +4686,17 @@
             <a:noFill/>
           </a:ln>
         </p:spPr>
+        <p:style>
+          <a:lnRef idx="0"/>
+          <a:fillRef idx="0"/>
+          <a:effectRef idx="0"/>
+          <a:fontRef idx="minor"/>
+        </p:style>
         <p:txBody>
           <a:bodyPr lIns="90000" rIns="90000" tIns="45000" bIns="45000"/>
           <a:p>
             <a:r>
-              <a:rPr lang="en-US">
+              <a:rPr lang="en-US" strike="noStrike">
                 <a:latin typeface="Arial"/>
               </a:rPr>
               <a:t>Css as well as images</a:t>
@@ -4658,14 +4707,14 @@
       </p:sp>
       <p:sp>
         <p:nvSpPr>
-          <p:cNvPr id="120" name="TextShape 8"/>
-          <p:cNvSpPr txBox="1"/>
+          <p:cNvPr id="120" name="CustomShape 8"/>
+          <p:cNvSpPr/>
           <p:nvPr/>
         </p:nvSpPr>
         <p:spPr>
           <a:xfrm>
             <a:off x="2834640" y="2468880"/>
-            <a:ext cx="6309360" cy="457200"/>
+            <a:ext cx="6309000" cy="456840"/>
           </a:xfrm>
           <a:prstGeom prst="rect">
             <a:avLst/>
@@ -4675,11 +4724,17 @@
             <a:noFill/>
           </a:ln>
         </p:spPr>
+        <p:style>
+          <a:lnRef idx="0"/>
+          <a:fillRef idx="0"/>
+          <a:effectRef idx="0"/>
+          <a:fontRef idx="minor"/>
+        </p:style>
         <p:txBody>
           <a:bodyPr lIns="90000" rIns="90000" tIns="45000" bIns="45000"/>
           <a:p>
             <a:r>
-              <a:rPr lang="en-US">
+              <a:rPr lang="en-US" strike="noStrike">
                 <a:latin typeface="Arial"/>
               </a:rPr>
               <a:t>Closure Compiler and dependency calculation script</a:t>
@@ -4690,14 +4745,14 @@
       </p:sp>
       <p:sp>
         <p:nvSpPr>
-          <p:cNvPr id="121" name="TextShape 9"/>
-          <p:cNvSpPr txBox="1"/>
+          <p:cNvPr id="121" name="CustomShape 9"/>
+          <p:cNvSpPr/>
           <p:nvPr/>
         </p:nvSpPr>
         <p:spPr>
           <a:xfrm>
             <a:off x="2834640" y="1920240"/>
-            <a:ext cx="6309360" cy="457200"/>
+            <a:ext cx="6309000" cy="456840"/>
           </a:xfrm>
           <a:prstGeom prst="rect">
             <a:avLst/>
@@ -4707,11 +4762,17 @@
             <a:noFill/>
           </a:ln>
         </p:spPr>
+        <p:style>
+          <a:lnRef idx="0"/>
+          <a:fillRef idx="0"/>
+          <a:effectRef idx="0"/>
+          <a:fontRef idx="minor"/>
+        </p:style>
         <p:txBody>
           <a:bodyPr lIns="90000" rIns="90000" tIns="45000" bIns="45000"/>
           <a:p>
             <a:r>
-              <a:rPr lang="en-US">
+              <a:rPr lang="en-US" strike="noStrike">
                 <a:latin typeface="Arial"/>
               </a:rPr>
               <a:t>Build directory for all components</a:t>
@@ -4729,6 +4790,270 @@
           <p:childTnLst>
             <p:seq>
               <p:cTn id="26" nodeType="mainSeq"/>
+              <p:prevCondLst>
+                <p:cond delay="0" evt="onPrev">
+                  <p:tgtEl>
+                    <p:sldTgt/>
+                  </p:tgtEl>
+                </p:cond>
+              </p:prevCondLst>
+              <p:nextCondLst>
+                <p:cond delay="0" evt="onNext">
+                  <p:tgtEl>
+                    <p:sldTgt/>
+                  </p:tgtEl>
+                </p:cond>
+              </p:nextCondLst>
+            </p:seq>
+          </p:childTnLst>
+        </p:cTn>
+      </p:par>
+    </p:tnLst>
+  </p:timing>
+</p:sld>
+</file>
+
+<file path=ppt/slides/slide14.xml><?xml version="1.0" encoding="utf-8"?>
+<p:sld xmlns:a="http://schemas.openxmlformats.org/drawingml/2006/main" xmlns:p="http://schemas.openxmlformats.org/presentationml/2006/main" xmlns:r="http://schemas.openxmlformats.org/officeDocument/2006/relationships">
+  <p:cSld>
+    <p:spTree>
+      <p:nvGrpSpPr>
+        <p:cNvPr id="1" name=""/>
+        <p:cNvGrpSpPr/>
+        <p:nvPr/>
+      </p:nvGrpSpPr>
+      <p:grpSpPr>
+        <a:xfrm>
+          <a:off x="0" y="0"/>
+          <a:ext cx="0" cy="0"/>
+          <a:chOff x="0" y="0"/>
+          <a:chExt cx="0" cy="0"/>
+        </a:xfrm>
+      </p:grpSpPr>
+      <p:pic>
+        <p:nvPicPr>
+          <p:cNvPr id="122" name="" descr=""/>
+          <p:cNvPicPr/>
+          <p:nvPr/>
+        </p:nvPicPr>
+        <p:blipFill>
+          <a:blip r:embed="rId1"/>
+          <a:stretch/>
+        </p:blipFill>
+        <p:spPr>
+          <a:xfrm>
+            <a:off x="731520" y="705240"/>
+            <a:ext cx="2923920" cy="6152760"/>
+          </a:xfrm>
+          <a:prstGeom prst="rect">
+            <a:avLst/>
+          </a:prstGeom>
+          <a:ln>
+            <a:noFill/>
+          </a:ln>
+        </p:spPr>
+      </p:pic>
+      <p:sp>
+        <p:nvSpPr>
+          <p:cNvPr id="123" name="TextShape 1"/>
+          <p:cNvSpPr txBox="1"/>
+          <p:nvPr/>
+        </p:nvSpPr>
+        <p:spPr>
+          <a:xfrm>
+            <a:off x="3931920" y="4846320"/>
+            <a:ext cx="4663440" cy="602280"/>
+          </a:xfrm>
+          <a:prstGeom prst="rect">
+            <a:avLst/>
+          </a:prstGeom>
+          <a:noFill/>
+          <a:ln>
+            <a:noFill/>
+          </a:ln>
+        </p:spPr>
+        <p:txBody>
+          <a:bodyPr lIns="90000" rIns="90000" tIns="45000" bIns="45000"/>
+          <a:p>
+            <a:r>
+              <a:rPr lang="en-US">
+                <a:latin typeface="Arial"/>
+              </a:rPr>
+              <a:t>All sources except demo</a:t>
+            </a:r>
+            <a:endParaRPr/>
+          </a:p>
+        </p:txBody>
+      </p:sp>
+      <p:sp>
+        <p:nvSpPr>
+          <p:cNvPr id="124" name="TextShape 2"/>
+          <p:cNvSpPr txBox="1"/>
+          <p:nvPr/>
+        </p:nvSpPr>
+        <p:spPr>
+          <a:xfrm>
+            <a:off x="3931920" y="5577840"/>
+            <a:ext cx="4023360" cy="346320"/>
+          </a:xfrm>
+          <a:prstGeom prst="rect">
+            <a:avLst/>
+          </a:prstGeom>
+          <a:noFill/>
+          <a:ln>
+            <a:noFill/>
+          </a:ln>
+        </p:spPr>
+        <p:txBody>
+          <a:bodyPr lIns="90000" rIns="90000" tIns="45000" bIns="45000"/>
+          <a:p>
+            <a:r>
+              <a:rPr lang="en-US">
+                <a:latin typeface="Arial"/>
+              </a:rPr>
+              <a:t>The build configuration</a:t>
+            </a:r>
+            <a:endParaRPr/>
+          </a:p>
+        </p:txBody>
+      </p:sp>
+      <p:sp>
+        <p:nvSpPr>
+          <p:cNvPr id="125" name="TextShape 3"/>
+          <p:cNvSpPr txBox="1"/>
+          <p:nvPr/>
+        </p:nvSpPr>
+        <p:spPr>
+          <a:xfrm>
+            <a:off x="3975840" y="6145920"/>
+            <a:ext cx="5259600" cy="602280"/>
+          </a:xfrm>
+          <a:prstGeom prst="rect">
+            <a:avLst/>
+          </a:prstGeom>
+          <a:noFill/>
+          <a:ln>
+            <a:noFill/>
+          </a:ln>
+        </p:spPr>
+        <p:txBody>
+          <a:bodyPr lIns="90000" rIns="90000" tIns="45000" bIns="45000"/>
+          <a:p>
+            <a:r>
+              <a:rPr lang="en-US">
+                <a:latin typeface="Arial"/>
+              </a:rPr>
+              <a:t>Dependencies Definition – used for npm install</a:t>
+            </a:r>
+            <a:endParaRPr/>
+          </a:p>
+        </p:txBody>
+      </p:sp>
+      <p:sp>
+        <p:nvSpPr>
+          <p:cNvPr id="126" name="TextShape 4"/>
+          <p:cNvSpPr txBox="1"/>
+          <p:nvPr/>
+        </p:nvSpPr>
+        <p:spPr>
+          <a:xfrm>
+            <a:off x="3931920" y="3474720"/>
+            <a:ext cx="4297680" cy="346320"/>
+          </a:xfrm>
+          <a:prstGeom prst="rect">
+            <a:avLst/>
+          </a:prstGeom>
+          <a:noFill/>
+          <a:ln>
+            <a:noFill/>
+          </a:ln>
+        </p:spPr>
+        <p:txBody>
+          <a:bodyPr lIns="90000" rIns="90000" tIns="45000" bIns="45000"/>
+          <a:p>
+            <a:r>
+              <a:rPr lang="en-US">
+                <a:latin typeface="Arial"/>
+              </a:rPr>
+              <a:t>The Plugin/Deployment Directory</a:t>
+            </a:r>
+            <a:endParaRPr/>
+          </a:p>
+        </p:txBody>
+      </p:sp>
+      <p:sp>
+        <p:nvSpPr>
+          <p:cNvPr id="127" name="TextShape 5"/>
+          <p:cNvSpPr txBox="1"/>
+          <p:nvPr/>
+        </p:nvSpPr>
+        <p:spPr>
+          <a:xfrm>
+            <a:off x="3931920" y="2743200"/>
+            <a:ext cx="5259600" cy="602280"/>
+          </a:xfrm>
+          <a:prstGeom prst="rect">
+            <a:avLst/>
+          </a:prstGeom>
+          <a:noFill/>
+          <a:ln>
+            <a:noFill/>
+          </a:ln>
+        </p:spPr>
+        <p:txBody>
+          <a:bodyPr lIns="90000" rIns="90000" tIns="45000" bIns="45000"/>
+          <a:p>
+            <a:r>
+              <a:rPr lang="en-US">
+                <a:latin typeface="Arial"/>
+              </a:rPr>
+              <a:t>Dependencies Download Folder</a:t>
+            </a:r>
+            <a:endParaRPr/>
+          </a:p>
+        </p:txBody>
+      </p:sp>
+      <p:sp>
+        <p:nvSpPr>
+          <p:cNvPr id="128" name="TextShape 6"/>
+          <p:cNvSpPr txBox="1"/>
+          <p:nvPr/>
+        </p:nvSpPr>
+        <p:spPr>
+          <a:xfrm>
+            <a:off x="4023360" y="2103120"/>
+            <a:ext cx="3657600" cy="346320"/>
+          </a:xfrm>
+          <a:prstGeom prst="rect">
+            <a:avLst/>
+          </a:prstGeom>
+          <a:noFill/>
+          <a:ln>
+            <a:noFill/>
+          </a:ln>
+        </p:spPr>
+        <p:txBody>
+          <a:bodyPr lIns="90000" rIns="90000" tIns="45000" bIns="45000"/>
+          <a:p>
+            <a:r>
+              <a:rPr lang="en-US">
+                <a:latin typeface="Arial"/>
+              </a:rPr>
+              <a:t>Demo App</a:t>
+            </a:r>
+            <a:endParaRPr/>
+          </a:p>
+        </p:txBody>
+      </p:sp>
+    </p:spTree>
+  </p:cSld>
+  <p:timing>
+    <p:tnLst>
+      <p:par>
+        <p:cTn id="27" dur="indefinite" restart="never" nodeType="tmRoot">
+          <p:childTnLst>
+            <p:seq>
+              <p:cTn id="28" nodeType="mainSeq"/>
               <p:prevCondLst>
                 <p:cond delay="0" evt="onPrev">
                   <p:tgtEl>
@@ -4778,7 +5103,7 @@
         <p:spPr>
           <a:xfrm>
             <a:off x="504000" y="301320"/>
-            <a:ext cx="9070920" cy="1261440"/>
+            <a:ext cx="9070560" cy="1261080"/>
           </a:xfrm>
           <a:prstGeom prst="rect">
             <a:avLst/>
@@ -4825,7 +5150,7 @@
         <p:spPr>
           <a:xfrm>
             <a:off x="2468880" y="1828800"/>
-            <a:ext cx="4165200" cy="1109160"/>
+            <a:ext cx="4164840" cy="1108800"/>
           </a:xfrm>
           <a:prstGeom prst="rect">
             <a:avLst/>
@@ -4887,7 +5212,7 @@
         <p:spPr>
           <a:xfrm>
             <a:off x="1463040" y="3225600"/>
-            <a:ext cx="6308640" cy="3083040"/>
+            <a:ext cx="6308280" cy="3082680"/>
           </a:xfrm>
           <a:prstGeom prst="rect">
             <a:avLst/>
@@ -4955,7 +5280,7 @@
         <p:spPr>
           <a:xfrm>
             <a:off x="504000" y="301320"/>
-            <a:ext cx="9070920" cy="1261440"/>
+            <a:ext cx="9070560" cy="1261080"/>
           </a:xfrm>
           <a:prstGeom prst="rect">
             <a:avLst/>
@@ -5002,7 +5327,7 @@
         <p:spPr>
           <a:xfrm>
             <a:off x="504360" y="1769400"/>
-            <a:ext cx="9070920" cy="4383720"/>
+            <a:ext cx="9070560" cy="4383360"/>
           </a:xfrm>
           <a:prstGeom prst="rect">
             <a:avLst/>
@@ -5127,7 +5452,7 @@
         <p:spPr>
           <a:xfrm>
             <a:off x="3660480" y="3236400"/>
-            <a:ext cx="5757120" cy="3438000"/>
+            <a:ext cx="5756760" cy="3437640"/>
           </a:xfrm>
           <a:prstGeom prst="rect">
             <a:avLst/>
@@ -5195,7 +5520,7 @@
         <p:spPr>
           <a:xfrm>
             <a:off x="504000" y="301320"/>
-            <a:ext cx="9070920" cy="1261440"/>
+            <a:ext cx="9070560" cy="1261080"/>
           </a:xfrm>
           <a:prstGeom prst="rect">
             <a:avLst/>
@@ -5242,7 +5567,7 @@
         <p:spPr>
           <a:xfrm>
             <a:off x="438480" y="1371600"/>
-            <a:ext cx="9070920" cy="5943240"/>
+            <a:ext cx="9070560" cy="5942880"/>
           </a:xfrm>
           <a:prstGeom prst="rect">
             <a:avLst/>
@@ -5680,7 +6005,7 @@
         <p:spPr>
           <a:xfrm>
             <a:off x="504000" y="301320"/>
-            <a:ext cx="9070920" cy="1261440"/>
+            <a:ext cx="9070560" cy="1261080"/>
           </a:xfrm>
           <a:prstGeom prst="rect">
             <a:avLst/>
@@ -5731,7 +6056,7 @@
         <p:spPr>
           <a:xfrm>
             <a:off x="548640" y="1449360"/>
-            <a:ext cx="8801280" cy="5499360"/>
+            <a:ext cx="8800920" cy="5499000"/>
           </a:xfrm>
           <a:prstGeom prst="rect">
             <a:avLst/>
@@ -5799,7 +6124,7 @@
         <p:spPr>
           <a:xfrm>
             <a:off x="504000" y="301320"/>
-            <a:ext cx="9070920" cy="1069920"/>
+            <a:ext cx="9070560" cy="1069560"/>
           </a:xfrm>
           <a:prstGeom prst="rect">
             <a:avLst/>
@@ -5846,7 +6171,7 @@
         <p:spPr>
           <a:xfrm>
             <a:off x="504000" y="1371600"/>
-            <a:ext cx="9070920" cy="5394240"/>
+            <a:ext cx="9070560" cy="5393880"/>
           </a:xfrm>
           <a:prstGeom prst="rect">
             <a:avLst/>
@@ -6095,7 +6420,7 @@
         <p:spPr>
           <a:xfrm>
             <a:off x="504000" y="301320"/>
-            <a:ext cx="9070920" cy="1261440"/>
+            <a:ext cx="9070560" cy="1261080"/>
           </a:xfrm>
           <a:prstGeom prst="rect">
             <a:avLst/>
@@ -6142,7 +6467,7 @@
         <p:spPr>
           <a:xfrm>
             <a:off x="529920" y="2011680"/>
-            <a:ext cx="9070920" cy="4539960"/>
+            <a:ext cx="9070560" cy="4539600"/>
           </a:xfrm>
           <a:prstGeom prst="rect">
             <a:avLst/>
@@ -6299,7 +6624,7 @@
         <p:spPr>
           <a:xfrm>
             <a:off x="504000" y="301320"/>
-            <a:ext cx="9070920" cy="1261440"/>
+            <a:ext cx="9070560" cy="1261080"/>
           </a:xfrm>
           <a:prstGeom prst="rect">
             <a:avLst/>
@@ -6346,7 +6671,7 @@
         <p:spPr>
           <a:xfrm>
             <a:off x="504000" y="1769040"/>
-            <a:ext cx="9070920" cy="4813920"/>
+            <a:ext cx="9070560" cy="4813560"/>
           </a:xfrm>
           <a:prstGeom prst="rect">
             <a:avLst/>
@@ -6615,7 +6940,7 @@
         <p:spPr>
           <a:xfrm>
             <a:off x="504000" y="301320"/>
-            <a:ext cx="9070920" cy="1261440"/>
+            <a:ext cx="9070560" cy="1261080"/>
           </a:xfrm>
           <a:prstGeom prst="rect">
             <a:avLst/>
@@ -6662,7 +6987,7 @@
         <p:spPr>
           <a:xfrm>
             <a:off x="504000" y="1769040"/>
-            <a:ext cx="9070920" cy="4813920"/>
+            <a:ext cx="9070560" cy="4813560"/>
           </a:xfrm>
           <a:prstGeom prst="rect">
             <a:avLst/>
